--- a/Syllabus/Lecture14/Lec14.pptx
+++ b/Syllabus/Lecture14/Lec14.pptx
@@ -5,10 +5,10 @@
     <p:sldMasterId id="2147483664" r:id="rId1"/>
   </p:sldMasterIdLst>
   <p:notesMasterIdLst>
-    <p:notesMasterId r:id="rId55"/>
+    <p:notesMasterId r:id="rId56"/>
   </p:notesMasterIdLst>
   <p:handoutMasterIdLst>
-    <p:handoutMasterId r:id="rId56"/>
+    <p:handoutMasterId r:id="rId57"/>
   </p:handoutMasterIdLst>
   <p:sldIdLst>
     <p:sldId id="266" r:id="rId2"/>
@@ -26,44 +26,45 @@
     <p:sldId id="1306" r:id="rId14"/>
     <p:sldId id="1263" r:id="rId15"/>
     <p:sldId id="1307" r:id="rId16"/>
-    <p:sldId id="1308" r:id="rId17"/>
-    <p:sldId id="1264" r:id="rId18"/>
-    <p:sldId id="1265" r:id="rId19"/>
-    <p:sldId id="1309" r:id="rId20"/>
-    <p:sldId id="1266" r:id="rId21"/>
-    <p:sldId id="1267" r:id="rId22"/>
-    <p:sldId id="1310" r:id="rId23"/>
-    <p:sldId id="1268" r:id="rId24"/>
-    <p:sldId id="1311" r:id="rId25"/>
-    <p:sldId id="1313" r:id="rId26"/>
-    <p:sldId id="1314" r:id="rId27"/>
-    <p:sldId id="1270" r:id="rId28"/>
-    <p:sldId id="1269" r:id="rId29"/>
-    <p:sldId id="1315" r:id="rId30"/>
-    <p:sldId id="1271" r:id="rId31"/>
-    <p:sldId id="1316" r:id="rId32"/>
-    <p:sldId id="1272" r:id="rId33"/>
-    <p:sldId id="1317" r:id="rId34"/>
-    <p:sldId id="1274" r:id="rId35"/>
-    <p:sldId id="1275" r:id="rId36"/>
-    <p:sldId id="1318" r:id="rId37"/>
-    <p:sldId id="1319" r:id="rId38"/>
-    <p:sldId id="1276" r:id="rId39"/>
-    <p:sldId id="1320" r:id="rId40"/>
-    <p:sldId id="1277" r:id="rId41"/>
-    <p:sldId id="1278" r:id="rId42"/>
-    <p:sldId id="1279" r:id="rId43"/>
-    <p:sldId id="1321" r:id="rId44"/>
-    <p:sldId id="1280" r:id="rId45"/>
-    <p:sldId id="1281" r:id="rId46"/>
-    <p:sldId id="1322" r:id="rId47"/>
-    <p:sldId id="1323" r:id="rId48"/>
-    <p:sldId id="1325" r:id="rId49"/>
-    <p:sldId id="1324" r:id="rId50"/>
-    <p:sldId id="1326" r:id="rId51"/>
-    <p:sldId id="1256" r:id="rId52"/>
-    <p:sldId id="410" r:id="rId53"/>
-    <p:sldId id="290" r:id="rId54"/>
+    <p:sldId id="1327" r:id="rId17"/>
+    <p:sldId id="1308" r:id="rId18"/>
+    <p:sldId id="1264" r:id="rId19"/>
+    <p:sldId id="1265" r:id="rId20"/>
+    <p:sldId id="1309" r:id="rId21"/>
+    <p:sldId id="1266" r:id="rId22"/>
+    <p:sldId id="1267" r:id="rId23"/>
+    <p:sldId id="1310" r:id="rId24"/>
+    <p:sldId id="1268" r:id="rId25"/>
+    <p:sldId id="1311" r:id="rId26"/>
+    <p:sldId id="1313" r:id="rId27"/>
+    <p:sldId id="1314" r:id="rId28"/>
+    <p:sldId id="1270" r:id="rId29"/>
+    <p:sldId id="1269" r:id="rId30"/>
+    <p:sldId id="1315" r:id="rId31"/>
+    <p:sldId id="1271" r:id="rId32"/>
+    <p:sldId id="1316" r:id="rId33"/>
+    <p:sldId id="1272" r:id="rId34"/>
+    <p:sldId id="1317" r:id="rId35"/>
+    <p:sldId id="1274" r:id="rId36"/>
+    <p:sldId id="1275" r:id="rId37"/>
+    <p:sldId id="1318" r:id="rId38"/>
+    <p:sldId id="1319" r:id="rId39"/>
+    <p:sldId id="1276" r:id="rId40"/>
+    <p:sldId id="1320" r:id="rId41"/>
+    <p:sldId id="1277" r:id="rId42"/>
+    <p:sldId id="1278" r:id="rId43"/>
+    <p:sldId id="1279" r:id="rId44"/>
+    <p:sldId id="1321" r:id="rId45"/>
+    <p:sldId id="1280" r:id="rId46"/>
+    <p:sldId id="1281" r:id="rId47"/>
+    <p:sldId id="1322" r:id="rId48"/>
+    <p:sldId id="1323" r:id="rId49"/>
+    <p:sldId id="1325" r:id="rId50"/>
+    <p:sldId id="1324" r:id="rId51"/>
+    <p:sldId id="1326" r:id="rId52"/>
+    <p:sldId id="1256" r:id="rId53"/>
+    <p:sldId id="410" r:id="rId54"/>
+    <p:sldId id="290" r:id="rId55"/>
   </p:sldIdLst>
   <p:sldSz cx="12192000" cy="6858000"/>
   <p:notesSz cx="6858000" cy="9144000"/>
@@ -182,6 +183,7 @@
             <p14:sldId id="1306"/>
             <p14:sldId id="1263"/>
             <p14:sldId id="1307"/>
+            <p14:sldId id="1327"/>
             <p14:sldId id="1308"/>
             <p14:sldId id="1264"/>
             <p14:sldId id="1265"/>
@@ -339,7 +341,7 @@
           <a:p>
             <a:fld id="{DF9C6931-D0F6-AB40-9D7F-95567148A5C2}" type="datetimeFigureOut">
               <a:rPr lang="en-US" smtClean="0"/>
-              <a:t>10/6/2021</a:t>
+              <a:t>10/7/2021</a:t>
             </a:fld>
             <a:endParaRPr lang="en-US"/>
           </a:p>
@@ -516,7 +518,7 @@
           <a:p>
             <a:fld id="{736C18F2-6801-5147-A332-A6E1C7D69D18}" type="datetimeFigureOut">
               <a:rPr lang="en-US" smtClean="0"/>
-              <a:t>10/6/2021</a:t>
+              <a:t>10/7/2021</a:t>
             </a:fld>
             <a:endParaRPr lang="en-US"/>
           </a:p>
@@ -1427,7 +1429,7 @@
     </p:spTree>
     <p:extLst>
       <p:ext uri="{BB962C8B-B14F-4D97-AF65-F5344CB8AC3E}">
-        <p14:creationId xmlns:p14="http://schemas.microsoft.com/office/powerpoint/2010/main" val="2615984487"/>
+        <p14:creationId xmlns:p14="http://schemas.microsoft.com/office/powerpoint/2010/main" val="3121962425"/>
       </p:ext>
     </p:extLst>
   </p:cSld>
@@ -1536,7 +1538,7 @@
     </p:spTree>
     <p:extLst>
       <p:ext uri="{BB962C8B-B14F-4D97-AF65-F5344CB8AC3E}">
-        <p14:creationId xmlns:p14="http://schemas.microsoft.com/office/powerpoint/2010/main" val="1359844857"/>
+        <p14:creationId xmlns:p14="http://schemas.microsoft.com/office/powerpoint/2010/main" val="2615984487"/>
       </p:ext>
     </p:extLst>
   </p:cSld>
@@ -1645,7 +1647,7 @@
     </p:spTree>
     <p:extLst>
       <p:ext uri="{BB962C8B-B14F-4D97-AF65-F5344CB8AC3E}">
-        <p14:creationId xmlns:p14="http://schemas.microsoft.com/office/powerpoint/2010/main" val="3000972682"/>
+        <p14:creationId xmlns:p14="http://schemas.microsoft.com/office/powerpoint/2010/main" val="1359844857"/>
       </p:ext>
     </p:extLst>
   </p:cSld>
@@ -1754,7 +1756,7 @@
     </p:spTree>
     <p:extLst>
       <p:ext uri="{BB962C8B-B14F-4D97-AF65-F5344CB8AC3E}">
-        <p14:creationId xmlns:p14="http://schemas.microsoft.com/office/powerpoint/2010/main" val="2299139675"/>
+        <p14:creationId xmlns:p14="http://schemas.microsoft.com/office/powerpoint/2010/main" val="3000972682"/>
       </p:ext>
     </p:extLst>
   </p:cSld>
@@ -1863,7 +1865,7 @@
     </p:spTree>
     <p:extLst>
       <p:ext uri="{BB962C8B-B14F-4D97-AF65-F5344CB8AC3E}">
-        <p14:creationId xmlns:p14="http://schemas.microsoft.com/office/powerpoint/2010/main" val="2989145512"/>
+        <p14:creationId xmlns:p14="http://schemas.microsoft.com/office/powerpoint/2010/main" val="2299139675"/>
       </p:ext>
     </p:extLst>
   </p:cSld>
@@ -1972,7 +1974,7 @@
     </p:spTree>
     <p:extLst>
       <p:ext uri="{BB962C8B-B14F-4D97-AF65-F5344CB8AC3E}">
-        <p14:creationId xmlns:p14="http://schemas.microsoft.com/office/powerpoint/2010/main" val="2418203746"/>
+        <p14:creationId xmlns:p14="http://schemas.microsoft.com/office/powerpoint/2010/main" val="2989145512"/>
       </p:ext>
     </p:extLst>
   </p:cSld>
@@ -2190,7 +2192,7 @@
     </p:spTree>
     <p:extLst>
       <p:ext uri="{BB962C8B-B14F-4D97-AF65-F5344CB8AC3E}">
-        <p14:creationId xmlns:p14="http://schemas.microsoft.com/office/powerpoint/2010/main" val="414180671"/>
+        <p14:creationId xmlns:p14="http://schemas.microsoft.com/office/powerpoint/2010/main" val="2418203746"/>
       </p:ext>
     </p:extLst>
   </p:cSld>
@@ -2299,7 +2301,7 @@
     </p:spTree>
     <p:extLst>
       <p:ext uri="{BB962C8B-B14F-4D97-AF65-F5344CB8AC3E}">
-        <p14:creationId xmlns:p14="http://schemas.microsoft.com/office/powerpoint/2010/main" val="2103459828"/>
+        <p14:creationId xmlns:p14="http://schemas.microsoft.com/office/powerpoint/2010/main" val="414180671"/>
       </p:ext>
     </p:extLst>
   </p:cSld>
@@ -2408,7 +2410,7 @@
     </p:spTree>
     <p:extLst>
       <p:ext uri="{BB962C8B-B14F-4D97-AF65-F5344CB8AC3E}">
-        <p14:creationId xmlns:p14="http://schemas.microsoft.com/office/powerpoint/2010/main" val="220432319"/>
+        <p14:creationId xmlns:p14="http://schemas.microsoft.com/office/powerpoint/2010/main" val="2103459828"/>
       </p:ext>
     </p:extLst>
   </p:cSld>
@@ -2517,7 +2519,7 @@
     </p:spTree>
     <p:extLst>
       <p:ext uri="{BB962C8B-B14F-4D97-AF65-F5344CB8AC3E}">
-        <p14:creationId xmlns:p14="http://schemas.microsoft.com/office/powerpoint/2010/main" val="2617470029"/>
+        <p14:creationId xmlns:p14="http://schemas.microsoft.com/office/powerpoint/2010/main" val="220432319"/>
       </p:ext>
     </p:extLst>
   </p:cSld>
@@ -2626,7 +2628,7 @@
     </p:spTree>
     <p:extLst>
       <p:ext uri="{BB962C8B-B14F-4D97-AF65-F5344CB8AC3E}">
-        <p14:creationId xmlns:p14="http://schemas.microsoft.com/office/powerpoint/2010/main" val="962328152"/>
+        <p14:creationId xmlns:p14="http://schemas.microsoft.com/office/powerpoint/2010/main" val="2617470029"/>
       </p:ext>
     </p:extLst>
   </p:cSld>
@@ -2735,7 +2737,7 @@
     </p:spTree>
     <p:extLst>
       <p:ext uri="{BB962C8B-B14F-4D97-AF65-F5344CB8AC3E}">
-        <p14:creationId xmlns:p14="http://schemas.microsoft.com/office/powerpoint/2010/main" val="2200030770"/>
+        <p14:creationId xmlns:p14="http://schemas.microsoft.com/office/powerpoint/2010/main" val="962328152"/>
       </p:ext>
     </p:extLst>
   </p:cSld>
@@ -2844,7 +2846,7 @@
     </p:spTree>
     <p:extLst>
       <p:ext uri="{BB962C8B-B14F-4D97-AF65-F5344CB8AC3E}">
-        <p14:creationId xmlns:p14="http://schemas.microsoft.com/office/powerpoint/2010/main" val="3772788965"/>
+        <p14:creationId xmlns:p14="http://schemas.microsoft.com/office/powerpoint/2010/main" val="2200030770"/>
       </p:ext>
     </p:extLst>
   </p:cSld>
@@ -2953,7 +2955,7 @@
     </p:spTree>
     <p:extLst>
       <p:ext uri="{BB962C8B-B14F-4D97-AF65-F5344CB8AC3E}">
-        <p14:creationId xmlns:p14="http://schemas.microsoft.com/office/powerpoint/2010/main" val="3328558918"/>
+        <p14:creationId xmlns:p14="http://schemas.microsoft.com/office/powerpoint/2010/main" val="3772788965"/>
       </p:ext>
     </p:extLst>
   </p:cSld>
@@ -3062,7 +3064,7 @@
     </p:spTree>
     <p:extLst>
       <p:ext uri="{BB962C8B-B14F-4D97-AF65-F5344CB8AC3E}">
-        <p14:creationId xmlns:p14="http://schemas.microsoft.com/office/powerpoint/2010/main" val="1909747053"/>
+        <p14:creationId xmlns:p14="http://schemas.microsoft.com/office/powerpoint/2010/main" val="3328558918"/>
       </p:ext>
     </p:extLst>
   </p:cSld>
@@ -3171,7 +3173,7 @@
     </p:spTree>
     <p:extLst>
       <p:ext uri="{BB962C8B-B14F-4D97-AF65-F5344CB8AC3E}">
-        <p14:creationId xmlns:p14="http://schemas.microsoft.com/office/powerpoint/2010/main" val="1906418796"/>
+        <p14:creationId xmlns:p14="http://schemas.microsoft.com/office/powerpoint/2010/main" val="1909747053"/>
       </p:ext>
     </p:extLst>
   </p:cSld>
@@ -3389,7 +3391,7 @@
     </p:spTree>
     <p:extLst>
       <p:ext uri="{BB962C8B-B14F-4D97-AF65-F5344CB8AC3E}">
-        <p14:creationId xmlns:p14="http://schemas.microsoft.com/office/powerpoint/2010/main" val="2536399673"/>
+        <p14:creationId xmlns:p14="http://schemas.microsoft.com/office/powerpoint/2010/main" val="1906418796"/>
       </p:ext>
     </p:extLst>
   </p:cSld>
@@ -3498,7 +3500,7 @@
     </p:spTree>
     <p:extLst>
       <p:ext uri="{BB962C8B-B14F-4D97-AF65-F5344CB8AC3E}">
-        <p14:creationId xmlns:p14="http://schemas.microsoft.com/office/powerpoint/2010/main" val="3791783367"/>
+        <p14:creationId xmlns:p14="http://schemas.microsoft.com/office/powerpoint/2010/main" val="2536399673"/>
       </p:ext>
     </p:extLst>
   </p:cSld>
@@ -3607,7 +3609,7 @@
     </p:spTree>
     <p:extLst>
       <p:ext uri="{BB962C8B-B14F-4D97-AF65-F5344CB8AC3E}">
-        <p14:creationId xmlns:p14="http://schemas.microsoft.com/office/powerpoint/2010/main" val="2762777887"/>
+        <p14:creationId xmlns:p14="http://schemas.microsoft.com/office/powerpoint/2010/main" val="3791783367"/>
       </p:ext>
     </p:extLst>
   </p:cSld>
@@ -3716,7 +3718,7 @@
     </p:spTree>
     <p:extLst>
       <p:ext uri="{BB962C8B-B14F-4D97-AF65-F5344CB8AC3E}">
-        <p14:creationId xmlns:p14="http://schemas.microsoft.com/office/powerpoint/2010/main" val="2089703912"/>
+        <p14:creationId xmlns:p14="http://schemas.microsoft.com/office/powerpoint/2010/main" val="2762777887"/>
       </p:ext>
     </p:extLst>
   </p:cSld>
@@ -3825,7 +3827,7 @@
     </p:spTree>
     <p:extLst>
       <p:ext uri="{BB962C8B-B14F-4D97-AF65-F5344CB8AC3E}">
-        <p14:creationId xmlns:p14="http://schemas.microsoft.com/office/powerpoint/2010/main" val="1065861370"/>
+        <p14:creationId xmlns:p14="http://schemas.microsoft.com/office/powerpoint/2010/main" val="2089703912"/>
       </p:ext>
     </p:extLst>
   </p:cSld>
@@ -3934,7 +3936,7 @@
     </p:spTree>
     <p:extLst>
       <p:ext uri="{BB962C8B-B14F-4D97-AF65-F5344CB8AC3E}">
-        <p14:creationId xmlns:p14="http://schemas.microsoft.com/office/powerpoint/2010/main" val="1653491276"/>
+        <p14:creationId xmlns:p14="http://schemas.microsoft.com/office/powerpoint/2010/main" val="1065861370"/>
       </p:ext>
     </p:extLst>
   </p:cSld>
@@ -4043,7 +4045,7 @@
     </p:spTree>
     <p:extLst>
       <p:ext uri="{BB962C8B-B14F-4D97-AF65-F5344CB8AC3E}">
-        <p14:creationId xmlns:p14="http://schemas.microsoft.com/office/powerpoint/2010/main" val="3057066646"/>
+        <p14:creationId xmlns:p14="http://schemas.microsoft.com/office/powerpoint/2010/main" val="1653491276"/>
       </p:ext>
     </p:extLst>
   </p:cSld>
@@ -4152,7 +4154,7 @@
     </p:spTree>
     <p:extLst>
       <p:ext uri="{BB962C8B-B14F-4D97-AF65-F5344CB8AC3E}">
-        <p14:creationId xmlns:p14="http://schemas.microsoft.com/office/powerpoint/2010/main" val="574914222"/>
+        <p14:creationId xmlns:p14="http://schemas.microsoft.com/office/powerpoint/2010/main" val="3057066646"/>
       </p:ext>
     </p:extLst>
   </p:cSld>
@@ -4261,7 +4263,7 @@
     </p:spTree>
     <p:extLst>
       <p:ext uri="{BB962C8B-B14F-4D97-AF65-F5344CB8AC3E}">
-        <p14:creationId xmlns:p14="http://schemas.microsoft.com/office/powerpoint/2010/main" val="3793357303"/>
+        <p14:creationId xmlns:p14="http://schemas.microsoft.com/office/powerpoint/2010/main" val="574914222"/>
       </p:ext>
     </p:extLst>
   </p:cSld>
@@ -4370,7 +4372,7 @@
     </p:spTree>
     <p:extLst>
       <p:ext uri="{BB962C8B-B14F-4D97-AF65-F5344CB8AC3E}">
-        <p14:creationId xmlns:p14="http://schemas.microsoft.com/office/powerpoint/2010/main" val="437534257"/>
+        <p14:creationId xmlns:p14="http://schemas.microsoft.com/office/powerpoint/2010/main" val="3793357303"/>
       </p:ext>
     </p:extLst>
   </p:cSld>
@@ -4472,7 +4474,10 @@
               </a:spcAft>
               <a:buNone/>
             </a:pPr>
-            <a:endParaRPr lang="en-US" dirty="0"/>
+            <a:r>
+              <a:rPr lang="en-US" dirty="0"/>
+              <a:t>Space of possible hypotheses for mapping inputs to outputs that can be searched, often constrained by how problem is framed, choice of mode, model parameters.</a:t>
+            </a:r>
           </a:p>
         </p:txBody>
       </p:sp>
@@ -4588,7 +4593,7 @@
     </p:spTree>
     <p:extLst>
       <p:ext uri="{BB962C8B-B14F-4D97-AF65-F5344CB8AC3E}">
-        <p14:creationId xmlns:p14="http://schemas.microsoft.com/office/powerpoint/2010/main" val="1957241476"/>
+        <p14:creationId xmlns:p14="http://schemas.microsoft.com/office/powerpoint/2010/main" val="437534257"/>
       </p:ext>
     </p:extLst>
   </p:cSld>
@@ -4697,7 +4702,7 @@
     </p:spTree>
     <p:extLst>
       <p:ext uri="{BB962C8B-B14F-4D97-AF65-F5344CB8AC3E}">
-        <p14:creationId xmlns:p14="http://schemas.microsoft.com/office/powerpoint/2010/main" val="1968367032"/>
+        <p14:creationId xmlns:p14="http://schemas.microsoft.com/office/powerpoint/2010/main" val="1957241476"/>
       </p:ext>
     </p:extLst>
   </p:cSld>
@@ -4806,7 +4811,7 @@
     </p:spTree>
     <p:extLst>
       <p:ext uri="{BB962C8B-B14F-4D97-AF65-F5344CB8AC3E}">
-        <p14:creationId xmlns:p14="http://schemas.microsoft.com/office/powerpoint/2010/main" val="3091168580"/>
+        <p14:creationId xmlns:p14="http://schemas.microsoft.com/office/powerpoint/2010/main" val="1968367032"/>
       </p:ext>
     </p:extLst>
   </p:cSld>
@@ -4915,7 +4920,7 @@
     </p:spTree>
     <p:extLst>
       <p:ext uri="{BB962C8B-B14F-4D97-AF65-F5344CB8AC3E}">
-        <p14:creationId xmlns:p14="http://schemas.microsoft.com/office/powerpoint/2010/main" val="4040343401"/>
+        <p14:creationId xmlns:p14="http://schemas.microsoft.com/office/powerpoint/2010/main" val="3091168580"/>
       </p:ext>
     </p:extLst>
   </p:cSld>
@@ -5024,7 +5029,7 @@
     </p:spTree>
     <p:extLst>
       <p:ext uri="{BB962C8B-B14F-4D97-AF65-F5344CB8AC3E}">
-        <p14:creationId xmlns:p14="http://schemas.microsoft.com/office/powerpoint/2010/main" val="2163910478"/>
+        <p14:creationId xmlns:p14="http://schemas.microsoft.com/office/powerpoint/2010/main" val="4040343401"/>
       </p:ext>
     </p:extLst>
   </p:cSld>
@@ -5133,7 +5138,7 @@
     </p:spTree>
     <p:extLst>
       <p:ext uri="{BB962C8B-B14F-4D97-AF65-F5344CB8AC3E}">
-        <p14:creationId xmlns:p14="http://schemas.microsoft.com/office/powerpoint/2010/main" val="658748479"/>
+        <p14:creationId xmlns:p14="http://schemas.microsoft.com/office/powerpoint/2010/main" val="2163910478"/>
       </p:ext>
     </p:extLst>
   </p:cSld>
@@ -5242,7 +5247,7 @@
     </p:spTree>
     <p:extLst>
       <p:ext uri="{BB962C8B-B14F-4D97-AF65-F5344CB8AC3E}">
-        <p14:creationId xmlns:p14="http://schemas.microsoft.com/office/powerpoint/2010/main" val="2283971992"/>
+        <p14:creationId xmlns:p14="http://schemas.microsoft.com/office/powerpoint/2010/main" val="658748479"/>
       </p:ext>
     </p:extLst>
   </p:cSld>
@@ -5351,7 +5356,7 @@
     </p:spTree>
     <p:extLst>
       <p:ext uri="{BB962C8B-B14F-4D97-AF65-F5344CB8AC3E}">
-        <p14:creationId xmlns:p14="http://schemas.microsoft.com/office/powerpoint/2010/main" val="2733644395"/>
+        <p14:creationId xmlns:p14="http://schemas.microsoft.com/office/powerpoint/2010/main" val="2283971992"/>
       </p:ext>
     </p:extLst>
   </p:cSld>
@@ -5460,7 +5465,7 @@
     </p:spTree>
     <p:extLst>
       <p:ext uri="{BB962C8B-B14F-4D97-AF65-F5344CB8AC3E}">
-        <p14:creationId xmlns:p14="http://schemas.microsoft.com/office/powerpoint/2010/main" val="2162353407"/>
+        <p14:creationId xmlns:p14="http://schemas.microsoft.com/office/powerpoint/2010/main" val="2733644395"/>
       </p:ext>
     </p:extLst>
   </p:cSld>
@@ -5569,7 +5574,7 @@
     </p:spTree>
     <p:extLst>
       <p:ext uri="{BB962C8B-B14F-4D97-AF65-F5344CB8AC3E}">
-        <p14:creationId xmlns:p14="http://schemas.microsoft.com/office/powerpoint/2010/main" val="936982692"/>
+        <p14:creationId xmlns:p14="http://schemas.microsoft.com/office/powerpoint/2010/main" val="2162353407"/>
       </p:ext>
     </p:extLst>
   </p:cSld>
@@ -5689,6 +5694,115 @@
 </file>
 
 <file path=ppt/notesSlides/notesSlide50.xml><?xml version="1.0" encoding="utf-8"?>
+<p:notes xmlns:a="http://schemas.openxmlformats.org/drawingml/2006/main" xmlns:r="http://schemas.openxmlformats.org/officeDocument/2006/relationships" xmlns:p="http://schemas.openxmlformats.org/presentationml/2006/main" showMasterSp="0" showMasterPhAnim="0">
+  <p:cSld>
+    <p:spTree>
+      <p:nvGrpSpPr>
+        <p:cNvPr id="1" name="Shape 91"/>
+        <p:cNvGrpSpPr/>
+        <p:nvPr/>
+      </p:nvGrpSpPr>
+      <p:grpSpPr>
+        <a:xfrm>
+          <a:off x="0" y="0"/>
+          <a:ext cx="0" cy="0"/>
+          <a:chOff x="0" y="0"/>
+          <a:chExt cx="0" cy="0"/>
+        </a:xfrm>
+      </p:grpSpPr>
+      <p:sp>
+        <p:nvSpPr>
+          <p:cNvPr id="92" name="Google Shape;92;g921be16503_9_0:notes"/>
+          <p:cNvSpPr>
+            <a:spLocks noGrp="1" noRot="1" noChangeAspect="1"/>
+          </p:cNvSpPr>
+          <p:nvPr>
+            <p:ph type="sldImg" idx="2"/>
+          </p:nvPr>
+        </p:nvSpPr>
+        <p:spPr>
+          <a:xfrm>
+            <a:off x="381000" y="685800"/>
+            <a:ext cx="6096000" cy="3429000"/>
+          </a:xfrm>
+          <a:custGeom>
+            <a:avLst/>
+            <a:gdLst/>
+            <a:ahLst/>
+            <a:cxnLst/>
+            <a:rect l="l" t="t" r="r" b="b"/>
+            <a:pathLst>
+              <a:path w="120000" h="120000" extrusionOk="0">
+                <a:moveTo>
+                  <a:pt x="0" y="0"/>
+                </a:moveTo>
+                <a:lnTo>
+                  <a:pt x="120000" y="0"/>
+                </a:lnTo>
+                <a:lnTo>
+                  <a:pt x="120000" y="120000"/>
+                </a:lnTo>
+                <a:lnTo>
+                  <a:pt x="0" y="120000"/>
+                </a:lnTo>
+                <a:close/>
+              </a:path>
+            </a:pathLst>
+          </a:custGeom>
+        </p:spPr>
+      </p:sp>
+      <p:sp>
+        <p:nvSpPr>
+          <p:cNvPr id="93" name="Google Shape;93;g921be16503_9_0:notes"/>
+          <p:cNvSpPr txBox="1">
+            <a:spLocks noGrp="1"/>
+          </p:cNvSpPr>
+          <p:nvPr>
+            <p:ph type="body" idx="1"/>
+          </p:nvPr>
+        </p:nvSpPr>
+        <p:spPr>
+          <a:xfrm>
+            <a:off x="685800" y="4343400"/>
+            <a:ext cx="5486400" cy="4114800"/>
+          </a:xfrm>
+          <a:prstGeom prst="rect">
+            <a:avLst/>
+          </a:prstGeom>
+        </p:spPr>
+        <p:txBody>
+          <a:bodyPr spcFirstLastPara="1" wrap="square" lIns="91425" tIns="91425" rIns="91425" bIns="91425" anchor="t" anchorCtr="0">
+            <a:noAutofit/>
+          </a:bodyPr>
+          <a:lstStyle/>
+          <a:p>
+            <a:pPr marL="0" lvl="0" indent="0" algn="l" rtl="0">
+              <a:spcBef>
+                <a:spcPts val="0"/>
+              </a:spcBef>
+              <a:spcAft>
+                <a:spcPts val="0"/>
+              </a:spcAft>
+              <a:buNone/>
+            </a:pPr>
+            <a:endParaRPr lang="en-US" dirty="0"/>
+          </a:p>
+        </p:txBody>
+      </p:sp>
+    </p:spTree>
+    <p:extLst>
+      <p:ext uri="{BB962C8B-B14F-4D97-AF65-F5344CB8AC3E}">
+        <p14:creationId xmlns:p14="http://schemas.microsoft.com/office/powerpoint/2010/main" val="936982692"/>
+      </p:ext>
+    </p:extLst>
+  </p:cSld>
+  <p:clrMapOvr>
+    <a:masterClrMapping/>
+  </p:clrMapOvr>
+</p:notes>
+</file>
+
+<file path=ppt/notesSlides/notesSlide51.xml><?xml version="1.0" encoding="utf-8"?>
 <p:notes xmlns:a="http://schemas.openxmlformats.org/drawingml/2006/main" xmlns:r="http://schemas.openxmlformats.org/officeDocument/2006/relationships" xmlns:p="http://schemas.openxmlformats.org/presentationml/2006/main" showMasterSp="0" showMasterPhAnim="0">
   <p:cSld>
     <p:spTree>
@@ -10557,7 +10671,41 @@
             </a:pPr>
             <a:r>
               <a:rPr lang="en-US" dirty="0"/>
-              <a:t>Predictor/Response Variable Transformation</a:t>
+              <a:t>Manual or Automatic </a:t>
+            </a:r>
+          </a:p>
+          <a:p>
+            <a:pPr marL="342900" indent="-342900">
+              <a:buFont typeface="Arial" panose="020B0604020202020204" pitchFamily="34" charset="0"/>
+              <a:buChar char="•"/>
+            </a:pPr>
+            <a:endParaRPr lang="en-US" dirty="0"/>
+          </a:p>
+          <a:p>
+            <a:pPr marL="342900" indent="-342900">
+              <a:buFont typeface="Arial" panose="020B0604020202020204" pitchFamily="34" charset="0"/>
+              <a:buChar char="•"/>
+            </a:pPr>
+            <a:r>
+              <a:rPr lang="en-US" dirty="0"/>
+              <a:t>Fit transform on training dataset</a:t>
+            </a:r>
+          </a:p>
+          <a:p>
+            <a:pPr marL="342900" indent="-342900">
+              <a:buFont typeface="Arial" panose="020B0604020202020204" pitchFamily="34" charset="0"/>
+              <a:buChar char="•"/>
+            </a:pPr>
+            <a:endParaRPr lang="en-US" dirty="0"/>
+          </a:p>
+          <a:p>
+            <a:pPr marL="342900" indent="-342900">
+              <a:buFont typeface="Arial" panose="020B0604020202020204" pitchFamily="34" charset="0"/>
+              <a:buChar char="•"/>
+            </a:pPr>
+            <a:r>
+              <a:rPr lang="en-US" dirty="0"/>
+              <a:t>Apply to train and test. Invert transform on prediction</a:t>
             </a:r>
           </a:p>
           <a:p>
@@ -11153,37 +11301,6 @@
           </a:bodyPr>
           <a:lstStyle/>
           <a:p>
-            <a:pPr marL="342900" indent="-342900">
-              <a:buFont typeface="Arial" panose="020B0604020202020204" pitchFamily="34" charset="0"/>
-              <a:buChar char="•"/>
-            </a:pPr>
-            <a:r>
-              <a:rPr lang="en-US" dirty="0"/>
-              <a:t>Common problem in preparing data: Missing Values</a:t>
-            </a:r>
-          </a:p>
-          <a:p>
-            <a:pPr marL="342900" indent="-342900">
-              <a:buFont typeface="Arial" panose="020B0604020202020204" pitchFamily="34" charset="0"/>
-              <a:buChar char="•"/>
-            </a:pPr>
-            <a:endParaRPr lang="en-US" dirty="0"/>
-          </a:p>
-          <a:p>
-            <a:pPr marL="342900" indent="-342900">
-              <a:buFont typeface="Arial" panose="020B0604020202020204" pitchFamily="34" charset="0"/>
-              <a:buChar char="•"/>
-            </a:pPr>
-            <a:r>
-              <a:rPr lang="en-US" dirty="0"/>
-              <a:t>Why we have missing values?</a:t>
-            </a:r>
-          </a:p>
-          <a:p>
-            <a:pPr marL="342900" indent="-342900">
-              <a:buFont typeface="Arial" panose="020B0604020202020204" pitchFamily="34" charset="0"/>
-              <a:buChar char="•"/>
-            </a:pPr>
             <a:endParaRPr lang="en-US" dirty="0"/>
           </a:p>
           <a:p>
@@ -11303,8 +11420,8 @@
         </p:nvSpPr>
         <p:spPr>
           <a:xfrm>
-            <a:off x="873082" y="1712171"/>
-            <a:ext cx="10660981" cy="4176000"/>
+            <a:off x="873083" y="1712171"/>
+            <a:ext cx="6132836" cy="4176000"/>
           </a:xfrm>
           <a:prstGeom prst="rect">
             <a:avLst/>
@@ -11326,7 +11443,7 @@
             </a:pPr>
             <a:r>
               <a:rPr lang="en-US" dirty="0"/>
-              <a:t>Numerical Imputation</a:t>
+              <a:t>Numerical Imputation – better than dropping since it preserves data size</a:t>
             </a:r>
           </a:p>
           <a:p>
@@ -11358,58 +11475,87 @@
             </a:r>
           </a:p>
           <a:p>
+            <a:pPr lvl="1"/>
+            <a:endParaRPr lang="en-US" dirty="0"/>
+          </a:p>
+          <a:p>
+            <a:pPr marL="342900" indent="-342900">
+              <a:buFont typeface="Arial" panose="020B0604020202020204" pitchFamily="34" charset="0"/>
+              <a:buChar char="•"/>
+            </a:pPr>
+            <a:r>
+              <a:rPr lang="en-US" dirty="0"/>
+              <a:t>Which one to pick?	</a:t>
+            </a:r>
+          </a:p>
+          <a:p>
+            <a:pPr marL="342900" indent="-342900">
+              <a:buFont typeface="Arial" panose="020B0604020202020204" pitchFamily="34" charset="0"/>
+              <a:buChar char="•"/>
+            </a:pPr>
+            <a:r>
+              <a:rPr lang="en-US" dirty="0"/>
+              <a:t>Default value or medians of columns (Note that averages are sensitive to outlier values)</a:t>
+            </a:r>
+          </a:p>
+          <a:p>
             <a:pPr marL="952485" lvl="1" indent="-342900">
               <a:buFont typeface="Arial" panose="020B0604020202020204" pitchFamily="34" charset="0"/>
               <a:buChar char="•"/>
             </a:pPr>
-            <a:r>
-              <a:rPr lang="en-US" dirty="0"/>
-              <a:t>Default value or medians of columns (Note that averages are sensitive to outlier values)</a:t>
-            </a:r>
-          </a:p>
-          <a:p>
-            <a:pPr marL="952485" lvl="1" indent="-342900">
-              <a:buFont typeface="Arial" panose="020B0604020202020204" pitchFamily="34" charset="0"/>
-              <a:buChar char="•"/>
-            </a:pPr>
             <a:endParaRPr lang="en-US" dirty="0"/>
           </a:p>
-          <a:p>
-            <a:pPr marL="342900" indent="-342900">
-              <a:buFont typeface="Arial" panose="020B0604020202020204" pitchFamily="34" charset="0"/>
-              <a:buChar char="•"/>
-            </a:pPr>
-            <a:r>
-              <a:rPr lang="en-US" dirty="0"/>
-              <a:t>Categorical Imputation</a:t>
-            </a:r>
-          </a:p>
-          <a:p>
-            <a:pPr marL="952485" lvl="1" indent="-342900">
-              <a:buFont typeface="Arial" panose="020B0604020202020204" pitchFamily="34" charset="0"/>
-              <a:buChar char="•"/>
-            </a:pPr>
-            <a:r>
-              <a:rPr lang="en-US" dirty="0"/>
-              <a:t>Maximum occurred value</a:t>
-            </a:r>
-          </a:p>
-          <a:p>
-            <a:pPr marL="952485" lvl="1" indent="-342900">
-              <a:buFont typeface="Arial" panose="020B0604020202020204" pitchFamily="34" charset="0"/>
-              <a:buChar char="•"/>
-            </a:pPr>
-            <a:r>
-              <a:rPr lang="en-US" dirty="0"/>
-              <a:t>There is not a dominant value, imputing a category like “Other”</a:t>
-            </a:r>
-          </a:p>
         </p:txBody>
       </p:sp>
+      <p:pic>
+        <p:nvPicPr>
+          <p:cNvPr id="2050" name="Picture 2" descr="Feature Engineering Part-1 Mean/ Median Imputation. | by Arun Amballa |  Analytics Vidhya | Medium">
+            <a:extLst>
+              <a:ext uri="{FF2B5EF4-FFF2-40B4-BE49-F238E27FC236}">
+                <a16:creationId xmlns:a16="http://schemas.microsoft.com/office/drawing/2014/main" id="{B025D76D-7503-434C-83B5-D38418DBDD0E}"/>
+              </a:ext>
+            </a:extLst>
+          </p:cNvPr>
+          <p:cNvPicPr>
+            <a:picLocks noChangeAspect="1" noChangeArrowheads="1"/>
+          </p:cNvPicPr>
+          <p:nvPr/>
+        </p:nvPicPr>
+        <p:blipFill rotWithShape="1">
+          <a:blip r:embed="rId3">
+            <a:extLst>
+              <a:ext uri="{28A0092B-C50C-407E-A947-70E740481C1C}">
+                <a14:useLocalDpi xmlns:a14="http://schemas.microsoft.com/office/drawing/2010/main" val="0"/>
+              </a:ext>
+            </a:extLst>
+          </a:blip>
+          <a:srcRect l="24540" t="17853" r="23731" b="1621"/>
+          <a:stretch/>
+        </p:blipFill>
+        <p:spPr bwMode="auto">
+          <a:xfrm>
+            <a:off x="6513583" y="1712171"/>
+            <a:ext cx="5071057" cy="4103339"/>
+          </a:xfrm>
+          <a:prstGeom prst="rect">
+            <a:avLst/>
+          </a:prstGeom>
+          <a:noFill/>
+          <a:extLst>
+            <a:ext uri="{909E8E84-426E-40DD-AFC4-6F175D3DCCD1}">
+              <a14:hiddenFill xmlns:a14="http://schemas.microsoft.com/office/drawing/2010/main">
+                <a:solidFill>
+                  <a:srgbClr val="FFFFFF"/>
+                </a:solidFill>
+              </a14:hiddenFill>
+            </a:ext>
+          </a:extLst>
+        </p:spPr>
+      </p:pic>
     </p:spTree>
     <p:extLst>
       <p:ext uri="{BB962C8B-B14F-4D97-AF65-F5344CB8AC3E}">
-        <p14:creationId xmlns:p14="http://schemas.microsoft.com/office/powerpoint/2010/main" val="1472143357"/>
+        <p14:creationId xmlns:p14="http://schemas.microsoft.com/office/powerpoint/2010/main" val="2103538190"/>
       </p:ext>
     </p:extLst>
   </p:cSld>
@@ -11448,7 +11594,7 @@
         </p:nvSpPr>
         <p:spPr>
           <a:xfrm>
-            <a:off x="717173" y="696913"/>
+            <a:off x="717173" y="723807"/>
             <a:ext cx="10972800" cy="506789"/>
           </a:xfrm>
           <a:prstGeom prst="rect">
@@ -11467,7 +11613,7 @@
                   <a:srgbClr val="E46102"/>
                 </a:solidFill>
               </a:rPr>
-              <a:t>Outliers</a:t>
+              <a:t>Imputation</a:t>
             </a:r>
             <a:endParaRPr sz="4000" b="1" dirty="0">
               <a:solidFill>
@@ -11485,8 +11631,8 @@
         </p:nvSpPr>
         <p:spPr>
           <a:xfrm>
-            <a:off x="5797484" y="2386187"/>
-            <a:ext cx="3384223" cy="2699573"/>
+            <a:off x="657929" y="1341000"/>
+            <a:ext cx="10660981" cy="4176000"/>
           </a:xfrm>
           <a:prstGeom prst="rect">
             <a:avLst/>
@@ -11502,67 +11648,94 @@
           </a:bodyPr>
           <a:lstStyle/>
           <a:p>
-            <a:pPr marL="342900" indent="-342900">
+            <a:r>
+              <a:rPr lang="en-US" dirty="0"/>
+              <a:t>Categorical Imputation</a:t>
+            </a:r>
+          </a:p>
+          <a:p>
+            <a:pPr marL="952485" lvl="1" indent="-342900">
               <a:buFont typeface="Arial" panose="020B0604020202020204" pitchFamily="34" charset="0"/>
               <a:buChar char="•"/>
             </a:pPr>
             <a:r>
               <a:rPr lang="en-US" dirty="0"/>
-              <a:t>Mistake?</a:t>
-            </a:r>
-          </a:p>
-          <a:p>
-            <a:pPr marL="342900" indent="-342900">
+              <a:t>Maximum occurred value</a:t>
+            </a:r>
+          </a:p>
+          <a:p>
+            <a:pPr marL="952485" lvl="1" indent="-342900">
               <a:buFont typeface="Arial" panose="020B0604020202020204" pitchFamily="34" charset="0"/>
               <a:buChar char="•"/>
             </a:pPr>
-            <a:endParaRPr lang="en-US" dirty="0"/>
-          </a:p>
-          <a:p>
-            <a:pPr marL="342900" indent="-342900">
+            <a:r>
+              <a:rPr lang="en-US" dirty="0"/>
+              <a:t>There is not a dominant value, imputing a category like “Other”</a:t>
+            </a:r>
+          </a:p>
+          <a:p>
+            <a:pPr marL="952485" lvl="1" indent="-342900">
               <a:buFont typeface="Arial" panose="020B0604020202020204" pitchFamily="34" charset="0"/>
               <a:buChar char="•"/>
             </a:pPr>
             <a:r>
               <a:rPr lang="en-US" dirty="0"/>
-              <a:t>Variance?</a:t>
+              <a:t>Text -&gt; numeric format</a:t>
             </a:r>
           </a:p>
         </p:txBody>
       </p:sp>
       <p:pic>
         <p:nvPicPr>
-          <p:cNvPr id="3" name="Picture 2">
+          <p:cNvPr id="3074" name="Picture 2" descr="Dealing with Categorical Data. Categorical data can screw up you ML… | by  Victor Popov | machine_learning_eli5 | Medium">
             <a:extLst>
               <a:ext uri="{FF2B5EF4-FFF2-40B4-BE49-F238E27FC236}">
-                <a16:creationId xmlns:a16="http://schemas.microsoft.com/office/drawing/2014/main" id="{43279DDB-C392-40DD-9919-27437E764D04}"/>
+                <a16:creationId xmlns:a16="http://schemas.microsoft.com/office/drawing/2014/main" id="{565AA7B1-F6B9-45C4-BFFD-CC7F395F5260}"/>
               </a:ext>
             </a:extLst>
           </p:cNvPr>
           <p:cNvPicPr>
-            <a:picLocks noChangeAspect="1"/>
+            <a:picLocks noChangeAspect="1" noChangeArrowheads="1"/>
           </p:cNvPicPr>
           <p:nvPr/>
         </p:nvPicPr>
-        <p:blipFill rotWithShape="1">
-          <a:blip r:embed="rId3"/>
-          <a:srcRect l="10964" t="16603"/>
-          <a:stretch/>
+        <p:blipFill>
+          <a:blip r:embed="rId3">
+            <a:extLst>
+              <a:ext uri="{28A0092B-C50C-407E-A947-70E740481C1C}">
+                <a14:useLocalDpi xmlns:a14="http://schemas.microsoft.com/office/drawing/2010/main" val="0"/>
+              </a:ext>
+            </a:extLst>
+          </a:blip>
+          <a:srcRect/>
+          <a:stretch>
+            <a:fillRect/>
+          </a:stretch>
         </p:blipFill>
-        <p:spPr>
-          <a:xfrm>
-            <a:off x="2036190" y="2033694"/>
-            <a:ext cx="3424321" cy="3246686"/>
-          </a:xfrm>
-          <a:prstGeom prst="rect">
-            <a:avLst/>
-          </a:prstGeom>
+        <p:spPr bwMode="auto">
+          <a:xfrm>
+            <a:off x="2985247" y="3081442"/>
+            <a:ext cx="5446058" cy="3340905"/>
+          </a:xfrm>
+          <a:prstGeom prst="rect">
+            <a:avLst/>
+          </a:prstGeom>
+          <a:noFill/>
+          <a:extLst>
+            <a:ext uri="{909E8E84-426E-40DD-AFC4-6F175D3DCCD1}">
+              <a14:hiddenFill xmlns:a14="http://schemas.microsoft.com/office/drawing/2010/main">
+                <a:solidFill>
+                  <a:srgbClr val="FFFFFF"/>
+                </a:solidFill>
+              </a14:hiddenFill>
+            </a:ext>
+          </a:extLst>
         </p:spPr>
       </p:pic>
     </p:spTree>
     <p:extLst>
       <p:ext uri="{BB962C8B-B14F-4D97-AF65-F5344CB8AC3E}">
-        <p14:creationId xmlns:p14="http://schemas.microsoft.com/office/powerpoint/2010/main" val="3175513835"/>
+        <p14:creationId xmlns:p14="http://schemas.microsoft.com/office/powerpoint/2010/main" val="1472143357"/>
       </p:ext>
     </p:extLst>
   </p:cSld>
@@ -11620,7 +11793,7 @@
                   <a:srgbClr val="E46102"/>
                 </a:solidFill>
               </a:rPr>
-              <a:t>Outlier/Anomaly detection</a:t>
+              <a:t>Outliers</a:t>
             </a:r>
             <a:endParaRPr sz="4000" b="1" dirty="0">
               <a:solidFill>
@@ -11638,8 +11811,8 @@
         </p:nvSpPr>
         <p:spPr>
           <a:xfrm>
-            <a:off x="603316" y="1712171"/>
-            <a:ext cx="10930748" cy="4176000"/>
+            <a:off x="5797484" y="2386187"/>
+            <a:ext cx="3384223" cy="2699573"/>
           </a:xfrm>
           <a:prstGeom prst="rect">
             <a:avLst/>
@@ -11660,79 +11833,62 @@
               <a:buChar char="•"/>
             </a:pPr>
             <a:r>
-              <a:rPr lang="en-US" b="1" dirty="0"/>
-              <a:t>Outlier</a:t>
-            </a:r>
-            <a:r>
-              <a:rPr lang="en-US" dirty="0"/>
-              <a:t>: A data object that deviates significantly from normal objects as if it were generated by a different mechanism</a:t>
-            </a:r>
-          </a:p>
-          <a:p>
-            <a:endParaRPr lang="en-US" b="1" dirty="0"/>
+              <a:rPr lang="en-US" dirty="0"/>
+              <a:t>Mistake?</a:t>
+            </a:r>
           </a:p>
           <a:p>
             <a:pPr marL="342900" indent="-342900">
               <a:buFont typeface="Arial" panose="020B0604020202020204" pitchFamily="34" charset="0"/>
               <a:buChar char="•"/>
             </a:pPr>
-            <a:r>
-              <a:rPr lang="en-US" b="1" dirty="0"/>
-              <a:t>Outliers are different from noise data</a:t>
-            </a:r>
-          </a:p>
-          <a:p>
-            <a:r>
-              <a:rPr lang="en-US" dirty="0"/>
-              <a:t>	Noise is random error or variance in a measured variable</a:t>
-            </a:r>
-          </a:p>
-          <a:p>
-            <a:r>
-              <a:rPr lang="en-US" dirty="0"/>
-              <a:t>	Noise should be removed before outlier detection</a:t>
-            </a:r>
+            <a:endParaRPr lang="en-US" dirty="0"/>
           </a:p>
           <a:p>
             <a:pPr marL="342900" indent="-342900">
               <a:buFont typeface="Arial" panose="020B0604020202020204" pitchFamily="34" charset="0"/>
               <a:buChar char="•"/>
             </a:pPr>
-            <a:endParaRPr lang="en-US" dirty="0"/>
-          </a:p>
-          <a:p>
-            <a:pPr marL="342900" indent="-342900">
-              <a:buFont typeface="Arial" panose="020B0604020202020204" pitchFamily="34" charset="0"/>
-              <a:buChar char="•"/>
-            </a:pPr>
-            <a:r>
-              <a:rPr lang="en-US" dirty="0"/>
-              <a:t>Outliers are interesting: It violates mechanism that generates normal data</a:t>
-            </a:r>
-          </a:p>
-          <a:p>
-            <a:pPr marL="342900" indent="-342900">
-              <a:buFont typeface="Arial" panose="020B0604020202020204" pitchFamily="34" charset="0"/>
-              <a:buChar char="•"/>
-            </a:pPr>
-            <a:endParaRPr lang="en-US" dirty="0"/>
-          </a:p>
-          <a:p>
-            <a:pPr marL="342900" indent="-342900">
-              <a:buFont typeface="Arial" panose="020B0604020202020204" pitchFamily="34" charset="0"/>
-              <a:buChar char="•"/>
-            </a:pPr>
-            <a:r>
-              <a:rPr lang="en-US" dirty="0"/>
-              <a:t>Outlier detection vs. novelty detection: early stage, outlier; but later merged into model</a:t>
+            <a:r>
+              <a:rPr lang="en-US" dirty="0"/>
+              <a:t>Variance?</a:t>
             </a:r>
           </a:p>
         </p:txBody>
       </p:sp>
+      <p:pic>
+        <p:nvPicPr>
+          <p:cNvPr id="3" name="Picture 2">
+            <a:extLst>
+              <a:ext uri="{FF2B5EF4-FFF2-40B4-BE49-F238E27FC236}">
+                <a16:creationId xmlns:a16="http://schemas.microsoft.com/office/drawing/2014/main" id="{43279DDB-C392-40DD-9919-27437E764D04}"/>
+              </a:ext>
+            </a:extLst>
+          </p:cNvPr>
+          <p:cNvPicPr>
+            <a:picLocks noChangeAspect="1"/>
+          </p:cNvPicPr>
+          <p:nvPr/>
+        </p:nvPicPr>
+        <p:blipFill rotWithShape="1">
+          <a:blip r:embed="rId3"/>
+          <a:srcRect l="10964" t="16603"/>
+          <a:stretch/>
+        </p:blipFill>
+        <p:spPr>
+          <a:xfrm>
+            <a:off x="2036190" y="2033694"/>
+            <a:ext cx="3424321" cy="3246686"/>
+          </a:xfrm>
+          <a:prstGeom prst="rect">
+            <a:avLst/>
+          </a:prstGeom>
+        </p:spPr>
+      </p:pic>
     </p:spTree>
     <p:extLst>
       <p:ext uri="{BB962C8B-B14F-4D97-AF65-F5344CB8AC3E}">
-        <p14:creationId xmlns:p14="http://schemas.microsoft.com/office/powerpoint/2010/main" val="1233912894"/>
+        <p14:creationId xmlns:p14="http://schemas.microsoft.com/office/powerpoint/2010/main" val="3175513835"/>
       </p:ext>
     </p:extLst>
   </p:cSld>
@@ -11808,7 +11964,7 @@
         </p:nvSpPr>
         <p:spPr>
           <a:xfrm>
-            <a:off x="603316" y="1712171"/>
+            <a:off x="502463" y="1341000"/>
             <a:ext cx="10930748" cy="4176000"/>
           </a:xfrm>
           <a:prstGeom prst="rect">
@@ -11825,20 +11981,21 @@
           </a:bodyPr>
           <a:lstStyle/>
           <a:p>
-            <a:r>
-              <a:rPr lang="en-US" b="1" dirty="0"/>
-              <a:t>Applications:</a:t>
-            </a:r>
-          </a:p>
-          <a:p>
             <a:pPr marL="342900" indent="-342900">
               <a:buFont typeface="Arial" panose="020B0604020202020204" pitchFamily="34" charset="0"/>
               <a:buChar char="•"/>
             </a:pPr>
             <a:r>
-              <a:rPr lang="en-US" dirty="0"/>
-              <a:t>Credit card fraud detection</a:t>
-            </a:r>
+              <a:rPr lang="en-US" b="1" dirty="0"/>
+              <a:t>Outlier</a:t>
+            </a:r>
+            <a:r>
+              <a:rPr lang="en-US" dirty="0"/>
+              <a:t>: A data object that deviates significantly from normal objects as if it were generated by a different mechanism</a:t>
+            </a:r>
+          </a:p>
+          <a:p>
+            <a:endParaRPr lang="en-US" b="1" dirty="0"/>
           </a:p>
           <a:p>
             <a:pPr marL="342900" indent="-342900">
@@ -11846,8 +12003,20 @@
               <a:buChar char="•"/>
             </a:pPr>
             <a:r>
-              <a:rPr lang="en-US" dirty="0"/>
-              <a:t>Telecom fraud detection</a:t>
+              <a:rPr lang="en-US" b="1" dirty="0"/>
+              <a:t>Outliers are different from noise data</a:t>
+            </a:r>
+          </a:p>
+          <a:p>
+            <a:r>
+              <a:rPr lang="en-US" dirty="0"/>
+              <a:t>	Noise is random error or variance in a measured variable</a:t>
+            </a:r>
+          </a:p>
+          <a:p>
+            <a:r>
+              <a:rPr lang="en-US" dirty="0"/>
+              <a:t>	Noise should be removed before outlier detection</a:t>
             </a:r>
           </a:p>
           <a:p>
@@ -11855,10 +12024,7 @@
               <a:buFont typeface="Arial" panose="020B0604020202020204" pitchFamily="34" charset="0"/>
               <a:buChar char="•"/>
             </a:pPr>
-            <a:r>
-              <a:rPr lang="en-US" dirty="0"/>
-              <a:t>Customer segmentation</a:t>
-            </a:r>
+            <a:endParaRPr lang="en-US" dirty="0"/>
           </a:p>
           <a:p>
             <a:pPr marL="342900" indent="-342900">
@@ -11867,21 +12033,49 @@
             </a:pPr>
             <a:r>
               <a:rPr lang="en-US" dirty="0"/>
-              <a:t>Medical analysis</a:t>
-            </a:r>
-          </a:p>
-          <a:p>
+              <a:t>Outliers are interesting: It violates mechanism that generates normal data</a:t>
+            </a:r>
+          </a:p>
+          <a:p>
+            <a:pPr marL="342900" indent="-342900">
+              <a:buFont typeface="Arial" panose="020B0604020202020204" pitchFamily="34" charset="0"/>
+              <a:buChar char="•"/>
+            </a:pPr>
             <a:endParaRPr lang="en-US" dirty="0"/>
           </a:p>
           <a:p>
+            <a:pPr marL="342900" indent="-342900">
+              <a:buFont typeface="Arial" panose="020B0604020202020204" pitchFamily="34" charset="0"/>
+              <a:buChar char="•"/>
+            </a:pPr>
+            <a:r>
+              <a:rPr lang="en-US" dirty="0"/>
+              <a:t>Outlier detection vs. novelty detection: early stage, outlier; but later merged into model</a:t>
+            </a:r>
+          </a:p>
+          <a:p>
+            <a:pPr marL="342900" indent="-342900">
+              <a:buFont typeface="Arial" panose="020B0604020202020204" pitchFamily="34" charset="0"/>
+              <a:buChar char="•"/>
+            </a:pPr>
             <a:endParaRPr lang="en-US" dirty="0"/>
+          </a:p>
+          <a:p>
+            <a:pPr marL="342900" indent="-342900">
+              <a:buFont typeface="Arial" panose="020B0604020202020204" pitchFamily="34" charset="0"/>
+              <a:buChar char="•"/>
+            </a:pPr>
+            <a:r>
+              <a:rPr lang="en-US" dirty="0"/>
+              <a:t>Applications?</a:t>
+            </a:r>
           </a:p>
         </p:txBody>
       </p:sp>
     </p:spTree>
     <p:extLst>
       <p:ext uri="{BB962C8B-B14F-4D97-AF65-F5344CB8AC3E}">
-        <p14:creationId xmlns:p14="http://schemas.microsoft.com/office/powerpoint/2010/main" val="3934067346"/>
+        <p14:creationId xmlns:p14="http://schemas.microsoft.com/office/powerpoint/2010/main" val="1233912894"/>
       </p:ext>
     </p:extLst>
   </p:cSld>
@@ -12174,7 +12368,7 @@
                   <a:srgbClr val="E46102"/>
                 </a:solidFill>
               </a:rPr>
-              <a:t>Types of Outliers</a:t>
+              <a:t>Outlier/Anomaly detection</a:t>
             </a:r>
             <a:endParaRPr sz="4000" b="1" dirty="0">
               <a:solidFill>
@@ -12192,8 +12386,8 @@
         </p:nvSpPr>
         <p:spPr>
           <a:xfrm>
-            <a:off x="488950" y="1308100"/>
-            <a:ext cx="11201023" cy="4580071"/>
+            <a:off x="1309287" y="1985087"/>
+            <a:ext cx="10930748" cy="4176000"/>
           </a:xfrm>
           <a:prstGeom prst="rect">
             <a:avLst/>
@@ -12210,20 +12404,8 @@
           <a:lstStyle/>
           <a:p>
             <a:r>
-              <a:rPr lang="en-US" i="1" dirty="0"/>
-              <a:t>Global, contextual </a:t>
-            </a:r>
-            <a:r>
-              <a:rPr lang="en-US" dirty="0"/>
-              <a:t>and </a:t>
-            </a:r>
-            <a:r>
-              <a:rPr lang="en-US" i="1" dirty="0"/>
-              <a:t>collective </a:t>
-            </a:r>
-            <a:r>
-              <a:rPr lang="en-US" dirty="0"/>
-              <a:t>outliers</a:t>
+              <a:rPr lang="en-US" sz="3200" b="1" dirty="0"/>
+              <a:t>Applications:</a:t>
             </a:r>
           </a:p>
           <a:p>
@@ -12231,7 +12413,10 @@
               <a:buFont typeface="Arial" panose="020B0604020202020204" pitchFamily="34" charset="0"/>
               <a:buChar char="•"/>
             </a:pPr>
-            <a:endParaRPr lang="en-US" b="1" dirty="0"/>
+            <a:r>
+              <a:rPr lang="en-US" sz="3200" dirty="0"/>
+              <a:t>Credit card fraud detection</a:t>
+            </a:r>
           </a:p>
           <a:p>
             <a:pPr marL="342900" indent="-342900">
@@ -12239,12 +12424,8 @@
               <a:buChar char="•"/>
             </a:pPr>
             <a:r>
-              <a:rPr lang="en-US" sz="2800" b="1" dirty="0"/>
-              <a:t>Global outlier </a:t>
-            </a:r>
-            <a:r>
-              <a:rPr lang="en-US" sz="2800" dirty="0"/>
-              <a:t>(or point anomaly)</a:t>
+              <a:rPr lang="en-US" sz="3200" dirty="0"/>
+              <a:t>Telecom fraud detection</a:t>
             </a:r>
           </a:p>
           <a:p>
@@ -12252,68 +12433,33 @@
               <a:buFont typeface="Arial" panose="020B0604020202020204" pitchFamily="34" charset="0"/>
               <a:buChar char="•"/>
             </a:pPr>
-            <a:endParaRPr lang="en-US" sz="2800" dirty="0"/>
-          </a:p>
-          <a:p>
-            <a:pPr marL="952485" lvl="1" indent="-342900">
+            <a:r>
+              <a:rPr lang="en-US" sz="3200" dirty="0"/>
+              <a:t>Customer segmentation</a:t>
+            </a:r>
+          </a:p>
+          <a:p>
+            <a:pPr marL="342900" indent="-342900">
               <a:buFont typeface="Arial" panose="020B0604020202020204" pitchFamily="34" charset="0"/>
               <a:buChar char="•"/>
             </a:pPr>
             <a:r>
-              <a:rPr lang="en-US" sz="2800" dirty="0"/>
-              <a:t>O</a:t>
-            </a:r>
-            <a:r>
-              <a:rPr lang="en-US" dirty="0"/>
-              <a:t>bject is </a:t>
-            </a:r>
-            <a:r>
-              <a:rPr lang="en-US" dirty="0" err="1"/>
-              <a:t>O</a:t>
-            </a:r>
-            <a:r>
-              <a:rPr lang="en-US" baseline="-25000" dirty="0" err="1"/>
-              <a:t>g</a:t>
-            </a:r>
-            <a:r>
-              <a:rPr lang="en-US" dirty="0"/>
-              <a:t> if it significantly deviates from rest of data set</a:t>
-            </a:r>
-          </a:p>
-          <a:p>
-            <a:pPr lvl="1"/>
-            <a:r>
-              <a:rPr lang="en-US" dirty="0"/>
-              <a:t>	Ex. Intrusion detection in computer networks</a:t>
-            </a:r>
-          </a:p>
-          <a:p>
-            <a:pPr marL="952485" lvl="1" indent="-342900">
-              <a:buFont typeface="Arial" panose="020B0604020202020204" pitchFamily="34" charset="0"/>
-              <a:buChar char="•"/>
-            </a:pPr>
-            <a:endParaRPr lang="en-US" dirty="0"/>
-          </a:p>
-          <a:p>
-            <a:pPr marL="952485" lvl="1" indent="-342900">
-              <a:buFont typeface="Arial" panose="020B0604020202020204" pitchFamily="34" charset="0"/>
-              <a:buChar char="•"/>
-            </a:pPr>
-            <a:r>
-              <a:rPr lang="en-US" dirty="0"/>
-              <a:t>I</a:t>
-            </a:r>
-            <a:r>
-              <a:rPr lang="en-US" sz="2800" dirty="0"/>
-              <a:t>ssue: Find an appropriate measurement of deviation</a:t>
-            </a:r>
+              <a:rPr lang="en-US" sz="3200" dirty="0"/>
+              <a:t>Medical analysis</a:t>
+            </a:r>
+          </a:p>
+          <a:p>
+            <a:endParaRPr lang="en-US" sz="3200" dirty="0"/>
+          </a:p>
+          <a:p>
+            <a:endParaRPr lang="en-US" sz="3200" dirty="0"/>
           </a:p>
         </p:txBody>
       </p:sp>
     </p:spTree>
     <p:extLst>
       <p:ext uri="{BB962C8B-B14F-4D97-AF65-F5344CB8AC3E}">
-        <p14:creationId xmlns:p14="http://schemas.microsoft.com/office/powerpoint/2010/main" val="4101028297"/>
+        <p14:creationId xmlns:p14="http://schemas.microsoft.com/office/powerpoint/2010/main" val="3934067346"/>
       </p:ext>
     </p:extLst>
   </p:cSld>
@@ -12389,8 +12535,8 @@
         </p:nvSpPr>
         <p:spPr>
           <a:xfrm>
-            <a:off x="873082" y="1705821"/>
-            <a:ext cx="10660981" cy="4176000"/>
+            <a:off x="488950" y="1308100"/>
+            <a:ext cx="11201023" cy="4580071"/>
           </a:xfrm>
           <a:prstGeom prst="rect">
             <a:avLst/>
@@ -12406,26 +12552,50 @@
           </a:bodyPr>
           <a:lstStyle/>
           <a:p>
+            <a:r>
+              <a:rPr lang="en-US" i="1" dirty="0"/>
+              <a:t>Global, contextual </a:t>
+            </a:r>
+            <a:r>
+              <a:rPr lang="en-US" dirty="0"/>
+              <a:t>and </a:t>
+            </a:r>
+            <a:r>
+              <a:rPr lang="en-US" i="1" dirty="0"/>
+              <a:t>collective </a:t>
+            </a:r>
+            <a:r>
+              <a:rPr lang="en-US" dirty="0"/>
+              <a:t>outliers</a:t>
+            </a:r>
+          </a:p>
+          <a:p>
             <a:pPr marL="342900" indent="-342900">
               <a:buFont typeface="Arial" panose="020B0604020202020204" pitchFamily="34" charset="0"/>
               <a:buChar char="•"/>
             </a:pPr>
+            <a:endParaRPr lang="en-US" b="1" dirty="0"/>
+          </a:p>
+          <a:p>
+            <a:pPr marL="342900" indent="-342900">
+              <a:buFont typeface="Arial" panose="020B0604020202020204" pitchFamily="34" charset="0"/>
+              <a:buChar char="•"/>
+            </a:pPr>
             <a:r>
               <a:rPr lang="en-US" sz="2800" b="1" dirty="0"/>
-              <a:t>Contextual outlier </a:t>
+              <a:t>Global outlier </a:t>
             </a:r>
             <a:r>
               <a:rPr lang="en-US" sz="2800" dirty="0"/>
-              <a:t>(or </a:t>
-            </a:r>
-            <a:r>
-              <a:rPr lang="en-US" sz="2800" i="1" dirty="0"/>
-              <a:t>conditional outlier</a:t>
-            </a:r>
-            <a:r>
-              <a:rPr lang="en-US" sz="2800" dirty="0"/>
-              <a:t>)</a:t>
-            </a:r>
+              <a:t>(or point anomaly)</a:t>
+            </a:r>
+          </a:p>
+          <a:p>
+            <a:pPr marL="342900" indent="-342900">
+              <a:buFont typeface="Arial" panose="020B0604020202020204" pitchFamily="34" charset="0"/>
+              <a:buChar char="•"/>
+            </a:pPr>
+            <a:endParaRPr lang="en-US" sz="2800" dirty="0"/>
           </a:p>
           <a:p>
             <a:pPr marL="952485" lvl="1" indent="-342900">
@@ -12433,8 +12603,12 @@
               <a:buChar char="•"/>
             </a:pPr>
             <a:r>
-              <a:rPr lang="en-US" dirty="0"/>
-              <a:t>Object is </a:t>
+              <a:rPr lang="en-US" sz="2800" dirty="0"/>
+              <a:t>O</a:t>
+            </a:r>
+            <a:r>
+              <a:rPr lang="en-US" dirty="0"/>
+              <a:t>bject is </a:t>
             </a:r>
             <a:r>
               <a:rPr lang="en-US" dirty="0" err="1"/>
@@ -12442,18 +12616,18 @@
             </a:r>
             <a:r>
               <a:rPr lang="en-US" baseline="-25000" dirty="0" err="1"/>
-              <a:t>c</a:t>
-            </a:r>
-            <a:r>
-              <a:rPr lang="en-US" dirty="0"/>
-              <a:t> if it deviates significantly based on a selected context</a:t>
+              <a:t>g</a:t>
+            </a:r>
+            <a:r>
+              <a:rPr lang="en-US" dirty="0"/>
+              <a:t> if it significantly deviates from rest of data set</a:t>
             </a:r>
           </a:p>
           <a:p>
             <a:pPr lvl="1"/>
             <a:r>
               <a:rPr lang="en-US" dirty="0"/>
-              <a:t>	Ex. 80o F in Urbana: outlier? (depending on summer or winter?)</a:t>
+              <a:t>	Ex. Intrusion detection in computer networks</a:t>
             </a:r>
           </a:p>
           <a:p>
@@ -12461,10 +12635,7 @@
               <a:buFont typeface="Arial" panose="020B0604020202020204" pitchFamily="34" charset="0"/>
               <a:buChar char="•"/>
             </a:pPr>
-            <a:r>
-              <a:rPr lang="en-US" dirty="0"/>
-              <a:t>Attributes of data objects should be divided into two groups</a:t>
-            </a:r>
+            <a:endParaRPr lang="en-US" dirty="0"/>
           </a:p>
           <a:p>
             <a:pPr marL="952485" lvl="1" indent="-342900">
@@ -12473,45 +12644,11 @@
             </a:pPr>
             <a:r>
               <a:rPr lang="en-US" dirty="0"/>
-              <a:t>Contextual attributes: defines context, e.g., time &amp; location</a:t>
-            </a:r>
-          </a:p>
-          <a:p>
-            <a:pPr marL="952485" lvl="1" indent="-342900">
-              <a:buFont typeface="Arial" panose="020B0604020202020204" pitchFamily="34" charset="0"/>
-              <a:buChar char="•"/>
-            </a:pPr>
-            <a:r>
-              <a:rPr lang="en-US" dirty="0"/>
-              <a:t>Behavioral attributes: characteristics of object, used in outlier evaluation, e.g., temperature</a:t>
-            </a:r>
-          </a:p>
-          <a:p>
-            <a:pPr marL="952485" lvl="1" indent="-342900">
-              <a:buFont typeface="Arial" panose="020B0604020202020204" pitchFamily="34" charset="0"/>
-              <a:buChar char="•"/>
-            </a:pPr>
-            <a:r>
-              <a:rPr lang="en-US" dirty="0"/>
-              <a:t>Can be viewed as a generalization of </a:t>
-            </a:r>
-            <a:r>
-              <a:rPr lang="en-US" i="1" dirty="0"/>
-              <a:t>local outliers</a:t>
-            </a:r>
-            <a:r>
-              <a:rPr lang="en-US" dirty="0"/>
-              <a:t>—whose density significantly deviates from its local area</a:t>
-            </a:r>
-          </a:p>
-          <a:p>
-            <a:pPr marL="952485" lvl="1" indent="-342900">
-              <a:buFont typeface="Arial" panose="020B0604020202020204" pitchFamily="34" charset="0"/>
-              <a:buChar char="•"/>
-            </a:pPr>
+              <a:t>I</a:t>
+            </a:r>
             <a:r>
               <a:rPr lang="en-US" sz="2800" dirty="0"/>
-              <a:t>Issue: How to define or formulate meaningful context?</a:t>
+              <a:t>ssue: Find an appropriate measurement of deviation</a:t>
             </a:r>
           </a:p>
         </p:txBody>
@@ -12519,7 +12656,7 @@
     </p:spTree>
     <p:extLst>
       <p:ext uri="{BB962C8B-B14F-4D97-AF65-F5344CB8AC3E}">
-        <p14:creationId xmlns:p14="http://schemas.microsoft.com/office/powerpoint/2010/main" val="4044543575"/>
+        <p14:creationId xmlns:p14="http://schemas.microsoft.com/office/powerpoint/2010/main" val="4101028297"/>
       </p:ext>
     </p:extLst>
   </p:cSld>
@@ -12595,8 +12732,8 @@
         </p:nvSpPr>
         <p:spPr>
           <a:xfrm>
-            <a:off x="561264" y="1483571"/>
-            <a:ext cx="11071936" cy="4176000"/>
+            <a:off x="387721" y="1485901"/>
+            <a:ext cx="11714632" cy="5076264"/>
           </a:xfrm>
           <a:prstGeom prst="rect">
             <a:avLst/>
@@ -12612,20 +12749,47 @@
           </a:bodyPr>
           <a:lstStyle/>
           <a:p>
-            <a:r>
-              <a:rPr lang="en-US" sz="2800" b="1" dirty="0"/>
-              <a:t>Collective Outliers</a:t>
-            </a:r>
-          </a:p>
-          <a:p>
             <a:pPr marL="342900" indent="-342900">
               <a:buFont typeface="Arial" panose="020B0604020202020204" pitchFamily="34" charset="0"/>
               <a:buChar char="•"/>
             </a:pPr>
             <a:r>
-              <a:rPr lang="en-US" dirty="0"/>
-              <a:t>A subset of data objects collectively deviate significantly from whole data set, even if individual data objects may not be outliers</a:t>
-            </a:r>
+              <a:rPr lang="en-US" sz="2800" b="1" dirty="0"/>
+              <a:t>Contextual outlier </a:t>
+            </a:r>
+            <a:r>
+              <a:rPr lang="en-US" sz="2800" dirty="0"/>
+              <a:t>(or </a:t>
+            </a:r>
+            <a:r>
+              <a:rPr lang="en-US" sz="2800" i="1" dirty="0"/>
+              <a:t>conditional outlier</a:t>
+            </a:r>
+            <a:r>
+              <a:rPr lang="en-US" sz="2800" dirty="0"/>
+              <a:t>)</a:t>
+            </a:r>
+          </a:p>
+          <a:p>
+            <a:pPr marL="952485" lvl="1" indent="-342900">
+              <a:buFont typeface="Arial" panose="020B0604020202020204" pitchFamily="34" charset="0"/>
+              <a:buChar char="•"/>
+            </a:pPr>
+            <a:r>
+              <a:rPr lang="en-US" dirty="0"/>
+              <a:t>Object deviates significantly based on a selected context</a:t>
+            </a:r>
+          </a:p>
+          <a:p>
+            <a:pPr lvl="1"/>
+            <a:r>
+              <a:rPr lang="en-US" dirty="0"/>
+              <a:t>	Ex. 80degree F in Rochester: outlier? (depending on summer or winter?)</a:t>
+            </a:r>
+          </a:p>
+          <a:p>
+            <a:pPr lvl="1"/>
+            <a:endParaRPr lang="en-US" dirty="0"/>
           </a:p>
           <a:p>
             <a:pPr marL="342900" indent="-342900">
@@ -12633,8 +12797,47 @@
               <a:buChar char="•"/>
             </a:pPr>
             <a:r>
-              <a:rPr lang="en-US" dirty="0"/>
-              <a:t>Applications: E.g., intrusion detection:</a:t>
+              <a:rPr lang="en-US" sz="2800" dirty="0"/>
+              <a:t>Attributes of data objects should be divided into two groups</a:t>
+            </a:r>
+            <a:endParaRPr lang="en-US" dirty="0"/>
+          </a:p>
+          <a:p>
+            <a:pPr marL="952485" lvl="1" indent="-342900">
+              <a:buFont typeface="Arial" panose="020B0604020202020204" pitchFamily="34" charset="0"/>
+              <a:buChar char="•"/>
+            </a:pPr>
+            <a:r>
+              <a:rPr lang="en-US" dirty="0"/>
+              <a:t>Contextual attributes: defines context, e.g., time &amp; location</a:t>
+            </a:r>
+          </a:p>
+          <a:p>
+            <a:pPr marL="952485" lvl="1" indent="-342900">
+              <a:buFont typeface="Arial" panose="020B0604020202020204" pitchFamily="34" charset="0"/>
+              <a:buChar char="•"/>
+            </a:pPr>
+            <a:r>
+              <a:rPr lang="en-US" dirty="0"/>
+              <a:t>Behavioral attributes: characteristics of object, used in outlier evaluation, e.g., temperature</a:t>
+            </a:r>
+          </a:p>
+          <a:p>
+            <a:pPr marL="952485" lvl="1" indent="-342900">
+              <a:buFont typeface="Arial" panose="020B0604020202020204" pitchFamily="34" charset="0"/>
+              <a:buChar char="•"/>
+            </a:pPr>
+            <a:r>
+              <a:rPr lang="en-US" dirty="0"/>
+              <a:t>Can be viewed as a generalization of </a:t>
+            </a:r>
+            <a:r>
+              <a:rPr lang="en-US" i="1" dirty="0"/>
+              <a:t>local outliers</a:t>
+            </a:r>
+            <a:r>
+              <a:rPr lang="en-US" dirty="0"/>
+              <a:t>—whose density significantly deviates from its local area</a:t>
             </a:r>
           </a:p>
           <a:p>
@@ -12642,10 +12845,7 @@
               <a:buFont typeface="Arial" panose="020B0604020202020204" pitchFamily="34" charset="0"/>
               <a:buChar char="•"/>
             </a:pPr>
-            <a:r>
-              <a:rPr lang="en-US" dirty="0"/>
-              <a:t>When a number of computers keep sending denial-of-service packages to each other</a:t>
-            </a:r>
+            <a:endParaRPr lang="en-US" dirty="0"/>
           </a:p>
           <a:p>
             <a:pPr marL="342900" indent="-342900">
@@ -12653,57 +12853,16 @@
               <a:buChar char="•"/>
             </a:pPr>
             <a:r>
-              <a:rPr lang="en-US" dirty="0"/>
-              <a:t>Detection of collective outliers</a:t>
-            </a:r>
-          </a:p>
-          <a:p>
-            <a:pPr marL="342900" indent="-342900">
-              <a:buFont typeface="Arial" panose="020B0604020202020204" pitchFamily="34" charset="0"/>
-              <a:buChar char="•"/>
-            </a:pPr>
-            <a:r>
-              <a:rPr lang="en-US" dirty="0"/>
-              <a:t>Consider not only behavior of individual objects, but also that of groups of objects</a:t>
-            </a:r>
-          </a:p>
-          <a:p>
-            <a:pPr marL="342900" indent="-342900">
-              <a:buFont typeface="Arial" panose="020B0604020202020204" pitchFamily="34" charset="0"/>
-              <a:buChar char="•"/>
-            </a:pPr>
-            <a:r>
-              <a:rPr lang="en-US" dirty="0"/>
-              <a:t>Need to have background knowledge on relationship among data objects, such as a distance or similarity measure on objects.</a:t>
-            </a:r>
-          </a:p>
-          <a:p>
-            <a:pPr marL="342900" indent="-342900">
-              <a:buFont typeface="Arial" panose="020B0604020202020204" pitchFamily="34" charset="0"/>
-              <a:buChar char="•"/>
-            </a:pPr>
-            <a:r>
-              <a:rPr lang="en-US" dirty="0"/>
-              <a:t>A data set may have multiple types of outlier</a:t>
-            </a:r>
-          </a:p>
-          <a:p>
-            <a:pPr marL="342900" indent="-342900">
-              <a:buFont typeface="Arial" panose="020B0604020202020204" pitchFamily="34" charset="0"/>
-              <a:buChar char="•"/>
-            </a:pPr>
-            <a:r>
-              <a:rPr lang="en-US" dirty="0"/>
-              <a:t>One object may belong to more than one type of outlier</a:t>
-            </a:r>
-            <a:endParaRPr lang="en-US" sz="2800" dirty="0"/>
+              <a:rPr lang="en-US" sz="2800" dirty="0"/>
+              <a:t>Issue: How to define or formulate meaningful context?</a:t>
+            </a:r>
           </a:p>
         </p:txBody>
       </p:sp>
     </p:spTree>
     <p:extLst>
       <p:ext uri="{BB962C8B-B14F-4D97-AF65-F5344CB8AC3E}">
-        <p14:creationId xmlns:p14="http://schemas.microsoft.com/office/powerpoint/2010/main" val="2580890893"/>
+        <p14:creationId xmlns:p14="http://schemas.microsoft.com/office/powerpoint/2010/main" val="4044543575"/>
       </p:ext>
     </p:extLst>
   </p:cSld>
@@ -12761,7 +12920,7 @@
                   <a:srgbClr val="E46102"/>
                 </a:solidFill>
               </a:rPr>
-              <a:t>Finding Outliers</a:t>
+              <a:t>Types of Outliers</a:t>
             </a:r>
             <a:endParaRPr sz="4000" b="1" dirty="0">
               <a:solidFill>
@@ -12779,8 +12938,8 @@
         </p:nvSpPr>
         <p:spPr>
           <a:xfrm>
-            <a:off x="873082" y="1712171"/>
-            <a:ext cx="10660981" cy="4176000"/>
+            <a:off x="434502" y="1237140"/>
+            <a:ext cx="11452698" cy="4176000"/>
           </a:xfrm>
           <a:prstGeom prst="rect">
             <a:avLst/>
@@ -12796,82 +12955,98 @@
           </a:bodyPr>
           <a:lstStyle/>
           <a:p>
-            <a:pPr marL="457200" indent="-457200">
-              <a:buFont typeface="+mj-lt"/>
-              <a:buAutoNum type="arabicPeriod"/>
-            </a:pPr>
-            <a:r>
-              <a:rPr lang="en-US" dirty="0"/>
-              <a:t>To ease discovery of outliers, we have plenty of methods in statistics:</a:t>
-            </a:r>
-          </a:p>
-          <a:p>
-            <a:pPr marL="457200" indent="-457200">
-              <a:buFont typeface="+mj-lt"/>
-              <a:buAutoNum type="arabicPeriod"/>
-            </a:pPr>
-            <a:endParaRPr lang="en-US" dirty="0"/>
-          </a:p>
-          <a:p>
-            <a:pPr marL="457200" indent="-457200">
-              <a:buFont typeface="+mj-lt"/>
-              <a:buAutoNum type="arabicPeriod"/>
-            </a:pPr>
-            <a:r>
-              <a:rPr lang="en-US" dirty="0"/>
-              <a:t>Discover outliers with visualization tools or </a:t>
-            </a:r>
-            <a:r>
-              <a:rPr lang="en-US" b="1" dirty="0"/>
-              <a:t>statistical methodologies</a:t>
-            </a:r>
-          </a:p>
-          <a:p>
-            <a:pPr marL="1066785" lvl="1" indent="-457200">
+            <a:r>
+              <a:rPr lang="en-US" sz="2800" b="1" dirty="0"/>
+              <a:t>Collective Outliers</a:t>
+            </a:r>
+          </a:p>
+          <a:p>
+            <a:pPr marL="342900" indent="-342900">
               <a:buFont typeface="Arial" panose="020B0604020202020204" pitchFamily="34" charset="0"/>
               <a:buChar char="•"/>
             </a:pPr>
             <a:r>
               <a:rPr lang="en-US" dirty="0"/>
-              <a:t>Box plot</a:t>
-            </a:r>
-          </a:p>
-          <a:p>
-            <a:pPr marL="1066785" lvl="1" indent="-457200">
+              <a:t>A subset of data objects collectively deviate significantly from whole data set, even if individual data objects may not be outliers</a:t>
+            </a:r>
+          </a:p>
+          <a:p>
+            <a:pPr marL="342900" indent="-342900">
               <a:buFont typeface="Arial" panose="020B0604020202020204" pitchFamily="34" charset="0"/>
               <a:buChar char="•"/>
             </a:pPr>
             <a:r>
               <a:rPr lang="en-US" dirty="0"/>
-              <a:t>Scatter plot</a:t>
-            </a:r>
-          </a:p>
-          <a:p>
-            <a:pPr marL="1066785" lvl="1" indent="-457200">
+              <a:t>Applications: E.g., intrusion detection:</a:t>
+            </a:r>
+          </a:p>
+          <a:p>
+            <a:pPr marL="952485" lvl="1" indent="-342900">
               <a:buFont typeface="Arial" panose="020B0604020202020204" pitchFamily="34" charset="0"/>
               <a:buChar char="•"/>
             </a:pPr>
             <a:r>
               <a:rPr lang="en-US" dirty="0"/>
-              <a:t>Z-score</a:t>
-            </a:r>
-          </a:p>
-          <a:p>
-            <a:pPr marL="1066785" lvl="1" indent="-457200">
+              <a:t>When a number of computers keep sending denial-of-service packages to each other</a:t>
+            </a:r>
+          </a:p>
+          <a:p>
+            <a:pPr marL="342900" indent="-342900">
               <a:buFont typeface="Arial" panose="020B0604020202020204" pitchFamily="34" charset="0"/>
               <a:buChar char="•"/>
             </a:pPr>
             <a:r>
               <a:rPr lang="en-US" dirty="0"/>
-              <a:t>IQR score</a:t>
-            </a:r>
+              <a:t>Detection of collective outliers</a:t>
+            </a:r>
+          </a:p>
+          <a:p>
+            <a:pPr marL="952485" lvl="1" indent="-342900">
+              <a:buFont typeface="Arial" panose="020B0604020202020204" pitchFamily="34" charset="0"/>
+              <a:buChar char="•"/>
+            </a:pPr>
+            <a:r>
+              <a:rPr lang="en-US" dirty="0"/>
+              <a:t>Consider not only behavior of individual objects, but also that of groups of objects</a:t>
+            </a:r>
+          </a:p>
+          <a:p>
+            <a:pPr marL="952485" lvl="1" indent="-342900">
+              <a:buFont typeface="Arial" panose="020B0604020202020204" pitchFamily="34" charset="0"/>
+              <a:buChar char="•"/>
+            </a:pPr>
+            <a:r>
+              <a:rPr lang="en-US" dirty="0"/>
+              <a:t>Need to have background knowledge on relationship among data objects, such as a distance or similarity measure on objects.</a:t>
+            </a:r>
+          </a:p>
+          <a:p>
+            <a:pPr marL="342900" indent="-342900">
+              <a:buFont typeface="Arial" panose="020B0604020202020204" pitchFamily="34" charset="0"/>
+              <a:buChar char="•"/>
+            </a:pPr>
+            <a:r>
+              <a:rPr lang="en-US" dirty="0"/>
+              <a:t>A data set may have multiple types of outlier</a:t>
+            </a:r>
+          </a:p>
+          <a:p>
+            <a:pPr marL="342900" indent="-342900">
+              <a:buFont typeface="Arial" panose="020B0604020202020204" pitchFamily="34" charset="0"/>
+              <a:buChar char="•"/>
+            </a:pPr>
+            <a:r>
+              <a:rPr lang="en-US" dirty="0"/>
+              <a:t>One object may belong to more than one type of outlier</a:t>
+            </a:r>
+            <a:endParaRPr lang="en-US" sz="2800" dirty="0"/>
           </a:p>
         </p:txBody>
       </p:sp>
     </p:spTree>
     <p:extLst>
       <p:ext uri="{BB962C8B-B14F-4D97-AF65-F5344CB8AC3E}">
-        <p14:creationId xmlns:p14="http://schemas.microsoft.com/office/powerpoint/2010/main" val="1535262646"/>
+        <p14:creationId xmlns:p14="http://schemas.microsoft.com/office/powerpoint/2010/main" val="2580890893"/>
       </p:ext>
     </p:extLst>
   </p:cSld>
@@ -12929,7 +13104,7 @@
                   <a:srgbClr val="E46102"/>
                 </a:solidFill>
               </a:rPr>
-              <a:t>Box Plot</a:t>
+              <a:t>Finding Outliers</a:t>
             </a:r>
             <a:endParaRPr sz="4000" b="1" dirty="0">
               <a:solidFill>
@@ -12964,18 +13139,74 @@
           </a:bodyPr>
           <a:lstStyle/>
           <a:p>
-            <a:r>
-              <a:rPr lang="en-US" dirty="0"/>
-              <a:t>In descriptive statistics, a box plot is a method for graphically depicting groups of numerical data through their quartiles. Box plots may also have lines extending vertically from boxes (whiskers) indicating variability outside upper and lower quartiles, hence terms box-and-whisker plot and box-and-whisker diagram. Outliers may be plotted as individual points.</a:t>
-            </a:r>
-          </a:p>
-          <a:p>
+            <a:pPr marL="457200" indent="-457200">
+              <a:buFont typeface="+mj-lt"/>
+              <a:buAutoNum type="arabicPeriod"/>
+            </a:pPr>
+            <a:r>
+              <a:rPr lang="en-US" dirty="0"/>
+              <a:t>To ease discovery of outliers, we have plenty of methods in statistics:</a:t>
+            </a:r>
+          </a:p>
+          <a:p>
+            <a:pPr marL="457200" indent="-457200">
+              <a:buFont typeface="+mj-lt"/>
+              <a:buAutoNum type="arabicPeriod"/>
+            </a:pPr>
             <a:endParaRPr lang="en-US" dirty="0"/>
           </a:p>
           <a:p>
+            <a:pPr marL="457200" indent="-457200">
+              <a:buFont typeface="+mj-lt"/>
+              <a:buAutoNum type="arabicPeriod"/>
+            </a:pPr>
+            <a:r>
+              <a:rPr lang="en-US" dirty="0"/>
+              <a:t>Discover outliers with visualization tools or </a:t>
+            </a:r>
             <a:r>
               <a:rPr lang="en-US" b="1" dirty="0"/>
-              <a:t>Wikipedia Definition</a:t>
+              <a:t>statistical methodologies</a:t>
+            </a:r>
+          </a:p>
+          <a:p>
+            <a:pPr marL="1066785" lvl="1" indent="-457200">
+              <a:buFont typeface="Arial" panose="020B0604020202020204" pitchFamily="34" charset="0"/>
+              <a:buChar char="•"/>
+            </a:pPr>
+            <a:r>
+              <a:rPr lang="en-US" dirty="0"/>
+              <a:t>Box plot</a:t>
+            </a:r>
+          </a:p>
+          <a:p>
+            <a:pPr marL="1066785" lvl="1" indent="-457200">
+              <a:buFont typeface="Arial" panose="020B0604020202020204" pitchFamily="34" charset="0"/>
+              <a:buChar char="•"/>
+            </a:pPr>
+            <a:r>
+              <a:rPr lang="en-US" dirty="0"/>
+              <a:t>Scatter plot</a:t>
+            </a:r>
+          </a:p>
+          <a:p>
+            <a:pPr marL="1066785" lvl="1" indent="-457200">
+              <a:buFont typeface="Arial" panose="020B0604020202020204" pitchFamily="34" charset="0"/>
+              <a:buChar char="•"/>
+            </a:pPr>
+            <a:r>
+              <a:rPr lang="en-US" dirty="0"/>
+              <a:t>Z-score</a:t>
+            </a:r>
+          </a:p>
+          <a:p>
+            <a:pPr marL="1066785" lvl="1" indent="-457200">
+              <a:buFont typeface="Arial" panose="020B0604020202020204" pitchFamily="34" charset="0"/>
+              <a:buChar char="•"/>
+            </a:pPr>
+            <a:r>
+              <a:rPr lang="en-US" dirty="0"/>
+              <a:t>IQR score</a:t>
             </a:r>
           </a:p>
         </p:txBody>
@@ -12983,7 +13214,7 @@
     </p:spTree>
     <p:extLst>
       <p:ext uri="{BB962C8B-B14F-4D97-AF65-F5344CB8AC3E}">
-        <p14:creationId xmlns:p14="http://schemas.microsoft.com/office/powerpoint/2010/main" val="3717148991"/>
+        <p14:creationId xmlns:p14="http://schemas.microsoft.com/office/powerpoint/2010/main" val="1535262646"/>
       </p:ext>
     </p:extLst>
   </p:cSld>
@@ -13060,7 +13291,7 @@
         <p:spPr>
           <a:xfrm>
             <a:off x="873082" y="1712171"/>
-            <a:ext cx="10816891" cy="4176000"/>
+            <a:ext cx="10660981" cy="4176000"/>
           </a:xfrm>
           <a:prstGeom prst="rect">
             <a:avLst/>
@@ -13077,79 +13308,20 @@
           <a:lstStyle/>
           <a:p>
             <a:r>
-              <a:rPr lang="en-US" dirty="0"/>
-              <a:t>Definition suggests, that </a:t>
-            </a:r>
-            <a:r>
-              <a:rPr lang="en-US"/>
-              <a:t>if there </a:t>
-            </a:r>
-            <a:r>
-              <a:rPr lang="en-US" dirty="0"/>
-              <a:t>is an outlier it will plotted as point in</a:t>
-            </a:r>
-          </a:p>
-          <a:p>
-            <a:r>
-              <a:rPr lang="en-US" dirty="0"/>
-              <a:t>boxplot </a:t>
-            </a:r>
-            <a:r>
-              <a:rPr lang="en-US"/>
-              <a:t>but other </a:t>
-            </a:r>
-            <a:r>
-              <a:rPr lang="en-US" dirty="0"/>
-              <a:t>population will be </a:t>
-            </a:r>
-            <a:r>
-              <a:rPr lang="en-US"/>
-              <a:t>grouped together </a:t>
-            </a:r>
-            <a:r>
-              <a:rPr lang="en-US" dirty="0"/>
-              <a:t>and display as boxes.</a:t>
-            </a:r>
-          </a:p>
-          <a:p>
-            <a:endParaRPr lang="en-US" dirty="0"/>
+              <a:rPr lang="en-US" b="1" dirty="0"/>
+              <a:t>Wikipedia</a:t>
+            </a:r>
+            <a:r>
+              <a:rPr lang="en-US" dirty="0"/>
+              <a:t>: In descriptive statistics, a box plot is a method for graphically depicting groups of numerical data through their quartiles. Box plots may also have lines extending vertically from boxes (whiskers) indicating variability outside upper and lower quartiles, hence terms box-and-whisker plot and box-and-whisker diagram. Outliers may be plotted as individual points.</a:t>
+            </a:r>
           </a:p>
         </p:txBody>
       </p:sp>
-      <p:pic>
-        <p:nvPicPr>
-          <p:cNvPr id="2" name="Picture 1">
-            <a:extLst>
-              <a:ext uri="{FF2B5EF4-FFF2-40B4-BE49-F238E27FC236}">
-                <a16:creationId xmlns:a16="http://schemas.microsoft.com/office/drawing/2014/main" id="{5FBF72A9-BA67-4DDB-8B4D-A1547DA1B673}"/>
-              </a:ext>
-            </a:extLst>
-          </p:cNvPr>
-          <p:cNvPicPr>
-            <a:picLocks noChangeAspect="1"/>
-          </p:cNvPicPr>
-          <p:nvPr/>
-        </p:nvPicPr>
-        <p:blipFill>
-          <a:blip r:embed="rId3"/>
-          <a:stretch>
-            <a:fillRect/>
-          </a:stretch>
-        </p:blipFill>
-        <p:spPr>
-          <a:xfrm>
-            <a:off x="4162652" y="3318174"/>
-            <a:ext cx="3739966" cy="2688926"/>
-          </a:xfrm>
-          <a:prstGeom prst="rect">
-            <a:avLst/>
-          </a:prstGeom>
-        </p:spPr>
-      </p:pic>
     </p:spTree>
     <p:extLst>
       <p:ext uri="{BB962C8B-B14F-4D97-AF65-F5344CB8AC3E}">
-        <p14:creationId xmlns:p14="http://schemas.microsoft.com/office/powerpoint/2010/main" val="621924386"/>
+        <p14:creationId xmlns:p14="http://schemas.microsoft.com/office/powerpoint/2010/main" val="3717148991"/>
       </p:ext>
     </p:extLst>
   </p:cSld>
@@ -13225,8 +13397,8 @@
         </p:nvSpPr>
         <p:spPr>
           <a:xfrm>
-            <a:off x="636912" y="1385167"/>
-            <a:ext cx="10972800" cy="1987508"/>
+            <a:off x="873082" y="1712171"/>
+            <a:ext cx="10816891" cy="4176000"/>
           </a:xfrm>
           <a:prstGeom prst="rect">
             <a:avLst/>
@@ -13242,45 +13414,43 @@
           </a:bodyPr>
           <a:lstStyle/>
           <a:p>
-            <a:pPr marL="342900" indent="-342900">
-              <a:buFont typeface="Arial" panose="020B0604020202020204" pitchFamily="34" charset="0"/>
-              <a:buChar char="•"/>
-            </a:pPr>
-            <a:r>
-              <a:rPr lang="en-US" dirty="0"/>
-              <a:t>Three points between 10 to 12, these are outliers as there are</a:t>
-            </a:r>
-          </a:p>
-          <a:p>
-            <a:r>
-              <a:rPr lang="en-US" dirty="0"/>
-              <a:t>not included in box of other observation </a:t>
-            </a:r>
-            <a:r>
-              <a:rPr lang="en-US" dirty="0" err="1"/>
-              <a:t>i.e</a:t>
-            </a:r>
-            <a:r>
-              <a:rPr lang="en-US" dirty="0"/>
-              <a:t> no where near quartiles.</a:t>
+            <a:r>
+              <a:rPr lang="en-US" dirty="0"/>
+              <a:t>Definition suggests, that </a:t>
+            </a:r>
+            <a:r>
+              <a:rPr lang="en-US"/>
+              <a:t>if there </a:t>
+            </a:r>
+            <a:r>
+              <a:rPr lang="en-US" dirty="0"/>
+              <a:t>is an outlier it will plotted as point in</a:t>
+            </a:r>
+          </a:p>
+          <a:p>
+            <a:r>
+              <a:rPr lang="en-US" dirty="0"/>
+              <a:t>boxplot </a:t>
+            </a:r>
+            <a:r>
+              <a:rPr lang="en-US"/>
+              <a:t>but other </a:t>
+            </a:r>
+            <a:r>
+              <a:rPr lang="en-US" dirty="0"/>
+              <a:t>population will be </a:t>
+            </a:r>
+            <a:r>
+              <a:rPr lang="en-US"/>
+              <a:t>grouped together </a:t>
+            </a:r>
+            <a:r>
+              <a:rPr lang="en-US" dirty="0"/>
+              <a:t>and display as boxes.</a:t>
             </a:r>
           </a:p>
           <a:p>
             <a:endParaRPr lang="en-US" dirty="0"/>
-          </a:p>
-          <a:p>
-            <a:r>
-              <a:rPr lang="en-US" dirty="0"/>
-              <a:t>• Here we analyzed </a:t>
-            </a:r>
-            <a:r>
-              <a:rPr lang="en-US" dirty="0" err="1"/>
-              <a:t>uni</a:t>
-            </a:r>
-            <a:r>
-              <a:rPr lang="en-US" dirty="0"/>
-              <a:t>-variate outlier i.e. we used DIS column only to check outlier.</a:t>
-            </a:r>
           </a:p>
         </p:txBody>
       </p:sp>
@@ -13306,86 +13476,18 @@
         </p:blipFill>
         <p:spPr>
           <a:xfrm>
-            <a:off x="9022887" y="3372675"/>
-            <a:ext cx="2667086" cy="1917557"/>
+            <a:off x="4162652" y="3318174"/>
+            <a:ext cx="3739966" cy="2688926"/>
           </a:xfrm>
           <a:prstGeom prst="rect">
             <a:avLst/>
           </a:prstGeom>
         </p:spPr>
       </p:pic>
-      <p:sp>
-        <p:nvSpPr>
-          <p:cNvPr id="5" name="Google Shape;96;p14">
-            <a:extLst>
-              <a:ext uri="{FF2B5EF4-FFF2-40B4-BE49-F238E27FC236}">
-                <a16:creationId xmlns:a16="http://schemas.microsoft.com/office/drawing/2014/main" id="{5B4B8F88-758A-423A-8A80-1F3CDD84D357}"/>
-              </a:ext>
-            </a:extLst>
-          </p:cNvPr>
-          <p:cNvSpPr txBox="1"/>
-          <p:nvPr/>
-        </p:nvSpPr>
-        <p:spPr>
-          <a:xfrm>
-            <a:off x="636912" y="3429000"/>
-            <a:ext cx="8312299" cy="3317896"/>
-          </a:xfrm>
-          <a:prstGeom prst="rect">
-            <a:avLst/>
-          </a:prstGeom>
-          <a:noFill/>
-          <a:ln>
-            <a:noFill/>
-          </a:ln>
-        </p:spPr>
-        <p:txBody>
-          <a:bodyPr spcFirstLastPara="1" wrap="square" lIns="121900" tIns="121900" rIns="121900" bIns="121900" anchor="t" anchorCtr="0">
-            <a:noAutofit/>
-          </a:bodyPr>
-          <a:lstStyle/>
-          <a:p>
-            <a:pPr marL="342900" indent="-342900">
-              <a:buFont typeface="Arial" panose="020B0604020202020204" pitchFamily="34" charset="0"/>
-              <a:buChar char="•"/>
-            </a:pPr>
-            <a:r>
-              <a:rPr lang="en-US" dirty="0"/>
-              <a:t>Three points between 10 to 12, these are outliers as there are not included in box of other observation </a:t>
-            </a:r>
-            <a:r>
-              <a:rPr lang="en-US" dirty="0" err="1"/>
-              <a:t>i.e</a:t>
-            </a:r>
-            <a:r>
-              <a:rPr lang="en-US" dirty="0"/>
-              <a:t> no where near quartiles.</a:t>
-            </a:r>
-          </a:p>
-          <a:p>
-            <a:pPr marL="342900" indent="-342900">
-              <a:buFont typeface="Arial" panose="020B0604020202020204" pitchFamily="34" charset="0"/>
-              <a:buChar char="•"/>
-            </a:pPr>
-            <a:r>
-              <a:rPr lang="en-US" dirty="0"/>
-              <a:t>Here we analyzed </a:t>
-            </a:r>
-            <a:r>
-              <a:rPr lang="en-US" dirty="0" err="1"/>
-              <a:t>uni</a:t>
-            </a:r>
-            <a:r>
-              <a:rPr lang="en-US" dirty="0"/>
-              <a:t>-variate outlier i.e. we used DIS column only to check outlier.</a:t>
-            </a:r>
-          </a:p>
-        </p:txBody>
-      </p:sp>
     </p:spTree>
     <p:extLst>
       <p:ext uri="{BB962C8B-B14F-4D97-AF65-F5344CB8AC3E}">
-        <p14:creationId xmlns:p14="http://schemas.microsoft.com/office/powerpoint/2010/main" val="2298372580"/>
+        <p14:creationId xmlns:p14="http://schemas.microsoft.com/office/powerpoint/2010/main" val="621924386"/>
       </p:ext>
     </p:extLst>
   </p:cSld>
@@ -13443,7 +13545,7 @@
                   <a:srgbClr val="E46102"/>
                 </a:solidFill>
               </a:rPr>
-              <a:t>Scatter Plot</a:t>
+              <a:t>Box Plot</a:t>
             </a:r>
             <a:endParaRPr sz="4000" b="1" dirty="0">
               <a:solidFill>
@@ -13461,8 +13563,8 @@
         </p:nvSpPr>
         <p:spPr>
           <a:xfrm>
-            <a:off x="873082" y="1712171"/>
-            <a:ext cx="10660981" cy="4176000"/>
+            <a:off x="636912" y="1385167"/>
+            <a:ext cx="10972800" cy="1987508"/>
           </a:xfrm>
           <a:prstGeom prst="rect">
             <a:avLst/>
@@ -13478,65 +13580,151 @@
           </a:bodyPr>
           <a:lstStyle/>
           <a:p>
-            <a:r>
-              <a:rPr lang="en-US" dirty="0"/>
-              <a:t>Wikipedia: A </a:t>
-            </a:r>
-            <a:r>
-              <a:rPr lang="en-US" b="1" dirty="0"/>
-              <a:t>scatter plot </a:t>
-            </a:r>
-            <a:r>
-              <a:rPr lang="en-US" dirty="0"/>
-              <a:t>, is a type of plot or mathematical diagram using Cartesian coordinates to display values for typically two variables for a set of data. data are displayed as a </a:t>
-            </a:r>
-            <a:r>
-              <a:rPr lang="en-US" b="1" dirty="0"/>
-              <a:t>collection of points</a:t>
-            </a:r>
-            <a:r>
-              <a:rPr lang="en-US" dirty="0"/>
-              <a:t>, each having value of </a:t>
-            </a:r>
-            <a:r>
-              <a:rPr lang="en-US" b="1" dirty="0"/>
-              <a:t>one variable </a:t>
-            </a:r>
-            <a:r>
-              <a:rPr lang="en-US" dirty="0"/>
-              <a:t>determining position on </a:t>
-            </a:r>
-            <a:r>
-              <a:rPr lang="en-US" b="1" dirty="0"/>
-              <a:t>horizontal </a:t>
-            </a:r>
-            <a:r>
-              <a:rPr lang="en-US" dirty="0"/>
-              <a:t>axis and value of </a:t>
-            </a:r>
-            <a:r>
-              <a:rPr lang="en-US" b="1" dirty="0"/>
-              <a:t>other variable </a:t>
-            </a:r>
-            <a:r>
-              <a:rPr lang="en-US" dirty="0"/>
-              <a:t>determining position on </a:t>
-            </a:r>
-            <a:r>
-              <a:rPr lang="en-US" b="1" dirty="0"/>
-              <a:t>vertical </a:t>
-            </a:r>
-            <a:r>
-              <a:rPr lang="en-US" dirty="0"/>
-              <a:t>axis.</a:t>
-            </a:r>
+            <a:pPr marL="342900" indent="-342900">
+              <a:buFont typeface="Arial" panose="020B0604020202020204" pitchFamily="34" charset="0"/>
+              <a:buChar char="•"/>
+            </a:pPr>
+            <a:r>
+              <a:rPr lang="en-US" dirty="0"/>
+              <a:t>Three points between 10 to 12, these are outliers as there are</a:t>
+            </a:r>
+          </a:p>
+          <a:p>
+            <a:r>
+              <a:rPr lang="en-US" dirty="0"/>
+              <a:t>not included in box of other observation </a:t>
+            </a:r>
+            <a:r>
+              <a:rPr lang="en-US" dirty="0" err="1"/>
+              <a:t>i.e</a:t>
+            </a:r>
+            <a:r>
+              <a:rPr lang="en-US" dirty="0"/>
+              <a:t> no where near quartiles.</a:t>
+            </a:r>
+          </a:p>
+          <a:p>
+            <a:endParaRPr lang="en-US" dirty="0"/>
+          </a:p>
+          <a:p>
+            <a:r>
+              <a:rPr lang="en-US" dirty="0"/>
+              <a:t>• Here we analyzed </a:t>
+            </a:r>
+            <a:r>
+              <a:rPr lang="en-US" dirty="0" err="1"/>
+              <a:t>uni</a:t>
+            </a:r>
+            <a:r>
+              <a:rPr lang="en-US" dirty="0"/>
+              <a:t>-variate outlier i.e. we used DIS column only to check outlier.</a:t>
+            </a:r>
+          </a:p>
+        </p:txBody>
+      </p:sp>
+      <p:pic>
+        <p:nvPicPr>
+          <p:cNvPr id="2" name="Picture 1">
+            <a:extLst>
+              <a:ext uri="{FF2B5EF4-FFF2-40B4-BE49-F238E27FC236}">
+                <a16:creationId xmlns:a16="http://schemas.microsoft.com/office/drawing/2014/main" id="{5FBF72A9-BA67-4DDB-8B4D-A1547DA1B673}"/>
+              </a:ext>
+            </a:extLst>
+          </p:cNvPr>
+          <p:cNvPicPr>
+            <a:picLocks noChangeAspect="1"/>
+          </p:cNvPicPr>
+          <p:nvPr/>
+        </p:nvPicPr>
+        <p:blipFill>
+          <a:blip r:embed="rId3"/>
+          <a:stretch>
+            <a:fillRect/>
+          </a:stretch>
+        </p:blipFill>
+        <p:spPr>
+          <a:xfrm>
+            <a:off x="8203660" y="3372675"/>
+            <a:ext cx="3486313" cy="2506557"/>
+          </a:xfrm>
+          <a:prstGeom prst="rect">
+            <a:avLst/>
+          </a:prstGeom>
+        </p:spPr>
+      </p:pic>
+      <p:sp>
+        <p:nvSpPr>
+          <p:cNvPr id="5" name="Google Shape;96;p14">
+            <a:extLst>
+              <a:ext uri="{FF2B5EF4-FFF2-40B4-BE49-F238E27FC236}">
+                <a16:creationId xmlns:a16="http://schemas.microsoft.com/office/drawing/2014/main" id="{5B4B8F88-758A-423A-8A80-1F3CDD84D357}"/>
+              </a:ext>
+            </a:extLst>
+          </p:cNvPr>
+          <p:cNvSpPr txBox="1"/>
+          <p:nvPr/>
+        </p:nvSpPr>
+        <p:spPr>
+          <a:xfrm>
+            <a:off x="636912" y="3429000"/>
+            <a:ext cx="7411105" cy="3120957"/>
+          </a:xfrm>
+          <a:prstGeom prst="rect">
+            <a:avLst/>
+          </a:prstGeom>
+          <a:noFill/>
+          <a:ln>
+            <a:noFill/>
+          </a:ln>
+        </p:spPr>
+        <p:txBody>
+          <a:bodyPr spcFirstLastPara="1" wrap="square" lIns="121900" tIns="121900" rIns="121900" bIns="121900" anchor="t" anchorCtr="0">
+            <a:noAutofit/>
+          </a:bodyPr>
+          <a:lstStyle/>
+          <a:p>
+            <a:pPr marL="342900" indent="-342900">
+              <a:buFont typeface="Arial" panose="020B0604020202020204" pitchFamily="34" charset="0"/>
+              <a:buChar char="•"/>
+            </a:pPr>
+            <a:r>
+              <a:rPr lang="en-US" dirty="0"/>
+              <a:t>Three points between 10 to 12, these are outliers as there are not included in box of other observation </a:t>
+            </a:r>
+            <a:r>
+              <a:rPr lang="en-US" dirty="0" err="1"/>
+              <a:t>i.e</a:t>
+            </a:r>
+            <a:r>
+              <a:rPr lang="en-US" dirty="0"/>
+              <a:t> no where near quartiles.</a:t>
+            </a:r>
+          </a:p>
+          <a:p>
+            <a:pPr marL="342900" indent="-342900">
+              <a:buFont typeface="Arial" panose="020B0604020202020204" pitchFamily="34" charset="0"/>
+              <a:buChar char="•"/>
+            </a:pPr>
+            <a:r>
+              <a:rPr lang="en-US" dirty="0"/>
+              <a:t>Here we analyzed </a:t>
+            </a:r>
+            <a:r>
+              <a:rPr lang="en-US" dirty="0" err="1"/>
+              <a:t>uni</a:t>
+            </a:r>
+            <a:r>
+              <a:rPr lang="en-US"/>
+              <a:t>-variate outlier</a:t>
+            </a:r>
+            <a:endParaRPr lang="en-US" dirty="0"/>
           </a:p>
         </p:txBody>
       </p:sp>
     </p:spTree>
     <p:extLst>
       <p:ext uri="{BB962C8B-B14F-4D97-AF65-F5344CB8AC3E}">
-        <p14:creationId xmlns:p14="http://schemas.microsoft.com/office/powerpoint/2010/main" val="2173989946"/>
+        <p14:creationId xmlns:p14="http://schemas.microsoft.com/office/powerpoint/2010/main" val="2298372580"/>
       </p:ext>
     </p:extLst>
   </p:cSld>
@@ -13613,7 +13801,7 @@
         <p:spPr>
           <a:xfrm>
             <a:off x="873082" y="1712171"/>
-            <a:ext cx="10816891" cy="4176000"/>
+            <a:ext cx="10660981" cy="4176000"/>
           </a:xfrm>
           <a:prstGeom prst="rect">
             <a:avLst/>
@@ -13629,61 +13817,65 @@
           </a:bodyPr>
           <a:lstStyle/>
           <a:p>
-            <a:pPr marL="342900" indent="-342900">
-              <a:buFont typeface="Arial" panose="020B0604020202020204" pitchFamily="34" charset="0"/>
-              <a:buChar char="•"/>
-            </a:pPr>
-            <a:r>
-              <a:rPr lang="en-US" dirty="0"/>
-              <a:t>Definition suggests, scatter plot is collection of points that shows values for two variables.</a:t>
-            </a:r>
-          </a:p>
-          <a:p>
-            <a:pPr marL="342900" indent="-342900">
-              <a:buFont typeface="Arial" panose="020B0604020202020204" pitchFamily="34" charset="0"/>
-              <a:buChar char="•"/>
-            </a:pPr>
-            <a:r>
-              <a:rPr lang="en-US" dirty="0"/>
-              <a:t>Most of data points are lying bottom left side but there are points which are far from population like top right corner.</a:t>
+            <a:r>
+              <a:rPr lang="en-US" dirty="0"/>
+              <a:t>Wikipedia: A </a:t>
+            </a:r>
+            <a:r>
+              <a:rPr lang="en-US" b="1" dirty="0"/>
+              <a:t>scatter plot </a:t>
+            </a:r>
+            <a:r>
+              <a:rPr lang="en-US" dirty="0"/>
+              <a:t>, is a type of plot or mathematical diagram using Cartesian coordinates to display values for typically two variables for a set of data. data are displayed as a </a:t>
+            </a:r>
+            <a:r>
+              <a:rPr lang="en-US" b="1" dirty="0"/>
+              <a:t>collection of points</a:t>
+            </a:r>
+            <a:r>
+              <a:rPr lang="en-US" dirty="0"/>
+              <a:t>, each having value of </a:t>
+            </a:r>
+            <a:r>
+              <a:rPr lang="en-US" b="1" dirty="0"/>
+              <a:t>one variable </a:t>
+            </a:r>
+            <a:r>
+              <a:rPr lang="en-US" dirty="0"/>
+              <a:t>determining position on </a:t>
+            </a:r>
+            <a:r>
+              <a:rPr lang="en-US" b="1" dirty="0"/>
+              <a:t>horizontal </a:t>
+            </a:r>
+            <a:r>
+              <a:rPr lang="en-US" dirty="0"/>
+              <a:t>axis and value of </a:t>
+            </a:r>
+            <a:r>
+              <a:rPr lang="en-US" b="1" dirty="0"/>
+              <a:t>other variable </a:t>
+            </a:r>
+            <a:r>
+              <a:rPr lang="en-US" dirty="0"/>
+              <a:t>determining position on </a:t>
+            </a:r>
+            <a:r>
+              <a:rPr lang="en-US" b="1" dirty="0"/>
+              <a:t>vertical </a:t>
+            </a:r>
+            <a:r>
+              <a:rPr lang="en-US" dirty="0"/>
+              <a:t>axis.</a:t>
             </a:r>
           </a:p>
         </p:txBody>
       </p:sp>
-      <p:pic>
-        <p:nvPicPr>
-          <p:cNvPr id="3" name="Picture 2">
-            <a:extLst>
-              <a:ext uri="{FF2B5EF4-FFF2-40B4-BE49-F238E27FC236}">
-                <a16:creationId xmlns:a16="http://schemas.microsoft.com/office/drawing/2014/main" id="{1EDC2588-6671-4E43-A428-DD3845D76AC5}"/>
-              </a:ext>
-            </a:extLst>
-          </p:cNvPr>
-          <p:cNvPicPr>
-            <a:picLocks noChangeAspect="1"/>
-          </p:cNvPicPr>
-          <p:nvPr/>
-        </p:nvPicPr>
-        <p:blipFill>
-          <a:blip r:embed="rId3"/>
-          <a:stretch>
-            <a:fillRect/>
-          </a:stretch>
-        </p:blipFill>
-        <p:spPr>
-          <a:xfrm>
-            <a:off x="3844949" y="3726244"/>
-            <a:ext cx="4502101" cy="2579767"/>
-          </a:xfrm>
-          <a:prstGeom prst="rect">
-            <a:avLst/>
-          </a:prstGeom>
-        </p:spPr>
-      </p:pic>
     </p:spTree>
     <p:extLst>
       <p:ext uri="{BB962C8B-B14F-4D97-AF65-F5344CB8AC3E}">
-        <p14:creationId xmlns:p14="http://schemas.microsoft.com/office/powerpoint/2010/main" val="4101363033"/>
+        <p14:creationId xmlns:p14="http://schemas.microsoft.com/office/powerpoint/2010/main" val="2173989946"/>
       </p:ext>
     </p:extLst>
   </p:cSld>
@@ -13741,7 +13933,7 @@
                   <a:srgbClr val="E46102"/>
                 </a:solidFill>
               </a:rPr>
-              <a:t>Standard Deviation</a:t>
+              <a:t>Scatter Plot</a:t>
             </a:r>
             <a:endParaRPr sz="4000" b="1" dirty="0">
               <a:solidFill>
@@ -13760,7 +13952,7 @@
         <p:spPr>
           <a:xfrm>
             <a:off x="873082" y="1712171"/>
-            <a:ext cx="10660981" cy="4176000"/>
+            <a:ext cx="10816891" cy="4176000"/>
           </a:xfrm>
           <a:prstGeom prst="rect">
             <a:avLst/>
@@ -13776,79 +13968,61 @@
           </a:bodyPr>
           <a:lstStyle/>
           <a:p>
-            <a:r>
-              <a:rPr lang="en-US" dirty="0"/>
-              <a:t>Wikipedia: In statistics, </a:t>
-            </a:r>
-            <a:r>
-              <a:rPr lang="en-US" b="1" dirty="0"/>
-              <a:t>standard deviation </a:t>
-            </a:r>
-            <a:r>
-              <a:rPr lang="en-US" dirty="0"/>
-              <a:t>(</a:t>
-            </a:r>
-            <a:r>
-              <a:rPr lang="en-US" b="1" dirty="0"/>
-              <a:t>SD</a:t>
-            </a:r>
-            <a:r>
-              <a:rPr lang="en-US" dirty="0"/>
-              <a:t>, also represented by lower case Greek letter sigma </a:t>
-            </a:r>
-            <a:r>
-              <a:rPr lang="en-US" b="1" dirty="0"/>
-              <a:t>σ </a:t>
-            </a:r>
-            <a:r>
-              <a:rPr lang="en-US" dirty="0"/>
-              <a:t>for population standard deviation or Latin letter s for sample standard deviation) is a measure of amount of variation or dispersion of a set of values.</a:t>
-            </a:r>
-          </a:p>
-          <a:p>
-            <a:endParaRPr lang="en-US" dirty="0"/>
-          </a:p>
-          <a:p>
-            <a:r>
-              <a:rPr lang="en-US" dirty="0"/>
-              <a:t>If a value has a distance to average higher than </a:t>
-            </a:r>
-            <a:r>
-              <a:rPr lang="en-US" b="1" i="1" dirty="0"/>
-              <a:t>x * standard deviation</a:t>
-            </a:r>
-            <a:r>
-              <a:rPr lang="en-US" b="1" dirty="0"/>
-              <a:t>, </a:t>
-            </a:r>
-            <a:r>
-              <a:rPr lang="en-US" dirty="0"/>
-              <a:t>it can be assumed as an outlier. Then what </a:t>
-            </a:r>
-            <a:r>
-              <a:rPr lang="en-US" b="1" dirty="0"/>
-              <a:t>x </a:t>
-            </a:r>
-            <a:r>
-              <a:rPr lang="en-US" dirty="0"/>
-              <a:t>should be?</a:t>
-            </a:r>
-          </a:p>
-          <a:p>
-            <a:endParaRPr lang="en-US" dirty="0"/>
-          </a:p>
-          <a:p>
-            <a:r>
-              <a:rPr lang="en-US" dirty="0"/>
-              <a:t>Usually, a value between 2-4</a:t>
+            <a:pPr marL="342900" indent="-342900">
+              <a:buFont typeface="Arial" panose="020B0604020202020204" pitchFamily="34" charset="0"/>
+              <a:buChar char="•"/>
+            </a:pPr>
+            <a:r>
+              <a:rPr lang="en-US" dirty="0"/>
+              <a:t>Definition suggests, scatter plot is collection of points that shows values for two variables.</a:t>
+            </a:r>
+          </a:p>
+          <a:p>
+            <a:pPr marL="342900" indent="-342900">
+              <a:buFont typeface="Arial" panose="020B0604020202020204" pitchFamily="34" charset="0"/>
+              <a:buChar char="•"/>
+            </a:pPr>
+            <a:r>
+              <a:rPr lang="en-US" dirty="0"/>
+              <a:t>Most of data points are lying bottom left side but there are points which are far from population like top right corner.</a:t>
             </a:r>
           </a:p>
         </p:txBody>
       </p:sp>
+      <p:pic>
+        <p:nvPicPr>
+          <p:cNvPr id="3" name="Picture 2">
+            <a:extLst>
+              <a:ext uri="{FF2B5EF4-FFF2-40B4-BE49-F238E27FC236}">
+                <a16:creationId xmlns:a16="http://schemas.microsoft.com/office/drawing/2014/main" id="{1EDC2588-6671-4E43-A428-DD3845D76AC5}"/>
+              </a:ext>
+            </a:extLst>
+          </p:cNvPr>
+          <p:cNvPicPr>
+            <a:picLocks noChangeAspect="1"/>
+          </p:cNvPicPr>
+          <p:nvPr/>
+        </p:nvPicPr>
+        <p:blipFill>
+          <a:blip r:embed="rId3"/>
+          <a:stretch>
+            <a:fillRect/>
+          </a:stretch>
+        </p:blipFill>
+        <p:spPr>
+          <a:xfrm>
+            <a:off x="3844949" y="3726244"/>
+            <a:ext cx="4502101" cy="2579767"/>
+          </a:xfrm>
+          <a:prstGeom prst="rect">
+            <a:avLst/>
+          </a:prstGeom>
+        </p:spPr>
+      </p:pic>
     </p:spTree>
     <p:extLst>
       <p:ext uri="{BB962C8B-B14F-4D97-AF65-F5344CB8AC3E}">
-        <p14:creationId xmlns:p14="http://schemas.microsoft.com/office/powerpoint/2010/main" val="4101614805"/>
+        <p14:creationId xmlns:p14="http://schemas.microsoft.com/office/powerpoint/2010/main" val="4101363033"/>
       </p:ext>
     </p:extLst>
   </p:cSld>
@@ -14125,7 +14299,7 @@
                   <a:srgbClr val="E46102"/>
                 </a:solidFill>
               </a:rPr>
-              <a:t>Z-score</a:t>
+              <a:t>Standard Deviation</a:t>
             </a:r>
             <a:endParaRPr sz="4000" b="1" dirty="0">
               <a:solidFill>
@@ -14162,15 +14336,31 @@
           <a:p>
             <a:r>
               <a:rPr lang="en-US" dirty="0"/>
-              <a:t>Wikipedia: </a:t>
+              <a:t>Wikipedia: In statistics, </a:t>
             </a:r>
             <a:r>
               <a:rPr lang="en-US" b="1" dirty="0"/>
-              <a:t>Z-score </a:t>
-            </a:r>
-            <a:r>
-              <a:rPr lang="en-US" dirty="0"/>
-              <a:t>is signed number of standard deviations by which value of an observation or data point is above mean value of what is being observed or measured.</a:t>
+              <a:t>standard deviation </a:t>
+            </a:r>
+            <a:r>
+              <a:rPr lang="en-US" dirty="0"/>
+              <a:t>(</a:t>
+            </a:r>
+            <a:r>
+              <a:rPr lang="en-US" b="1" dirty="0"/>
+              <a:t>SD</a:t>
+            </a:r>
+            <a:r>
+              <a:rPr lang="en-US" dirty="0"/>
+              <a:t>, also represented by lower case Greek letter sigma </a:t>
+            </a:r>
+            <a:r>
+              <a:rPr lang="en-US" b="1" dirty="0"/>
+              <a:t>σ </a:t>
+            </a:r>
+            <a:r>
+              <a:rPr lang="en-US" dirty="0"/>
+              <a:t>for population standard deviation or Latin letter s for sample standard deviation) is a measure of amount of variation or dispersion of a set of values.</a:t>
             </a:r>
           </a:p>
           <a:p>
@@ -14179,13 +14369,36 @@
           <a:p>
             <a:r>
               <a:rPr lang="en-US" dirty="0"/>
-              <a:t>Intuition: describe any data point by finding their relationship with Standard Deviation and Mean of group of data points. </a:t>
-            </a:r>
-          </a:p>
-          <a:p>
-            <a:r>
-              <a:rPr lang="en-US" dirty="0"/>
-              <a:t>	Z-score is finding distribution of data where mean is 0 and standard deviation is 1 i.e. normal distribution.</a:t>
+              <a:t>If a value has a distance to average higher than </a:t>
+            </a:r>
+            <a:r>
+              <a:rPr lang="en-US" b="1" i="1" dirty="0"/>
+              <a:t>x * standard deviation</a:t>
+            </a:r>
+            <a:r>
+              <a:rPr lang="en-US" b="1" dirty="0"/>
+              <a:t>, </a:t>
+            </a:r>
+            <a:r>
+              <a:rPr lang="en-US" dirty="0"/>
+              <a:t>it can be assumed as an outlier. Then what </a:t>
+            </a:r>
+            <a:r>
+              <a:rPr lang="en-US" b="1" dirty="0"/>
+              <a:t>x </a:t>
+            </a:r>
+            <a:r>
+              <a:rPr lang="en-US" dirty="0"/>
+              <a:t>should be?</a:t>
+            </a:r>
+          </a:p>
+          <a:p>
+            <a:endParaRPr lang="en-US" dirty="0"/>
+          </a:p>
+          <a:p>
+            <a:r>
+              <a:rPr lang="en-US" dirty="0"/>
+              <a:t>Usually, a value between 2-4</a:t>
             </a:r>
           </a:p>
         </p:txBody>
@@ -14193,7 +14406,7 @@
     </p:spTree>
     <p:extLst>
       <p:ext uri="{BB962C8B-B14F-4D97-AF65-F5344CB8AC3E}">
-        <p14:creationId xmlns:p14="http://schemas.microsoft.com/office/powerpoint/2010/main" val="198849278"/>
+        <p14:creationId xmlns:p14="http://schemas.microsoft.com/office/powerpoint/2010/main" val="4101614805"/>
       </p:ext>
     </p:extLst>
   </p:cSld>
@@ -14288,61 +14501,38 @@
           <a:p>
             <a:r>
               <a:rPr lang="en-US" dirty="0"/>
-              <a:t>While calculating Z-score we re-scale and center data and look for data points which are too far from zero. These data points which are way too far from zero will be treated as outliers. In most of cases a threshold of 3 or -3 is used </a:t>
-            </a:r>
-            <a:r>
-              <a:rPr lang="en-US" dirty="0" err="1"/>
-              <a:t>i.e</a:t>
-            </a:r>
-            <a:r>
-              <a:rPr lang="en-US" dirty="0"/>
-              <a:t> if </a:t>
-            </a:r>
-            <a:r>
-              <a:rPr lang="en-US" dirty="0" err="1"/>
-              <a:t>Zscore</a:t>
-            </a:r>
-            <a:r>
-              <a:rPr lang="en-US" dirty="0"/>
-              <a:t> value is greater than or less than 3 or -3 respectively, that data point will be identified as outliers.</a:t>
+              <a:t>Wikipedia: </a:t>
+            </a:r>
+            <a:r>
+              <a:rPr lang="en-US" b="1" dirty="0"/>
+              <a:t>Z-score </a:t>
+            </a:r>
+            <a:r>
+              <a:rPr lang="en-US" dirty="0"/>
+              <a:t>is signed number of standard deviations by which value of an observation or data point is above mean value of what is being observed or measured.</a:t>
+            </a:r>
+          </a:p>
+          <a:p>
+            <a:endParaRPr lang="en-US" dirty="0"/>
+          </a:p>
+          <a:p>
+            <a:r>
+              <a:rPr lang="en-US" dirty="0"/>
+              <a:t>Intuition: describe any data point by finding their relationship with Standard Deviation and Mean of group of data points. </a:t>
+            </a:r>
+          </a:p>
+          <a:p>
+            <a:r>
+              <a:rPr lang="en-US" dirty="0"/>
+              <a:t>	Z-score is finding distribution of data where mean is 0 and standard deviation is 1 i.e. normal distribution.</a:t>
             </a:r>
           </a:p>
         </p:txBody>
       </p:sp>
-      <p:pic>
-        <p:nvPicPr>
-          <p:cNvPr id="4" name="Picture 3">
-            <a:extLst>
-              <a:ext uri="{FF2B5EF4-FFF2-40B4-BE49-F238E27FC236}">
-                <a16:creationId xmlns:a16="http://schemas.microsoft.com/office/drawing/2014/main" id="{6F4178FA-C796-4577-A626-7323C898A84C}"/>
-              </a:ext>
-            </a:extLst>
-          </p:cNvPr>
-          <p:cNvPicPr>
-            <a:picLocks noChangeAspect="1"/>
-          </p:cNvPicPr>
-          <p:nvPr/>
-        </p:nvPicPr>
-        <p:blipFill>
-          <a:blip r:embed="rId3"/>
-          <a:stretch>
-            <a:fillRect/>
-          </a:stretch>
-        </p:blipFill>
-        <p:spPr>
-          <a:xfrm>
-            <a:off x="8023708" y="3947513"/>
-            <a:ext cx="2586321" cy="2112388"/>
-          </a:xfrm>
-          <a:prstGeom prst="rect">
-            <a:avLst/>
-          </a:prstGeom>
-        </p:spPr>
-      </p:pic>
     </p:spTree>
     <p:extLst>
       <p:ext uri="{BB962C8B-B14F-4D97-AF65-F5344CB8AC3E}">
-        <p14:creationId xmlns:p14="http://schemas.microsoft.com/office/powerpoint/2010/main" val="3356716834"/>
+        <p14:creationId xmlns:p14="http://schemas.microsoft.com/office/powerpoint/2010/main" val="198849278"/>
       </p:ext>
     </p:extLst>
   </p:cSld>
@@ -14400,6 +14590,155 @@
                   <a:srgbClr val="E46102"/>
                 </a:solidFill>
               </a:rPr>
+              <a:t>Z-score</a:t>
+            </a:r>
+            <a:endParaRPr sz="4000" b="1" dirty="0">
+              <a:solidFill>
+                <a:srgbClr val="E46102"/>
+              </a:solidFill>
+            </a:endParaRPr>
+          </a:p>
+        </p:txBody>
+      </p:sp>
+      <p:sp>
+        <p:nvSpPr>
+          <p:cNvPr id="96" name="Google Shape;96;p14"/>
+          <p:cNvSpPr txBox="1"/>
+          <p:nvPr/>
+        </p:nvSpPr>
+        <p:spPr>
+          <a:xfrm>
+            <a:off x="873082" y="1712171"/>
+            <a:ext cx="10660981" cy="4176000"/>
+          </a:xfrm>
+          <a:prstGeom prst="rect">
+            <a:avLst/>
+          </a:prstGeom>
+          <a:noFill/>
+          <a:ln>
+            <a:noFill/>
+          </a:ln>
+        </p:spPr>
+        <p:txBody>
+          <a:bodyPr spcFirstLastPara="1" wrap="square" lIns="121900" tIns="121900" rIns="121900" bIns="121900" anchor="t" anchorCtr="0">
+            <a:noAutofit/>
+          </a:bodyPr>
+          <a:lstStyle/>
+          <a:p>
+            <a:r>
+              <a:rPr lang="en-US" dirty="0"/>
+              <a:t>While calculating Z-score we re-scale and center data and look for data points which are too far from zero. These data points which are way too far from zero will be treated as outliers. In most of cases a threshold of 3 or -3 is used </a:t>
+            </a:r>
+            <a:r>
+              <a:rPr lang="en-US" dirty="0" err="1"/>
+              <a:t>i.e</a:t>
+            </a:r>
+            <a:r>
+              <a:rPr lang="en-US" dirty="0"/>
+              <a:t> if </a:t>
+            </a:r>
+            <a:r>
+              <a:rPr lang="en-US" dirty="0" err="1"/>
+              <a:t>Zscore</a:t>
+            </a:r>
+            <a:r>
+              <a:rPr lang="en-US" dirty="0"/>
+              <a:t> value is greater than or less than 3 or -3 respectively, that data point will be identified as outliers.</a:t>
+            </a:r>
+          </a:p>
+        </p:txBody>
+      </p:sp>
+      <p:pic>
+        <p:nvPicPr>
+          <p:cNvPr id="4" name="Picture 3">
+            <a:extLst>
+              <a:ext uri="{FF2B5EF4-FFF2-40B4-BE49-F238E27FC236}">
+                <a16:creationId xmlns:a16="http://schemas.microsoft.com/office/drawing/2014/main" id="{6F4178FA-C796-4577-A626-7323C898A84C}"/>
+              </a:ext>
+            </a:extLst>
+          </p:cNvPr>
+          <p:cNvPicPr>
+            <a:picLocks noChangeAspect="1"/>
+          </p:cNvPicPr>
+          <p:nvPr/>
+        </p:nvPicPr>
+        <p:blipFill>
+          <a:blip r:embed="rId3"/>
+          <a:stretch>
+            <a:fillRect/>
+          </a:stretch>
+        </p:blipFill>
+        <p:spPr>
+          <a:xfrm>
+            <a:off x="8023708" y="3947513"/>
+            <a:ext cx="2586321" cy="2112388"/>
+          </a:xfrm>
+          <a:prstGeom prst="rect">
+            <a:avLst/>
+          </a:prstGeom>
+        </p:spPr>
+      </p:pic>
+    </p:spTree>
+    <p:extLst>
+      <p:ext uri="{BB962C8B-B14F-4D97-AF65-F5344CB8AC3E}">
+        <p14:creationId xmlns:p14="http://schemas.microsoft.com/office/powerpoint/2010/main" val="3356716834"/>
+      </p:ext>
+    </p:extLst>
+  </p:cSld>
+  <p:clrMapOvr>
+    <a:masterClrMapping/>
+  </p:clrMapOvr>
+</p:sld>
+</file>
+
+<file path=ppt/slides/slide33.xml><?xml version="1.0" encoding="utf-8"?>
+<p:sld xmlns:a="http://schemas.openxmlformats.org/drawingml/2006/main" xmlns:r="http://schemas.openxmlformats.org/officeDocument/2006/relationships" xmlns:p="http://schemas.openxmlformats.org/presentationml/2006/main">
+  <p:cSld>
+    <p:spTree>
+      <p:nvGrpSpPr>
+        <p:cNvPr id="1" name="Shape 94"/>
+        <p:cNvGrpSpPr/>
+        <p:nvPr/>
+      </p:nvGrpSpPr>
+      <p:grpSpPr>
+        <a:xfrm>
+          <a:off x="0" y="0"/>
+          <a:ext cx="0" cy="0"/>
+          <a:chOff x="0" y="0"/>
+          <a:chExt cx="0" cy="0"/>
+        </a:xfrm>
+      </p:grpSpPr>
+      <p:sp>
+        <p:nvSpPr>
+          <p:cNvPr id="95" name="Google Shape;95;p14"/>
+          <p:cNvSpPr txBox="1">
+            <a:spLocks noGrp="1"/>
+          </p:cNvSpPr>
+          <p:nvPr>
+            <p:ph type="title" idx="4294967295"/>
+          </p:nvPr>
+        </p:nvSpPr>
+        <p:spPr>
+          <a:xfrm>
+            <a:off x="717173" y="696913"/>
+            <a:ext cx="10972800" cy="506789"/>
+          </a:xfrm>
+          <a:prstGeom prst="rect">
+            <a:avLst/>
+          </a:prstGeom>
+        </p:spPr>
+        <p:txBody>
+          <a:bodyPr spcFirstLastPara="1" wrap="square" lIns="121900" tIns="121900" rIns="121900" bIns="121900" anchor="ctr" anchorCtr="0">
+            <a:noAutofit/>
+          </a:bodyPr>
+          <a:lstStyle/>
+          <a:p>
+            <a:r>
+              <a:rPr lang="en-US" sz="4000" b="1" dirty="0">
+                <a:solidFill>
+                  <a:srgbClr val="E46102"/>
+                </a:solidFill>
+              </a:rPr>
               <a:t>Z-Score</a:t>
             </a:r>
             <a:endParaRPr sz="4000" b="1" dirty="0">
@@ -14506,7 +14845,7 @@
 </p:sld>
 </file>
 
-<file path=ppt/slides/slide33.xml><?xml version="1.0" encoding="utf-8"?>
+<file path=ppt/slides/slide34.xml><?xml version="1.0" encoding="utf-8"?>
 <p:sld xmlns:a="http://schemas.openxmlformats.org/drawingml/2006/main" xmlns:r="http://schemas.openxmlformats.org/officeDocument/2006/relationships" xmlns:p="http://schemas.openxmlformats.org/presentationml/2006/main">
   <p:cSld>
     <p:spTree>
@@ -14735,214 +15074,6 @@
 </p:sld>
 </file>
 
-<file path=ppt/slides/slide34.xml><?xml version="1.0" encoding="utf-8"?>
-<p:sld xmlns:a="http://schemas.openxmlformats.org/drawingml/2006/main" xmlns:r="http://schemas.openxmlformats.org/officeDocument/2006/relationships" xmlns:p="http://schemas.openxmlformats.org/presentationml/2006/main">
-  <p:cSld>
-    <p:spTree>
-      <p:nvGrpSpPr>
-        <p:cNvPr id="1" name="Shape 94"/>
-        <p:cNvGrpSpPr/>
-        <p:nvPr/>
-      </p:nvGrpSpPr>
-      <p:grpSpPr>
-        <a:xfrm>
-          <a:off x="0" y="0"/>
-          <a:ext cx="0" cy="0"/>
-          <a:chOff x="0" y="0"/>
-          <a:chExt cx="0" cy="0"/>
-        </a:xfrm>
-      </p:grpSpPr>
-      <p:sp>
-        <p:nvSpPr>
-          <p:cNvPr id="95" name="Google Shape;95;p14"/>
-          <p:cNvSpPr txBox="1">
-            <a:spLocks noGrp="1"/>
-          </p:cNvSpPr>
-          <p:nvPr>
-            <p:ph type="title" idx="4294967295"/>
-          </p:nvPr>
-        </p:nvSpPr>
-        <p:spPr>
-          <a:xfrm>
-            <a:off x="717173" y="696913"/>
-            <a:ext cx="10972800" cy="506789"/>
-          </a:xfrm>
-          <a:prstGeom prst="rect">
-            <a:avLst/>
-          </a:prstGeom>
-        </p:spPr>
-        <p:txBody>
-          <a:bodyPr spcFirstLastPara="1" wrap="square" lIns="121900" tIns="121900" rIns="121900" bIns="121900" anchor="ctr" anchorCtr="0">
-            <a:noAutofit/>
-          </a:bodyPr>
-          <a:lstStyle/>
-          <a:p>
-            <a:r>
-              <a:rPr lang="en-US" sz="4000" b="1" dirty="0">
-                <a:solidFill>
-                  <a:srgbClr val="E46102"/>
-                </a:solidFill>
-              </a:rPr>
-              <a:t>Percentiles</a:t>
-            </a:r>
-            <a:endParaRPr sz="4000" b="1" dirty="0">
-              <a:solidFill>
-                <a:srgbClr val="E46102"/>
-              </a:solidFill>
-            </a:endParaRPr>
-          </a:p>
-        </p:txBody>
-      </p:sp>
-      <p:sp>
-        <p:nvSpPr>
-          <p:cNvPr id="96" name="Google Shape;96;p14"/>
-          <p:cNvSpPr txBox="1"/>
-          <p:nvPr/>
-        </p:nvSpPr>
-        <p:spPr>
-          <a:xfrm>
-            <a:off x="873082" y="1712171"/>
-            <a:ext cx="10660981" cy="4176000"/>
-          </a:xfrm>
-          <a:prstGeom prst="rect">
-            <a:avLst/>
-          </a:prstGeom>
-          <a:noFill/>
-          <a:ln>
-            <a:noFill/>
-          </a:ln>
-        </p:spPr>
-        <p:txBody>
-          <a:bodyPr spcFirstLastPara="1" wrap="square" lIns="121900" tIns="121900" rIns="121900" bIns="121900" anchor="t" anchorCtr="0">
-            <a:noAutofit/>
-          </a:bodyPr>
-          <a:lstStyle/>
-          <a:p>
-            <a:pPr marL="342900" indent="-342900">
-              <a:buFont typeface="Arial" panose="020B0604020202020204" pitchFamily="34" charset="0"/>
-              <a:buChar char="•"/>
-            </a:pPr>
-            <a:r>
-              <a:rPr lang="en-US" dirty="0"/>
-              <a:t>assume a certain percent of value from top or the</a:t>
-            </a:r>
-          </a:p>
-          <a:p>
-            <a:r>
-              <a:rPr lang="en-US" dirty="0"/>
-              <a:t>bottom as an outlier.</a:t>
-            </a:r>
-          </a:p>
-          <a:p>
-            <a:endParaRPr lang="en-US" dirty="0"/>
-          </a:p>
-          <a:p>
-            <a:pPr marL="342900" indent="-342900">
-              <a:buFont typeface="Arial" panose="020B0604020202020204" pitchFamily="34" charset="0"/>
-              <a:buChar char="•"/>
-            </a:pPr>
-            <a:r>
-              <a:rPr lang="en-US" dirty="0"/>
-              <a:t>A common mistake is using percentiles according to range</a:t>
-            </a:r>
-          </a:p>
-          <a:p>
-            <a:r>
-              <a:rPr lang="en-US" dirty="0"/>
-              <a:t>of data</a:t>
-            </a:r>
-          </a:p>
-          <a:p>
-            <a:pPr marL="342900" indent="-342900">
-              <a:buFont typeface="Arial" panose="020B0604020202020204" pitchFamily="34" charset="0"/>
-              <a:buChar char="•"/>
-            </a:pPr>
-            <a:r>
-              <a:rPr lang="en-US" dirty="0"/>
-              <a:t>e.g., if data ranges from </a:t>
-            </a:r>
-            <a:r>
-              <a:rPr lang="en-US" b="1" dirty="0"/>
-              <a:t>0 </a:t>
-            </a:r>
-            <a:r>
-              <a:rPr lang="en-US" dirty="0"/>
-              <a:t>to </a:t>
-            </a:r>
-            <a:r>
-              <a:rPr lang="en-US" b="1" dirty="0"/>
-              <a:t>100; </a:t>
-            </a:r>
-            <a:r>
-              <a:rPr lang="en-US" dirty="0"/>
-              <a:t>top </a:t>
-            </a:r>
-            <a:r>
-              <a:rPr lang="en-US" b="1" dirty="0"/>
-              <a:t>5% </a:t>
-            </a:r>
-            <a:r>
-              <a:rPr lang="en-US" dirty="0"/>
-              <a:t>is not values between </a:t>
-            </a:r>
-            <a:r>
-              <a:rPr lang="en-US" b="1" dirty="0"/>
-              <a:t>96 </a:t>
-            </a:r>
-            <a:r>
-              <a:rPr lang="en-US" dirty="0"/>
-              <a:t>and </a:t>
-            </a:r>
-            <a:r>
-              <a:rPr lang="en-US" b="1" dirty="0"/>
-              <a:t>100</a:t>
-            </a:r>
-            <a:r>
-              <a:rPr lang="en-US" dirty="0"/>
-              <a:t>. </a:t>
-            </a:r>
-          </a:p>
-          <a:p>
-            <a:pPr marL="342900" indent="-342900">
-              <a:buFont typeface="Arial" panose="020B0604020202020204" pitchFamily="34" charset="0"/>
-              <a:buChar char="•"/>
-            </a:pPr>
-            <a:r>
-              <a:rPr lang="en-US" dirty="0"/>
-              <a:t>Top </a:t>
-            </a:r>
-            <a:r>
-              <a:rPr lang="en-US" b="1" dirty="0"/>
-              <a:t>5% </a:t>
-            </a:r>
-            <a:r>
-              <a:rPr lang="en-US" dirty="0"/>
-              <a:t>means values that are out of </a:t>
-            </a:r>
-            <a:r>
-              <a:rPr lang="en-US" b="1" dirty="0"/>
-              <a:t>95th </a:t>
-            </a:r>
-            <a:r>
-              <a:rPr lang="en-US" dirty="0"/>
-              <a:t>percentile of data.</a:t>
-            </a:r>
-          </a:p>
-        </p:txBody>
-      </p:sp>
-    </p:spTree>
-    <p:extLst>
-      <p:ext uri="{BB962C8B-B14F-4D97-AF65-F5344CB8AC3E}">
-        <p14:creationId xmlns:p14="http://schemas.microsoft.com/office/powerpoint/2010/main" val="1826786659"/>
-      </p:ext>
-    </p:extLst>
-  </p:cSld>
-  <p:clrMapOvr>
-    <a:masterClrMapping/>
-  </p:clrMapOvr>
-</p:sld>
-</file>
-
 <file path=ppt/slides/slide35.xml><?xml version="1.0" encoding="utf-8"?>
 <p:sld xmlns:a="http://schemas.openxmlformats.org/drawingml/2006/main" xmlns:r="http://schemas.openxmlformats.org/officeDocument/2006/relationships" xmlns:p="http://schemas.openxmlformats.org/presentationml/2006/main">
   <p:cSld>
@@ -14991,7 +15122,7 @@
                   <a:srgbClr val="E46102"/>
                 </a:solidFill>
               </a:rPr>
-              <a:t>Handling Outliers</a:t>
+              <a:t>Percentiles</a:t>
             </a:r>
             <a:endParaRPr sz="4000" b="1" dirty="0">
               <a:solidFill>
@@ -15009,8 +15140,8 @@
         </p:nvSpPr>
         <p:spPr>
           <a:xfrm>
-            <a:off x="789265" y="1486692"/>
-            <a:ext cx="10972800" cy="5075371"/>
+            <a:off x="873082" y="1712171"/>
+            <a:ext cx="10660981" cy="4176000"/>
           </a:xfrm>
           <a:prstGeom prst="rect">
             <a:avLst/>
@@ -15026,196 +15157,122 @@
           </a:bodyPr>
           <a:lstStyle/>
           <a:p>
-            <a:r>
-              <a:rPr lang="en-US" b="1" dirty="0"/>
-              <a:t>An Outlier Dilemma: Drop or Cap</a:t>
-            </a:r>
-          </a:p>
-          <a:p>
-            <a:endParaRPr lang="en-US" b="1" dirty="0"/>
-          </a:p>
-          <a:p>
             <a:pPr marL="342900" indent="-342900">
               <a:buFont typeface="Arial" panose="020B0604020202020204" pitchFamily="34" charset="0"/>
               <a:buChar char="•"/>
             </a:pPr>
             <a:r>
-              <a:rPr lang="en-US" b="1" dirty="0"/>
-              <a:t>Correcting</a:t>
-            </a:r>
+              <a:rPr lang="en-US" dirty="0"/>
+              <a:t>assume a certain percent of value from top or the</a:t>
+            </a:r>
+          </a:p>
+          <a:p>
+            <a:r>
+              <a:rPr lang="en-US" dirty="0"/>
+              <a:t>bottom as an outlier.</a:t>
+            </a:r>
+          </a:p>
+          <a:p>
+            <a:endParaRPr lang="en-US" dirty="0"/>
           </a:p>
           <a:p>
             <a:pPr marL="342900" indent="-342900">
               <a:buFont typeface="Arial" panose="020B0604020202020204" pitchFamily="34" charset="0"/>
               <a:buChar char="•"/>
             </a:pPr>
-            <a:endParaRPr lang="en-US" b="1" dirty="0"/>
+            <a:r>
+              <a:rPr lang="en-US" dirty="0"/>
+              <a:t>A common mistake is using percentiles according to range</a:t>
+            </a:r>
+          </a:p>
+          <a:p>
+            <a:r>
+              <a:rPr lang="en-US" dirty="0"/>
+              <a:t>of data</a:t>
+            </a:r>
           </a:p>
           <a:p>
             <a:pPr marL="342900" indent="-342900">
               <a:buFont typeface="Arial" panose="020B0604020202020204" pitchFamily="34" charset="0"/>
               <a:buChar char="•"/>
             </a:pPr>
-            <a:endParaRPr lang="en-US" b="1" dirty="0"/>
+            <a:r>
+              <a:rPr lang="en-US" dirty="0"/>
+              <a:t>e.g., if data ranges from </a:t>
+            </a:r>
+            <a:r>
+              <a:rPr lang="en-US" b="1" dirty="0"/>
+              <a:t>0 </a:t>
+            </a:r>
+            <a:r>
+              <a:rPr lang="en-US" dirty="0"/>
+              <a:t>to </a:t>
+            </a:r>
+            <a:r>
+              <a:rPr lang="en-US" b="1" dirty="0"/>
+              <a:t>100; </a:t>
+            </a:r>
+            <a:r>
+              <a:rPr lang="en-US" dirty="0"/>
+              <a:t>top </a:t>
+            </a:r>
+            <a:r>
+              <a:rPr lang="en-US" b="1" dirty="0"/>
+              <a:t>5% </a:t>
+            </a:r>
+            <a:r>
+              <a:rPr lang="en-US" dirty="0"/>
+              <a:t>is not values between </a:t>
+            </a:r>
+            <a:r>
+              <a:rPr lang="en-US" b="1" dirty="0"/>
+              <a:t>96 </a:t>
+            </a:r>
+            <a:r>
+              <a:rPr lang="en-US" dirty="0"/>
+              <a:t>and </a:t>
+            </a:r>
+            <a:r>
+              <a:rPr lang="en-US" b="1" dirty="0"/>
+              <a:t>100</a:t>
+            </a:r>
+            <a:r>
+              <a:rPr lang="en-US" dirty="0"/>
+              <a:t>. </a:t>
+            </a:r>
           </a:p>
           <a:p>
             <a:pPr marL="342900" indent="-342900">
               <a:buFont typeface="Arial" panose="020B0604020202020204" pitchFamily="34" charset="0"/>
               <a:buChar char="•"/>
             </a:pPr>
-            <a:endParaRPr lang="en-US" b="1" dirty="0"/>
-          </a:p>
-          <a:p>
-            <a:pPr marL="342900" indent="-342900">
-              <a:buFont typeface="Arial" panose="020B0604020202020204" pitchFamily="34" charset="0"/>
-              <a:buChar char="•"/>
-            </a:pPr>
-            <a:endParaRPr lang="en-US" b="1" dirty="0"/>
-          </a:p>
-          <a:p>
-            <a:pPr marL="342900" indent="-342900">
-              <a:buFont typeface="Arial" panose="020B0604020202020204" pitchFamily="34" charset="0"/>
-              <a:buChar char="•"/>
-            </a:pPr>
+            <a:r>
+              <a:rPr lang="en-US" dirty="0"/>
+              <a:t>Top </a:t>
+            </a:r>
             <a:r>
               <a:rPr lang="en-US" b="1" dirty="0"/>
-              <a:t>Removing</a:t>
-            </a:r>
-          </a:p>
-          <a:p>
-            <a:endParaRPr lang="en-US" b="1" dirty="0"/>
-          </a:p>
-          <a:p>
-            <a:pPr marL="952485" lvl="1" indent="-342900">
-              <a:buFont typeface="Arial" panose="020B0604020202020204" pitchFamily="34" charset="0"/>
-              <a:buChar char="•"/>
-            </a:pPr>
-            <a:r>
-              <a:rPr lang="en-US" dirty="0"/>
-              <a:t>Z-score</a:t>
-            </a:r>
-          </a:p>
-          <a:p>
-            <a:pPr marL="952485" lvl="1" indent="-342900">
-              <a:buFont typeface="Arial" panose="020B0604020202020204" pitchFamily="34" charset="0"/>
-              <a:buChar char="•"/>
-            </a:pPr>
-            <a:endParaRPr lang="en-US" dirty="0"/>
-          </a:p>
-          <a:p>
-            <a:pPr marL="952485" lvl="1" indent="-342900">
-              <a:buFont typeface="Arial" panose="020B0604020202020204" pitchFamily="34" charset="0"/>
-              <a:buChar char="•"/>
-            </a:pPr>
-            <a:r>
-              <a:rPr lang="en-US" dirty="0"/>
-              <a:t>IQR Score</a:t>
-            </a:r>
-            <a:endParaRPr lang="en-US" b="1" dirty="0"/>
-          </a:p>
-          <a:p>
-            <a:pPr marL="3390824" lvl="5" indent="-342900">
-              <a:buFont typeface="Arial" panose="020B0604020202020204" pitchFamily="34" charset="0"/>
-              <a:buChar char="•"/>
-            </a:pPr>
-            <a:endParaRPr lang="en-US" dirty="0"/>
+              <a:t>5% </a:t>
+            </a:r>
+            <a:r>
+              <a:rPr lang="en-US" dirty="0"/>
+              <a:t>means values that are out of </a:t>
+            </a:r>
+            <a:r>
+              <a:rPr lang="en-US" b="1" dirty="0"/>
+              <a:t>95th </a:t>
+            </a:r>
+            <a:r>
+              <a:rPr lang="en-US" dirty="0"/>
+              <a:t>percentile of data.</a:t>
+            </a:r>
           </a:p>
         </p:txBody>
       </p:sp>
-      <p:pic>
-        <p:nvPicPr>
-          <p:cNvPr id="2" name="Picture 1">
-            <a:extLst>
-              <a:ext uri="{FF2B5EF4-FFF2-40B4-BE49-F238E27FC236}">
-                <a16:creationId xmlns:a16="http://schemas.microsoft.com/office/drawing/2014/main" id="{26A024EE-EA8C-4426-B0A6-F3A6485FA8AB}"/>
-              </a:ext>
-            </a:extLst>
-          </p:cNvPr>
-          <p:cNvPicPr>
-            <a:picLocks noChangeAspect="1"/>
-          </p:cNvPicPr>
-          <p:nvPr/>
-        </p:nvPicPr>
-        <p:blipFill>
-          <a:blip r:embed="rId3"/>
-          <a:stretch>
-            <a:fillRect/>
-          </a:stretch>
-        </p:blipFill>
-        <p:spPr>
-          <a:xfrm>
-            <a:off x="3119373" y="2394371"/>
-            <a:ext cx="5839705" cy="1488512"/>
-          </a:xfrm>
-          <a:prstGeom prst="rect">
-            <a:avLst/>
-          </a:prstGeom>
-        </p:spPr>
-      </p:pic>
-      <p:pic>
-        <p:nvPicPr>
-          <p:cNvPr id="3" name="Picture 2">
-            <a:extLst>
-              <a:ext uri="{FF2B5EF4-FFF2-40B4-BE49-F238E27FC236}">
-                <a16:creationId xmlns:a16="http://schemas.microsoft.com/office/drawing/2014/main" id="{A0489F46-EECA-45EA-BAB3-C0C25BDD59ED}"/>
-              </a:ext>
-            </a:extLst>
-          </p:cNvPr>
-          <p:cNvPicPr>
-            <a:picLocks noChangeAspect="1"/>
-          </p:cNvPicPr>
-          <p:nvPr/>
-        </p:nvPicPr>
-        <p:blipFill>
-          <a:blip r:embed="rId4"/>
-          <a:stretch>
-            <a:fillRect/>
-          </a:stretch>
-        </p:blipFill>
-        <p:spPr>
-          <a:xfrm>
-            <a:off x="3340494" y="4644256"/>
-            <a:ext cx="5726157" cy="647180"/>
-          </a:xfrm>
-          <a:prstGeom prst="rect">
-            <a:avLst/>
-          </a:prstGeom>
-        </p:spPr>
-      </p:pic>
-      <p:pic>
-        <p:nvPicPr>
-          <p:cNvPr id="4" name="Picture 3">
-            <a:extLst>
-              <a:ext uri="{FF2B5EF4-FFF2-40B4-BE49-F238E27FC236}">
-                <a16:creationId xmlns:a16="http://schemas.microsoft.com/office/drawing/2014/main" id="{4EC0835E-F79C-4374-ABE7-95674779AE6F}"/>
-              </a:ext>
-            </a:extLst>
-          </p:cNvPr>
-          <p:cNvPicPr>
-            <a:picLocks noChangeAspect="1"/>
-          </p:cNvPicPr>
-          <p:nvPr/>
-        </p:nvPicPr>
-        <p:blipFill>
-          <a:blip r:embed="rId5"/>
-          <a:stretch>
-            <a:fillRect/>
-          </a:stretch>
-        </p:blipFill>
-        <p:spPr>
-          <a:xfrm>
-            <a:off x="3460021" y="5464156"/>
-            <a:ext cx="5499057" cy="1027397"/>
-          </a:xfrm>
-          <a:prstGeom prst="rect">
-            <a:avLst/>
-          </a:prstGeom>
-        </p:spPr>
-      </p:pic>
     </p:spTree>
     <p:extLst>
       <p:ext uri="{BB962C8B-B14F-4D97-AF65-F5344CB8AC3E}">
-        <p14:creationId xmlns:p14="http://schemas.microsoft.com/office/powerpoint/2010/main" val="842322747"/>
+        <p14:creationId xmlns:p14="http://schemas.microsoft.com/office/powerpoint/2010/main" val="1826786659"/>
       </p:ext>
     </p:extLst>
   </p:cSld>
@@ -15273,7 +15330,7 @@
                   <a:srgbClr val="E46102"/>
                 </a:solidFill>
               </a:rPr>
-              <a:t>Binning</a:t>
+              <a:t>Handling Outliers</a:t>
             </a:r>
             <a:endParaRPr sz="4000" b="1" dirty="0">
               <a:solidFill>
@@ -15308,13 +15365,22 @@
           </a:bodyPr>
           <a:lstStyle/>
           <a:p>
+            <a:r>
+              <a:rPr lang="en-US" b="1" dirty="0"/>
+              <a:t>An Outlier Dilemma: Drop or Cap</a:t>
+            </a:r>
+          </a:p>
+          <a:p>
+            <a:endParaRPr lang="en-US" b="1" dirty="0"/>
+          </a:p>
+          <a:p>
             <a:pPr marL="342900" indent="-342900">
               <a:buFont typeface="Arial" panose="020B0604020202020204" pitchFamily="34" charset="0"/>
               <a:buChar char="•"/>
             </a:pPr>
             <a:r>
-              <a:rPr lang="en-US" dirty="0"/>
-              <a:t>Binning – can be applied on both categorical and numerical data</a:t>
+              <a:rPr lang="en-US" b="1" dirty="0"/>
+              <a:t>Correcting</a:t>
             </a:r>
           </a:p>
           <a:p>
@@ -15351,18 +15417,56 @@
               <a:buChar char="•"/>
             </a:pPr>
             <a:r>
-              <a:rPr lang="en-US" dirty="0"/>
-              <a:t>Example</a:t>
-            </a:r>
+              <a:rPr lang="en-US" b="1" dirty="0"/>
+              <a:t>Removing</a:t>
+            </a:r>
+          </a:p>
+          <a:p>
+            <a:endParaRPr lang="en-US" b="1" dirty="0"/>
+          </a:p>
+          <a:p>
+            <a:pPr marL="952485" lvl="1" indent="-342900">
+              <a:buFont typeface="Arial" panose="020B0604020202020204" pitchFamily="34" charset="0"/>
+              <a:buChar char="•"/>
+            </a:pPr>
+            <a:r>
+              <a:rPr lang="en-US" dirty="0"/>
+              <a:t>Z-score</a:t>
+            </a:r>
+          </a:p>
+          <a:p>
+            <a:pPr marL="952485" lvl="1" indent="-342900">
+              <a:buFont typeface="Arial" panose="020B0604020202020204" pitchFamily="34" charset="0"/>
+              <a:buChar char="•"/>
+            </a:pPr>
+            <a:endParaRPr lang="en-US" dirty="0"/>
+          </a:p>
+          <a:p>
+            <a:pPr marL="952485" lvl="1" indent="-342900">
+              <a:buFont typeface="Arial" panose="020B0604020202020204" pitchFamily="34" charset="0"/>
+              <a:buChar char="•"/>
+            </a:pPr>
+            <a:r>
+              <a:rPr lang="en-US" dirty="0"/>
+              <a:t>IQR Score</a:t>
+            </a:r>
+            <a:endParaRPr lang="en-US" b="1" dirty="0"/>
+          </a:p>
+          <a:p>
+            <a:pPr marL="3390824" lvl="5" indent="-342900">
+              <a:buFont typeface="Arial" panose="020B0604020202020204" pitchFamily="34" charset="0"/>
+              <a:buChar char="•"/>
+            </a:pPr>
+            <a:endParaRPr lang="en-US" dirty="0"/>
           </a:p>
         </p:txBody>
       </p:sp>
       <p:pic>
         <p:nvPicPr>
-          <p:cNvPr id="5" name="Picture 4">
+          <p:cNvPr id="2" name="Picture 1">
             <a:extLst>
               <a:ext uri="{FF2B5EF4-FFF2-40B4-BE49-F238E27FC236}">
-                <a16:creationId xmlns:a16="http://schemas.microsoft.com/office/drawing/2014/main" id="{251AD3C0-8FD8-4971-8195-D9DF4DD2DF18}"/>
+                <a16:creationId xmlns:a16="http://schemas.microsoft.com/office/drawing/2014/main" id="{26A024EE-EA8C-4426-B0A6-F3A6485FA8AB}"/>
               </a:ext>
             </a:extLst>
           </p:cNvPr>
@@ -15379,8 +15483,8 @@
         </p:blipFill>
         <p:spPr>
           <a:xfrm>
-            <a:off x="4047119" y="2112950"/>
-            <a:ext cx="4798801" cy="1717700"/>
+            <a:off x="3119373" y="2394371"/>
+            <a:ext cx="5839705" cy="1488512"/>
           </a:xfrm>
           <a:prstGeom prst="rect">
             <a:avLst/>
@@ -15389,10 +15493,10 @@
       </p:pic>
       <p:pic>
         <p:nvPicPr>
-          <p:cNvPr id="6" name="Picture 5">
+          <p:cNvPr id="3" name="Picture 2">
             <a:extLst>
               <a:ext uri="{FF2B5EF4-FFF2-40B4-BE49-F238E27FC236}">
-                <a16:creationId xmlns:a16="http://schemas.microsoft.com/office/drawing/2014/main" id="{8EEF180D-F717-440A-88F8-A0BEC34E4F1B}"/>
+                <a16:creationId xmlns:a16="http://schemas.microsoft.com/office/drawing/2014/main" id="{A0489F46-EECA-45EA-BAB3-C0C25BDD59ED}"/>
               </a:ext>
             </a:extLst>
           </p:cNvPr>
@@ -15409,8 +15513,38 @@
         </p:blipFill>
         <p:spPr>
           <a:xfrm>
-            <a:off x="1903189" y="4153306"/>
-            <a:ext cx="4656901" cy="2290267"/>
+            <a:off x="3340494" y="4644256"/>
+            <a:ext cx="5726157" cy="647180"/>
+          </a:xfrm>
+          <a:prstGeom prst="rect">
+            <a:avLst/>
+          </a:prstGeom>
+        </p:spPr>
+      </p:pic>
+      <p:pic>
+        <p:nvPicPr>
+          <p:cNvPr id="4" name="Picture 3">
+            <a:extLst>
+              <a:ext uri="{FF2B5EF4-FFF2-40B4-BE49-F238E27FC236}">
+                <a16:creationId xmlns:a16="http://schemas.microsoft.com/office/drawing/2014/main" id="{4EC0835E-F79C-4374-ABE7-95674779AE6F}"/>
+              </a:ext>
+            </a:extLst>
+          </p:cNvPr>
+          <p:cNvPicPr>
+            <a:picLocks noChangeAspect="1"/>
+          </p:cNvPicPr>
+          <p:nvPr/>
+        </p:nvPicPr>
+        <p:blipFill>
+          <a:blip r:embed="rId5"/>
+          <a:stretch>
+            <a:fillRect/>
+          </a:stretch>
+        </p:blipFill>
+        <p:spPr>
+          <a:xfrm>
+            <a:off x="3460021" y="5464156"/>
+            <a:ext cx="5499057" cy="1027397"/>
           </a:xfrm>
           <a:prstGeom prst="rect">
             <a:avLst/>
@@ -15420,7 +15554,7 @@
     </p:spTree>
     <p:extLst>
       <p:ext uri="{BB962C8B-B14F-4D97-AF65-F5344CB8AC3E}">
-        <p14:creationId xmlns:p14="http://schemas.microsoft.com/office/powerpoint/2010/main" val="3323792668"/>
+        <p14:creationId xmlns:p14="http://schemas.microsoft.com/office/powerpoint/2010/main" val="842322747"/>
       </p:ext>
     </p:extLst>
   </p:cSld>
@@ -15513,34 +15647,13 @@
           </a:bodyPr>
           <a:lstStyle/>
           <a:p>
-            <a:r>
-              <a:rPr lang="en-US" dirty="0"/>
-              <a:t>Motivation: make model more </a:t>
-            </a:r>
-            <a:r>
-              <a:rPr lang="en-US" b="1" dirty="0"/>
-              <a:t>robust </a:t>
-            </a:r>
-            <a:r>
-              <a:rPr lang="en-US" dirty="0"/>
-              <a:t>and prevent </a:t>
-            </a:r>
-            <a:r>
-              <a:rPr lang="en-US" b="1" dirty="0"/>
-              <a:t>overfitting</a:t>
-            </a:r>
-          </a:p>
-          <a:p>
-            <a:endParaRPr lang="en-US" b="1" dirty="0"/>
-          </a:p>
-          <a:p>
             <a:pPr marL="342900" indent="-342900">
               <a:buFont typeface="Arial" panose="020B0604020202020204" pitchFamily="34" charset="0"/>
               <a:buChar char="•"/>
             </a:pPr>
             <a:r>
               <a:rPr lang="en-US" dirty="0"/>
-              <a:t>Has a cost to performance.</a:t>
+              <a:t>Binning – can be applied on both categorical and numerical data</a:t>
             </a:r>
           </a:p>
           <a:p>
@@ -15548,82 +15661,105 @@
               <a:buFont typeface="Arial" panose="020B0604020202020204" pitchFamily="34" charset="0"/>
               <a:buChar char="•"/>
             </a:pPr>
-            <a:endParaRPr lang="en-US" dirty="0"/>
+            <a:endParaRPr lang="en-US" b="1" dirty="0"/>
           </a:p>
           <a:p>
             <a:pPr marL="342900" indent="-342900">
               <a:buFont typeface="Arial" panose="020B0604020202020204" pitchFamily="34" charset="0"/>
               <a:buChar char="•"/>
             </a:pPr>
-            <a:r>
-              <a:rPr lang="en-US" dirty="0"/>
-              <a:t>Key point : Trade-off between </a:t>
-            </a:r>
-            <a:r>
-              <a:rPr lang="en-US" b="1" dirty="0"/>
-              <a:t>performance </a:t>
-            </a:r>
-            <a:r>
-              <a:rPr lang="en-US" dirty="0"/>
-              <a:t>and </a:t>
-            </a:r>
-            <a:r>
-              <a:rPr lang="en-US" b="1" dirty="0"/>
-              <a:t>overfitting</a:t>
-            </a:r>
+            <a:endParaRPr lang="en-US" b="1" dirty="0"/>
           </a:p>
           <a:p>
             <a:pPr marL="342900" indent="-342900">
               <a:buFont typeface="Arial" panose="020B0604020202020204" pitchFamily="34" charset="0"/>
               <a:buChar char="•"/>
             </a:pPr>
-            <a:endParaRPr lang="en-US" dirty="0"/>
+            <a:endParaRPr lang="en-US" b="1" dirty="0"/>
           </a:p>
           <a:p>
             <a:pPr marL="342900" indent="-342900">
               <a:buFont typeface="Arial" panose="020B0604020202020204" pitchFamily="34" charset="0"/>
               <a:buChar char="•"/>
             </a:pPr>
-            <a:r>
-              <a:rPr lang="en-US" dirty="0"/>
-              <a:t>Numerical binning: binning might be redundant due to its effect on model</a:t>
-            </a:r>
-          </a:p>
-          <a:p>
-            <a:r>
-              <a:rPr lang="en-US" dirty="0"/>
-              <a:t>performance.</a:t>
-            </a:r>
-          </a:p>
-          <a:p>
-            <a:endParaRPr lang="en-US" dirty="0"/>
-          </a:p>
-          <a:p>
-            <a:r>
-              <a:rPr lang="en-US" dirty="0"/>
-              <a:t>• Categorical binning: labels with low frequencies </a:t>
-            </a:r>
-            <a:r>
-              <a:rPr lang="en-US" i="1" dirty="0"/>
-              <a:t>may</a:t>
-            </a:r>
-            <a:r>
-              <a:rPr lang="en-US" dirty="0"/>
-              <a:t> affect robustness negatively. </a:t>
-            </a:r>
-          </a:p>
-          <a:p>
-            <a:r>
-              <a:rPr lang="en-US" dirty="0"/>
-              <a:t>	Assigning a general category to these less frequent values helps to keep robustness of model.</a:t>
+            <a:endParaRPr lang="en-US" b="1" dirty="0"/>
+          </a:p>
+          <a:p>
+            <a:pPr marL="342900" indent="-342900">
+              <a:buFont typeface="Arial" panose="020B0604020202020204" pitchFamily="34" charset="0"/>
+              <a:buChar char="•"/>
+            </a:pPr>
+            <a:r>
+              <a:rPr lang="en-US" dirty="0"/>
+              <a:t>Example</a:t>
             </a:r>
           </a:p>
         </p:txBody>
       </p:sp>
+      <p:pic>
+        <p:nvPicPr>
+          <p:cNvPr id="5" name="Picture 4">
+            <a:extLst>
+              <a:ext uri="{FF2B5EF4-FFF2-40B4-BE49-F238E27FC236}">
+                <a16:creationId xmlns:a16="http://schemas.microsoft.com/office/drawing/2014/main" id="{251AD3C0-8FD8-4971-8195-D9DF4DD2DF18}"/>
+              </a:ext>
+            </a:extLst>
+          </p:cNvPr>
+          <p:cNvPicPr>
+            <a:picLocks noChangeAspect="1"/>
+          </p:cNvPicPr>
+          <p:nvPr/>
+        </p:nvPicPr>
+        <p:blipFill>
+          <a:blip r:embed="rId3"/>
+          <a:stretch>
+            <a:fillRect/>
+          </a:stretch>
+        </p:blipFill>
+        <p:spPr>
+          <a:xfrm>
+            <a:off x="4047119" y="2112950"/>
+            <a:ext cx="4798801" cy="1717700"/>
+          </a:xfrm>
+          <a:prstGeom prst="rect">
+            <a:avLst/>
+          </a:prstGeom>
+        </p:spPr>
+      </p:pic>
+      <p:pic>
+        <p:nvPicPr>
+          <p:cNvPr id="6" name="Picture 5">
+            <a:extLst>
+              <a:ext uri="{FF2B5EF4-FFF2-40B4-BE49-F238E27FC236}">
+                <a16:creationId xmlns:a16="http://schemas.microsoft.com/office/drawing/2014/main" id="{8EEF180D-F717-440A-88F8-A0BEC34E4F1B}"/>
+              </a:ext>
+            </a:extLst>
+          </p:cNvPr>
+          <p:cNvPicPr>
+            <a:picLocks noChangeAspect="1"/>
+          </p:cNvPicPr>
+          <p:nvPr/>
+        </p:nvPicPr>
+        <p:blipFill>
+          <a:blip r:embed="rId4"/>
+          <a:stretch>
+            <a:fillRect/>
+          </a:stretch>
+        </p:blipFill>
+        <p:spPr>
+          <a:xfrm>
+            <a:off x="1903189" y="4153306"/>
+            <a:ext cx="4656901" cy="2290267"/>
+          </a:xfrm>
+          <a:prstGeom prst="rect">
+            <a:avLst/>
+          </a:prstGeom>
+        </p:spPr>
+      </p:pic>
     </p:spTree>
     <p:extLst>
       <p:ext uri="{BB962C8B-B14F-4D97-AF65-F5344CB8AC3E}">
-        <p14:creationId xmlns:p14="http://schemas.microsoft.com/office/powerpoint/2010/main" val="2676758915"/>
+        <p14:creationId xmlns:p14="http://schemas.microsoft.com/office/powerpoint/2010/main" val="3323792668"/>
       </p:ext>
     </p:extLst>
   </p:cSld>
@@ -15681,7 +15817,7 @@
                   <a:srgbClr val="E46102"/>
                 </a:solidFill>
               </a:rPr>
-              <a:t>Log Transformation</a:t>
+              <a:t>Binning</a:t>
             </a:r>
             <a:endParaRPr sz="4000" b="1" dirty="0">
               <a:solidFill>
@@ -15699,8 +15835,8 @@
         </p:nvSpPr>
         <p:spPr>
           <a:xfrm>
-            <a:off x="873082" y="1712171"/>
-            <a:ext cx="10660981" cy="4176000"/>
+            <a:off x="789265" y="1486692"/>
+            <a:ext cx="10972800" cy="5075371"/>
           </a:xfrm>
           <a:prstGeom prst="rect">
             <a:avLst/>
@@ -15716,19 +15852,34 @@
           </a:bodyPr>
           <a:lstStyle/>
           <a:p>
+            <a:r>
+              <a:rPr lang="en-US" dirty="0"/>
+              <a:t>Motivation: make model more </a:t>
+            </a:r>
+            <a:r>
+              <a:rPr lang="en-US" b="1" dirty="0"/>
+              <a:t>robust </a:t>
+            </a:r>
+            <a:r>
+              <a:rPr lang="en-US" dirty="0"/>
+              <a:t>and prevent </a:t>
+            </a:r>
+            <a:r>
+              <a:rPr lang="en-US" b="1" dirty="0"/>
+              <a:t>overfitting</a:t>
+            </a:r>
+          </a:p>
+          <a:p>
+            <a:endParaRPr lang="en-US" b="1" dirty="0"/>
+          </a:p>
+          <a:p>
             <a:pPr marL="342900" indent="-342900">
               <a:buFont typeface="Arial" panose="020B0604020202020204" pitchFamily="34" charset="0"/>
               <a:buChar char="•"/>
             </a:pPr>
             <a:r>
               <a:rPr lang="en-US" dirty="0"/>
-              <a:t>Helps handle skewed data and after transformation, distribution becomes more approximate to normal</a:t>
-            </a:r>
-          </a:p>
-          <a:p>
-            <a:r>
-              <a:rPr lang="en-US" dirty="0"/>
-              <a:t>.</a:t>
+              <a:t>Has a cost to performance.</a:t>
             </a:r>
           </a:p>
           <a:p>
@@ -15736,12 +15887,6 @@
               <a:buFont typeface="Arial" panose="020B0604020202020204" pitchFamily="34" charset="0"/>
               <a:buChar char="•"/>
             </a:pPr>
-            <a:r>
-              <a:rPr lang="en-US" dirty="0"/>
-              <a:t>Usually, magnitude order of data changes within range of data.</a:t>
-            </a:r>
-          </a:p>
-          <a:p>
             <a:endParaRPr lang="en-US" dirty="0"/>
           </a:p>
           <a:p>
@@ -15751,7 +15896,65 @@
             </a:pPr>
             <a:r>
               <a:rPr lang="en-US" dirty="0"/>
-              <a:t>Also decreases effect of outliers, due to normalization of magnitude differences and model become more robust.</a:t>
+              <a:t>Key point : Trade-off between </a:t>
+            </a:r>
+            <a:r>
+              <a:rPr lang="en-US" b="1" dirty="0"/>
+              <a:t>performance </a:t>
+            </a:r>
+            <a:r>
+              <a:rPr lang="en-US" dirty="0"/>
+              <a:t>and </a:t>
+            </a:r>
+            <a:r>
+              <a:rPr lang="en-US" b="1" dirty="0"/>
+              <a:t>overfitting</a:t>
+            </a:r>
+          </a:p>
+          <a:p>
+            <a:pPr marL="342900" indent="-342900">
+              <a:buFont typeface="Arial" panose="020B0604020202020204" pitchFamily="34" charset="0"/>
+              <a:buChar char="•"/>
+            </a:pPr>
+            <a:endParaRPr lang="en-US" dirty="0"/>
+          </a:p>
+          <a:p>
+            <a:pPr marL="342900" indent="-342900">
+              <a:buFont typeface="Arial" panose="020B0604020202020204" pitchFamily="34" charset="0"/>
+              <a:buChar char="•"/>
+            </a:pPr>
+            <a:r>
+              <a:rPr lang="en-US" dirty="0"/>
+              <a:t>Numerical binning: binning might be redundant due to its effect on model</a:t>
+            </a:r>
+          </a:p>
+          <a:p>
+            <a:r>
+              <a:rPr lang="en-US" dirty="0"/>
+              <a:t>performance.</a:t>
+            </a:r>
+          </a:p>
+          <a:p>
+            <a:endParaRPr lang="en-US" dirty="0"/>
+          </a:p>
+          <a:p>
+            <a:r>
+              <a:rPr lang="en-US" dirty="0"/>
+              <a:t>• Categorical binning: labels with low frequencies </a:t>
+            </a:r>
+            <a:r>
+              <a:rPr lang="en-US" i="1" dirty="0"/>
+              <a:t>may</a:t>
+            </a:r>
+            <a:r>
+              <a:rPr lang="en-US" dirty="0"/>
+              <a:t> affect robustness negatively. </a:t>
+            </a:r>
+          </a:p>
+          <a:p>
+            <a:r>
+              <a:rPr lang="en-US" dirty="0"/>
+              <a:t>	Assigning a general category to these less frequent values helps to keep robustness of model.</a:t>
             </a:r>
           </a:p>
         </p:txBody>
@@ -15759,7 +15962,7 @@
     </p:spTree>
     <p:extLst>
       <p:ext uri="{BB962C8B-B14F-4D97-AF65-F5344CB8AC3E}">
-        <p14:creationId xmlns:p14="http://schemas.microsoft.com/office/powerpoint/2010/main" val="966724062"/>
+        <p14:creationId xmlns:p14="http://schemas.microsoft.com/office/powerpoint/2010/main" val="2676758915"/>
       </p:ext>
     </p:extLst>
   </p:cSld>
@@ -15895,7 +16098,7 @@
     </p:spTree>
     <p:extLst>
       <p:ext uri="{BB962C8B-B14F-4D97-AF65-F5344CB8AC3E}">
-        <p14:creationId xmlns:p14="http://schemas.microsoft.com/office/powerpoint/2010/main" val="3675055721"/>
+        <p14:creationId xmlns:p14="http://schemas.microsoft.com/office/powerpoint/2010/main" val="966724062"/>
       </p:ext>
     </p:extLst>
   </p:cSld>
@@ -15999,33 +16202,91 @@
           </a:p>
         </p:txBody>
       </p:sp>
+      <p:sp>
+        <p:nvSpPr>
+          <p:cNvPr id="2" name="Rectangle 1">
+            <a:extLst>
+              <a:ext uri="{FF2B5EF4-FFF2-40B4-BE49-F238E27FC236}">
+                <a16:creationId xmlns:a16="http://schemas.microsoft.com/office/drawing/2014/main" id="{F8DAA81E-E296-4D71-827D-B1A23E3CE8D9}"/>
+              </a:ext>
+            </a:extLst>
+          </p:cNvPr>
+          <p:cNvSpPr/>
+          <p:nvPr/>
+        </p:nvSpPr>
+        <p:spPr>
+          <a:xfrm>
+            <a:off x="570687" y="6455827"/>
+            <a:ext cx="10660981" cy="276999"/>
+          </a:xfrm>
+          <a:prstGeom prst="rect">
+            <a:avLst/>
+          </a:prstGeom>
+        </p:spPr>
+        <p:txBody>
+          <a:bodyPr wrap="square">
+            <a:spAutoFit/>
+          </a:bodyPr>
+          <a:lstStyle/>
+          <a:p>
+            <a:r>
+              <a:rPr lang="en-US" sz="1200" i="1" dirty="0">
+                <a:solidFill>
+                  <a:schemeClr val="bg1">
+                    <a:lumMod val="65000"/>
+                  </a:schemeClr>
+                </a:solidFill>
+              </a:rPr>
+              <a:t>https://www.forbes.com/sites/gilpress/2016/03/23/data-preparation-most-time-consuming-least-enjoyable-data-science-task-survey-says/#1594bda36f63</a:t>
+            </a:r>
+          </a:p>
+        </p:txBody>
+      </p:sp>
       <p:pic>
         <p:nvPicPr>
-          <p:cNvPr id="3" name="Picture 2">
+          <p:cNvPr id="1026" name="Picture 2" descr="https://miro.medium.com/max/700/0*-dn9U8gMVWjDahQV.jpg">
             <a:extLst>
               <a:ext uri="{FF2B5EF4-FFF2-40B4-BE49-F238E27FC236}">
-                <a16:creationId xmlns:a16="http://schemas.microsoft.com/office/drawing/2014/main" id="{47E2DF9F-2A49-4E36-8959-AF91631714C4}"/>
+                <a16:creationId xmlns:a16="http://schemas.microsoft.com/office/drawing/2014/main" id="{437BB90E-9142-479F-BE03-B96D7BBC7236}"/>
               </a:ext>
             </a:extLst>
           </p:cNvPr>
           <p:cNvPicPr>
-            <a:picLocks noChangeAspect="1"/>
+            <a:picLocks noChangeAspect="1" noChangeArrowheads="1"/>
           </p:cNvPicPr>
           <p:nvPr/>
         </p:nvPicPr>
-        <p:blipFill rotWithShape="1">
-          <a:blip r:embed="rId3"/>
-          <a:srcRect l="3384" t="5652"/>
-          <a:stretch/>
+        <p:blipFill>
+          <a:blip r:embed="rId3">
+            <a:extLst>
+              <a:ext uri="{28A0092B-C50C-407E-A947-70E740481C1C}">
+                <a14:useLocalDpi xmlns:a14="http://schemas.microsoft.com/office/drawing/2010/main" val="0"/>
+              </a:ext>
+            </a:extLst>
+          </a:blip>
+          <a:srcRect/>
+          <a:stretch>
+            <a:fillRect/>
+          </a:stretch>
         </p:blipFill>
-        <p:spPr>
-          <a:xfrm>
-            <a:off x="2620651" y="2502816"/>
-            <a:ext cx="6561055" cy="3614760"/>
-          </a:xfrm>
-          <a:prstGeom prst="rect">
-            <a:avLst/>
-          </a:prstGeom>
+        <p:spPr bwMode="auto">
+          <a:xfrm>
+            <a:off x="2532423" y="2407339"/>
+            <a:ext cx="7617914" cy="3243055"/>
+          </a:xfrm>
+          <a:prstGeom prst="rect">
+            <a:avLst/>
+          </a:prstGeom>
+          <a:noFill/>
+          <a:extLst>
+            <a:ext uri="{909E8E84-426E-40DD-AFC4-6F175D3DCCD1}">
+              <a14:hiddenFill xmlns:a14="http://schemas.microsoft.com/office/drawing/2010/main">
+                <a:solidFill>
+                  <a:srgbClr val="FFFFFF"/>
+                </a:solidFill>
+              </a14:hiddenFill>
+            </a:ext>
+          </a:extLst>
         </p:spPr>
       </p:pic>
     </p:spTree>
@@ -16130,17 +16391,13 @@
             </a:pPr>
             <a:r>
               <a:rPr lang="en-US" dirty="0"/>
-              <a:t>Pre-req to apply log transformation - Data should be only positive, lest error</a:t>
-            </a:r>
-          </a:p>
-          <a:p>
-            <a:pPr marL="952485" lvl="1" indent="-342900">
-              <a:buFont typeface="Arial" panose="020B0604020202020204" pitchFamily="34" charset="0"/>
-              <a:buChar char="•"/>
-            </a:pPr>
-            <a:r>
-              <a:rPr lang="en-US" dirty="0"/>
-              <a:t>You can add 1 to make data positive across the feature</a:t>
+              <a:t>Helps handle skewed data and after transformation, distribution becomes more approximate to normal</a:t>
+            </a:r>
+          </a:p>
+          <a:p>
+            <a:r>
+              <a:rPr lang="en-US" dirty="0"/>
+              <a:t>.</a:t>
             </a:r>
           </a:p>
           <a:p>
@@ -16148,6 +16405,12 @@
               <a:buFont typeface="Arial" panose="020B0604020202020204" pitchFamily="34" charset="0"/>
               <a:buChar char="•"/>
             </a:pPr>
+            <a:r>
+              <a:rPr lang="en-US" dirty="0"/>
+              <a:t>Usually, magnitude order of data changes within range of data.</a:t>
+            </a:r>
+          </a:p>
+          <a:p>
             <a:endParaRPr lang="en-US" dirty="0"/>
           </a:p>
           <a:p>
@@ -16155,65 +16418,17 @@
               <a:buFont typeface="Arial" panose="020B0604020202020204" pitchFamily="34" charset="0"/>
               <a:buChar char="•"/>
             </a:pPr>
-            <a:endParaRPr lang="en-US" dirty="0"/>
-          </a:p>
-          <a:p>
-            <a:pPr marL="952485" lvl="1" indent="-342900">
-              <a:buFont typeface="Arial" panose="020B0604020202020204" pitchFamily="34" charset="0"/>
-              <a:buChar char="•"/>
-            </a:pPr>
-            <a:endParaRPr lang="en-US" dirty="0"/>
-          </a:p>
-          <a:p>
-            <a:pPr marL="952485" lvl="1" indent="-342900">
-              <a:buFont typeface="Arial" panose="020B0604020202020204" pitchFamily="34" charset="0"/>
-              <a:buChar char="•"/>
-            </a:pPr>
-            <a:endParaRPr lang="en-US" dirty="0"/>
-          </a:p>
-          <a:p>
-            <a:pPr marL="952485" lvl="1" indent="-342900">
-              <a:buFont typeface="Arial" panose="020B0604020202020204" pitchFamily="34" charset="0"/>
-              <a:buChar char="•"/>
-            </a:pPr>
-            <a:endParaRPr lang="en-US" dirty="0"/>
+            <a:r>
+              <a:rPr lang="en-US" dirty="0"/>
+              <a:t>Also decreases effect of outliers, due to normalization of magnitude differences and model become more robust.</a:t>
+            </a:r>
           </a:p>
         </p:txBody>
       </p:sp>
-      <p:pic>
-        <p:nvPicPr>
-          <p:cNvPr id="2" name="Picture 1">
-            <a:extLst>
-              <a:ext uri="{FF2B5EF4-FFF2-40B4-BE49-F238E27FC236}">
-                <a16:creationId xmlns:a16="http://schemas.microsoft.com/office/drawing/2014/main" id="{C7DF0952-41FC-4D0E-A7CA-29E23C81E7AB}"/>
-              </a:ext>
-            </a:extLst>
-          </p:cNvPr>
-          <p:cNvPicPr>
-            <a:picLocks noChangeAspect="1"/>
-          </p:cNvPicPr>
-          <p:nvPr/>
-        </p:nvPicPr>
-        <p:blipFill>
-          <a:blip r:embed="rId3"/>
-          <a:stretch>
-            <a:fillRect/>
-          </a:stretch>
-        </p:blipFill>
-        <p:spPr>
-          <a:xfrm>
-            <a:off x="2626361" y="3102536"/>
-            <a:ext cx="5580220" cy="3403943"/>
-          </a:xfrm>
-          <a:prstGeom prst="rect">
-            <a:avLst/>
-          </a:prstGeom>
-        </p:spPr>
-      </p:pic>
     </p:spTree>
     <p:extLst>
       <p:ext uri="{BB962C8B-B14F-4D97-AF65-F5344CB8AC3E}">
-        <p14:creationId xmlns:p14="http://schemas.microsoft.com/office/powerpoint/2010/main" val="1492865442"/>
+        <p14:creationId xmlns:p14="http://schemas.microsoft.com/office/powerpoint/2010/main" val="3675055721"/>
       </p:ext>
     </p:extLst>
   </p:cSld>
@@ -16271,7 +16486,7 @@
                   <a:srgbClr val="E46102"/>
                 </a:solidFill>
               </a:rPr>
-              <a:t>Grouping</a:t>
+              <a:t>Log Transformation</a:t>
             </a:r>
             <a:endParaRPr sz="4000" b="1" dirty="0">
               <a:solidFill>
@@ -16289,8 +16504,8 @@
         </p:nvSpPr>
         <p:spPr>
           <a:xfrm>
-            <a:off x="873082" y="3484879"/>
-            <a:ext cx="10660981" cy="2403291"/>
+            <a:off x="873082" y="1712171"/>
+            <a:ext cx="10660981" cy="4176000"/>
           </a:xfrm>
           <a:prstGeom prst="rect">
             <a:avLst/>
@@ -16312,7 +16527,17 @@
             </a:pPr>
             <a:r>
               <a:rPr lang="en-US" dirty="0"/>
-              <a:t>Tidy data: dataset where each row is an instance, each column is a feature</a:t>
+              <a:t>Pre-req to apply log transformation - Data should be only positive, lest error</a:t>
+            </a:r>
+          </a:p>
+          <a:p>
+            <a:pPr marL="952485" lvl="1" indent="-342900">
+              <a:buFont typeface="Arial" panose="020B0604020202020204" pitchFamily="34" charset="0"/>
+              <a:buChar char="•"/>
+            </a:pPr>
+            <a:r>
+              <a:rPr lang="en-US" dirty="0"/>
+              <a:t>You can add 1 to make data positive across the feature</a:t>
             </a:r>
           </a:p>
           <a:p>
@@ -16327,27 +16552,28 @@
               <a:buFont typeface="Arial" panose="020B0604020202020204" pitchFamily="34" charset="0"/>
               <a:buChar char="•"/>
             </a:pPr>
-            <a:r>
-              <a:rPr lang="en-US" dirty="0"/>
-              <a:t>Datasets that are not tidy can use groupings. Like transactions</a:t>
-            </a:r>
-          </a:p>
-          <a:p>
-            <a:pPr marL="342900" indent="-342900">
+            <a:endParaRPr lang="en-US" dirty="0"/>
+          </a:p>
+          <a:p>
+            <a:pPr marL="952485" lvl="1" indent="-342900">
               <a:buFont typeface="Arial" panose="020B0604020202020204" pitchFamily="34" charset="0"/>
               <a:buChar char="•"/>
             </a:pPr>
             <a:endParaRPr lang="en-US" dirty="0"/>
           </a:p>
           <a:p>
-            <a:pPr marL="342900" indent="-342900">
+            <a:pPr marL="952485" lvl="1" indent="-342900">
               <a:buFont typeface="Arial" panose="020B0604020202020204" pitchFamily="34" charset="0"/>
               <a:buChar char="•"/>
             </a:pPr>
-            <a:r>
-              <a:rPr lang="en-US" dirty="0"/>
-              <a:t>Key Point: Decide aggregation function </a:t>
-            </a:r>
+            <a:endParaRPr lang="en-US" dirty="0"/>
+          </a:p>
+          <a:p>
+            <a:pPr marL="952485" lvl="1" indent="-342900">
+              <a:buFont typeface="Arial" panose="020B0604020202020204" pitchFamily="34" charset="0"/>
+              <a:buChar char="•"/>
+            </a:pPr>
+            <a:endParaRPr lang="en-US" dirty="0"/>
           </a:p>
         </p:txBody>
       </p:sp>
@@ -16356,7 +16582,7 @@
           <p:cNvPr id="2" name="Picture 1">
             <a:extLst>
               <a:ext uri="{FF2B5EF4-FFF2-40B4-BE49-F238E27FC236}">
-                <a16:creationId xmlns:a16="http://schemas.microsoft.com/office/drawing/2014/main" id="{EEA351E6-280D-4676-9A72-56442E489D37}"/>
+                <a16:creationId xmlns:a16="http://schemas.microsoft.com/office/drawing/2014/main" id="{C7DF0952-41FC-4D0E-A7CA-29E23C81E7AB}"/>
               </a:ext>
             </a:extLst>
           </p:cNvPr>
@@ -16373,8 +16599,8 @@
         </p:blipFill>
         <p:spPr>
           <a:xfrm>
-            <a:off x="3099536" y="1549401"/>
-            <a:ext cx="5992928" cy="1744724"/>
+            <a:off x="2626361" y="3102536"/>
+            <a:ext cx="5580220" cy="3403943"/>
           </a:xfrm>
           <a:prstGeom prst="rect">
             <a:avLst/>
@@ -16384,7 +16610,7 @@
     </p:spTree>
     <p:extLst>
       <p:ext uri="{BB962C8B-B14F-4D97-AF65-F5344CB8AC3E}">
-        <p14:creationId xmlns:p14="http://schemas.microsoft.com/office/powerpoint/2010/main" val="4162832550"/>
+        <p14:creationId xmlns:p14="http://schemas.microsoft.com/office/powerpoint/2010/main" val="1492865442"/>
       </p:ext>
     </p:extLst>
   </p:cSld>
@@ -16460,8 +16686,8 @@
         </p:nvSpPr>
         <p:spPr>
           <a:xfrm>
-            <a:off x="873082" y="1712171"/>
-            <a:ext cx="10660981" cy="4176000"/>
+            <a:off x="873082" y="3484879"/>
+            <a:ext cx="10660981" cy="2403291"/>
           </a:xfrm>
           <a:prstGeom prst="rect">
             <a:avLst/>
@@ -16477,47 +16703,13 @@
           </a:bodyPr>
           <a:lstStyle/>
           <a:p>
-            <a:r>
-              <a:rPr lang="en-US" dirty="0">
-                <a:latin typeface="HelveticaNeue"/>
-              </a:rPr>
-              <a:t>Aggregating </a:t>
-            </a:r>
-            <a:r>
-              <a:rPr lang="en-US" b="1" dirty="0">
-                <a:latin typeface="HelveticaNeue-Bold"/>
-              </a:rPr>
-              <a:t>categorical columns</a:t>
-            </a:r>
-            <a:r>
-              <a:rPr lang="en-US" dirty="0">
-                <a:latin typeface="HelveticaNeue"/>
-              </a:rPr>
-              <a:t>:</a:t>
-            </a:r>
-          </a:p>
-          <a:p>
             <a:pPr marL="342900" indent="-342900">
               <a:buFont typeface="Arial" panose="020B0604020202020204" pitchFamily="34" charset="0"/>
               <a:buChar char="•"/>
             </a:pPr>
             <a:r>
-              <a:rPr lang="en-US" dirty="0">
-                <a:latin typeface="HelveticaNeue"/>
-              </a:rPr>
-              <a:t>Highest frequency: the </a:t>
-            </a:r>
-            <a:r>
-              <a:rPr lang="en-US" b="1" dirty="0">
-                <a:latin typeface="HelveticaNeue-Bold"/>
-              </a:rPr>
-              <a:t>max </a:t>
-            </a:r>
-            <a:r>
-              <a:rPr lang="en-US" dirty="0">
-                <a:latin typeface="HelveticaNeue"/>
-              </a:rPr>
-              <a:t>operation for categorical columns</a:t>
+              <a:rPr lang="en-US" dirty="0"/>
+              <a:t>Tidy data: dataset where each row is an instance, each column is a feature</a:t>
             </a:r>
           </a:p>
           <a:p>
@@ -16525,52 +16717,34 @@
               <a:buFont typeface="Arial" panose="020B0604020202020204" pitchFamily="34" charset="0"/>
               <a:buChar char="•"/>
             </a:pPr>
-            <a:endParaRPr lang="en-US" dirty="0">
-              <a:latin typeface="HelveticaNeue"/>
-            </a:endParaRPr>
+            <a:endParaRPr lang="en-US" dirty="0"/>
           </a:p>
           <a:p>
             <a:pPr marL="342900" indent="-342900">
               <a:buFont typeface="Arial" panose="020B0604020202020204" pitchFamily="34" charset="0"/>
               <a:buChar char="•"/>
             </a:pPr>
-            <a:endParaRPr lang="en-US" dirty="0">
-              <a:latin typeface="HelveticaNeue"/>
-            </a:endParaRPr>
+            <a:r>
+              <a:rPr lang="en-US" dirty="0"/>
+              <a:t>Datasets that are not tidy can use groupings. Like transactions</a:t>
+            </a:r>
           </a:p>
           <a:p>
             <a:pPr marL="342900" indent="-342900">
               <a:buFont typeface="Arial" panose="020B0604020202020204" pitchFamily="34" charset="0"/>
               <a:buChar char="•"/>
             </a:pPr>
-            <a:r>
-              <a:rPr lang="en-US" dirty="0">
-                <a:latin typeface="HelveticaNeue"/>
-              </a:rPr>
-              <a:t>Make a Pivot table: This would be a good option if you aim to go beyond binary flag columns and merge multiple features into aggregated features, which are more informative.</a:t>
-            </a:r>
+            <a:endParaRPr lang="en-US" dirty="0"/>
           </a:p>
           <a:p>
             <a:pPr marL="342900" indent="-342900">
               <a:buFont typeface="Arial" panose="020B0604020202020204" pitchFamily="34" charset="0"/>
               <a:buChar char="•"/>
             </a:pPr>
-            <a:endParaRPr lang="en-US" dirty="0">
-              <a:latin typeface="HelveticaNeue"/>
-            </a:endParaRPr>
-          </a:p>
-          <a:p>
-            <a:pPr marL="342900" indent="-342900">
-              <a:buFont typeface="Arial" panose="020B0604020202020204" pitchFamily="34" charset="0"/>
-              <a:buChar char="•"/>
-            </a:pPr>
-            <a:r>
-              <a:rPr lang="en-US" dirty="0">
-                <a:latin typeface="HelveticaNeue"/>
-              </a:rPr>
-              <a:t>Apply one-hot encoding</a:t>
-            </a:r>
-            <a:endParaRPr lang="en-US" dirty="0"/>
+            <a:r>
+              <a:rPr lang="en-US" dirty="0"/>
+              <a:t>Key Point: Decide aggregation function </a:t>
+            </a:r>
           </a:p>
         </p:txBody>
       </p:sp>
@@ -16579,36 +16753,7 @@
           <p:cNvPr id="2" name="Picture 1">
             <a:extLst>
               <a:ext uri="{FF2B5EF4-FFF2-40B4-BE49-F238E27FC236}">
-                <a16:creationId xmlns:a16="http://schemas.microsoft.com/office/drawing/2014/main" id="{D45093BB-9DE2-4E42-8DD3-FF315D306149}"/>
-              </a:ext>
-            </a:extLst>
-          </p:cNvPr>
-          <p:cNvPicPr>
-            <a:picLocks noChangeAspect="1"/>
-          </p:cNvPicPr>
-          <p:nvPr/>
-        </p:nvPicPr>
-        <p:blipFill rotWithShape="1">
-          <a:blip r:embed="rId3"/>
-          <a:srcRect l="1734" t="22881" r="10949" b="13310"/>
-          <a:stretch/>
-        </p:blipFill>
-        <p:spPr>
-          <a:xfrm>
-            <a:off x="2532888" y="2692400"/>
-            <a:ext cx="5661152" cy="568960"/>
-          </a:xfrm>
-          <a:prstGeom prst="rect">
-            <a:avLst/>
-          </a:prstGeom>
-        </p:spPr>
-      </p:pic>
-      <p:pic>
-        <p:nvPicPr>
-          <p:cNvPr id="3" name="Picture 2">
-            <a:extLst>
-              <a:ext uri="{FF2B5EF4-FFF2-40B4-BE49-F238E27FC236}">
-                <a16:creationId xmlns:a16="http://schemas.microsoft.com/office/drawing/2014/main" id="{8A2A418C-6048-4FEE-9809-5DB17D413B5E}"/>
+                <a16:creationId xmlns:a16="http://schemas.microsoft.com/office/drawing/2014/main" id="{EEA351E6-280D-4676-9A72-56442E489D37}"/>
               </a:ext>
             </a:extLst>
           </p:cNvPr>
@@ -16618,15 +16763,15 @@
           <p:nvPr/>
         </p:nvPicPr>
         <p:blipFill>
-          <a:blip r:embed="rId4"/>
+          <a:blip r:embed="rId3"/>
           <a:stretch>
             <a:fillRect/>
           </a:stretch>
         </p:blipFill>
         <p:spPr>
           <a:xfrm>
-            <a:off x="6610417" y="4393360"/>
-            <a:ext cx="4708501" cy="1698400"/>
+            <a:off x="3099536" y="1549401"/>
+            <a:ext cx="5992928" cy="1744724"/>
           </a:xfrm>
           <a:prstGeom prst="rect">
             <a:avLst/>
@@ -16636,7 +16781,7 @@
     </p:spTree>
     <p:extLst>
       <p:ext uri="{BB962C8B-B14F-4D97-AF65-F5344CB8AC3E}">
-        <p14:creationId xmlns:p14="http://schemas.microsoft.com/office/powerpoint/2010/main" val="3804649061"/>
+        <p14:creationId xmlns:p14="http://schemas.microsoft.com/office/powerpoint/2010/main" val="4162832550"/>
       </p:ext>
     </p:extLst>
   </p:cSld>
@@ -16733,46 +16878,134 @@
               <a:rPr lang="en-US" dirty="0">
                 <a:latin typeface="HelveticaNeue"/>
               </a:rPr>
-              <a:t>Numerical columns are mostly grouped using:</a:t>
-            </a:r>
-          </a:p>
-          <a:p>
-            <a:r>
-              <a:rPr lang="en-US" sz="3500" dirty="0">
-                <a:latin typeface="HelveticaNeue"/>
+              <a:t>Aggregating </a:t>
+            </a:r>
+            <a:r>
+              <a:rPr lang="en-US" b="1" dirty="0">
+                <a:latin typeface="HelveticaNeue-Bold"/>
               </a:rPr>
-              <a:t>• </a:t>
+              <a:t>categorical columns</a:t>
             </a:r>
             <a:r>
               <a:rPr lang="en-US" dirty="0">
                 <a:latin typeface="HelveticaNeue"/>
               </a:rPr>
-              <a:t>Sum</a:t>
-            </a:r>
-          </a:p>
-          <a:p>
-            <a:r>
-              <a:rPr lang="en-US" sz="3500" dirty="0">
-                <a:latin typeface="HelveticaNeue"/>
-              </a:rPr>
-              <a:t>• </a:t>
-            </a:r>
+              <a:t>:</a:t>
+            </a:r>
+          </a:p>
+          <a:p>
+            <a:pPr marL="342900" indent="-342900">
+              <a:buFont typeface="Arial" panose="020B0604020202020204" pitchFamily="34" charset="0"/>
+              <a:buChar char="•"/>
+            </a:pPr>
             <a:r>
               <a:rPr lang="en-US" dirty="0">
                 <a:latin typeface="HelveticaNeue"/>
               </a:rPr>
-              <a:t>Mean</a:t>
+              <a:t>Highest frequency: the </a:t>
+            </a:r>
+            <a:r>
+              <a:rPr lang="en-US" b="1" dirty="0">
+                <a:latin typeface="HelveticaNeue-Bold"/>
+              </a:rPr>
+              <a:t>max </a:t>
+            </a:r>
+            <a:r>
+              <a:rPr lang="en-US" dirty="0">
+                <a:latin typeface="HelveticaNeue"/>
+              </a:rPr>
+              <a:t>operation for categorical columns</a:t>
+            </a:r>
+          </a:p>
+          <a:p>
+            <a:pPr marL="342900" indent="-342900">
+              <a:buFont typeface="Arial" panose="020B0604020202020204" pitchFamily="34" charset="0"/>
+              <a:buChar char="•"/>
+            </a:pPr>
+            <a:endParaRPr lang="en-US" dirty="0">
+              <a:latin typeface="HelveticaNeue"/>
+            </a:endParaRPr>
+          </a:p>
+          <a:p>
+            <a:pPr marL="342900" indent="-342900">
+              <a:buFont typeface="Arial" panose="020B0604020202020204" pitchFamily="34" charset="0"/>
+              <a:buChar char="•"/>
+            </a:pPr>
+            <a:endParaRPr lang="en-US" dirty="0">
+              <a:latin typeface="HelveticaNeue"/>
+            </a:endParaRPr>
+          </a:p>
+          <a:p>
+            <a:pPr marL="342900" indent="-342900">
+              <a:buFont typeface="Arial" panose="020B0604020202020204" pitchFamily="34" charset="0"/>
+              <a:buChar char="•"/>
+            </a:pPr>
+            <a:r>
+              <a:rPr lang="en-US" dirty="0">
+                <a:latin typeface="HelveticaNeue"/>
+              </a:rPr>
+              <a:t>Make a Pivot table: This would be a good option if you aim to go beyond binary flag columns and merge multiple features into aggregated features, which are more informative.</a:t>
+            </a:r>
+          </a:p>
+          <a:p>
+            <a:pPr marL="342900" indent="-342900">
+              <a:buFont typeface="Arial" panose="020B0604020202020204" pitchFamily="34" charset="0"/>
+              <a:buChar char="•"/>
+            </a:pPr>
+            <a:endParaRPr lang="en-US" dirty="0">
+              <a:latin typeface="HelveticaNeue"/>
+            </a:endParaRPr>
+          </a:p>
+          <a:p>
+            <a:pPr marL="342900" indent="-342900">
+              <a:buFont typeface="Arial" panose="020B0604020202020204" pitchFamily="34" charset="0"/>
+              <a:buChar char="•"/>
+            </a:pPr>
+            <a:r>
+              <a:rPr lang="en-US" dirty="0">
+                <a:latin typeface="HelveticaNeue"/>
+              </a:rPr>
+              <a:t>Apply one-hot encoding</a:t>
             </a:r>
             <a:endParaRPr lang="en-US" dirty="0"/>
           </a:p>
         </p:txBody>
       </p:sp>
+      <p:pic>
+        <p:nvPicPr>
+          <p:cNvPr id="2" name="Picture 1">
+            <a:extLst>
+              <a:ext uri="{FF2B5EF4-FFF2-40B4-BE49-F238E27FC236}">
+                <a16:creationId xmlns:a16="http://schemas.microsoft.com/office/drawing/2014/main" id="{D45093BB-9DE2-4E42-8DD3-FF315D306149}"/>
+              </a:ext>
+            </a:extLst>
+          </p:cNvPr>
+          <p:cNvPicPr>
+            <a:picLocks noChangeAspect="1"/>
+          </p:cNvPicPr>
+          <p:nvPr/>
+        </p:nvPicPr>
+        <p:blipFill rotWithShape="1">
+          <a:blip r:embed="rId3"/>
+          <a:srcRect l="1734" t="22881" r="10949" b="13310"/>
+          <a:stretch/>
+        </p:blipFill>
+        <p:spPr>
+          <a:xfrm>
+            <a:off x="2532888" y="2692400"/>
+            <a:ext cx="5661152" cy="568960"/>
+          </a:xfrm>
+          <a:prstGeom prst="rect">
+            <a:avLst/>
+          </a:prstGeom>
+        </p:spPr>
+      </p:pic>
       <p:pic>
         <p:nvPicPr>
           <p:cNvPr id="3" name="Picture 2">
             <a:extLst>
               <a:ext uri="{FF2B5EF4-FFF2-40B4-BE49-F238E27FC236}">
-                <a16:creationId xmlns:a16="http://schemas.microsoft.com/office/drawing/2014/main" id="{3F632CE1-4DA9-4020-A926-C6E381DD1CA8}"/>
+                <a16:creationId xmlns:a16="http://schemas.microsoft.com/office/drawing/2014/main" id="{8A2A418C-6048-4FEE-9809-5DB17D413B5E}"/>
               </a:ext>
             </a:extLst>
           </p:cNvPr>
@@ -16782,15 +17015,15 @@
           <p:nvPr/>
         </p:nvPicPr>
         <p:blipFill>
-          <a:blip r:embed="rId3"/>
+          <a:blip r:embed="rId4"/>
           <a:stretch>
             <a:fillRect/>
           </a:stretch>
         </p:blipFill>
         <p:spPr>
           <a:xfrm>
-            <a:off x="2620843" y="3264403"/>
-            <a:ext cx="7032967" cy="2399797"/>
+            <a:off x="6610417" y="4393360"/>
+            <a:ext cx="4708501" cy="1698400"/>
           </a:xfrm>
           <a:prstGeom prst="rect">
             <a:avLst/>
@@ -16800,7 +17033,7 @@
     </p:spTree>
     <p:extLst>
       <p:ext uri="{BB962C8B-B14F-4D97-AF65-F5344CB8AC3E}">
-        <p14:creationId xmlns:p14="http://schemas.microsoft.com/office/powerpoint/2010/main" val="2814150757"/>
+        <p14:creationId xmlns:p14="http://schemas.microsoft.com/office/powerpoint/2010/main" val="3804649061"/>
       </p:ext>
     </p:extLst>
   </p:cSld>
@@ -16858,7 +17091,7 @@
                   <a:srgbClr val="E46102"/>
                 </a:solidFill>
               </a:rPr>
-              <a:t>Splitting</a:t>
+              <a:t>Grouping</a:t>
             </a:r>
             <a:endParaRPr sz="4000" b="1" dirty="0">
               <a:solidFill>
@@ -16876,8 +17109,8 @@
         </p:nvSpPr>
         <p:spPr>
           <a:xfrm>
-            <a:off x="873083" y="1712171"/>
-            <a:ext cx="5294038" cy="4176000"/>
+            <a:off x="873082" y="1712171"/>
+            <a:ext cx="10660981" cy="4176000"/>
           </a:xfrm>
           <a:prstGeom prst="rect">
             <a:avLst/>
@@ -16893,47 +17126,50 @@
           </a:bodyPr>
           <a:lstStyle/>
           <a:p>
-            <a:pPr marL="342900" indent="-342900">
-              <a:buFont typeface="Arial" panose="020B0604020202020204" pitchFamily="34" charset="0"/>
-              <a:buChar char="•"/>
-            </a:pPr>
-            <a:r>
-              <a:rPr lang="en-US" dirty="0"/>
-              <a:t>Usually, dataset violates tidy data principles</a:t>
-            </a:r>
-          </a:p>
-          <a:p>
-            <a:pPr marL="342900" indent="-342900">
-              <a:buFont typeface="Arial" panose="020B0604020202020204" pitchFamily="34" charset="0"/>
-              <a:buChar char="•"/>
-            </a:pPr>
-            <a:r>
-              <a:rPr lang="en-US" b="1" dirty="0"/>
-              <a:t>Split </a:t>
-            </a:r>
-            <a:r>
-              <a:rPr lang="en-US" dirty="0"/>
-              <a:t>function is a good option, </a:t>
-            </a:r>
-          </a:p>
-          <a:p>
-            <a:pPr marL="952485" lvl="1" indent="-342900">
-              <a:buFont typeface="Arial" panose="020B0604020202020204" pitchFamily="34" charset="0"/>
-              <a:buChar char="•"/>
-            </a:pPr>
-            <a:r>
-              <a:rPr lang="en-US" dirty="0"/>
-              <a:t>however, there is no one way of splitting features</a:t>
-            </a:r>
+            <a:r>
+              <a:rPr lang="en-US" dirty="0">
+                <a:latin typeface="HelveticaNeue"/>
+              </a:rPr>
+              <a:t>Numerical columns are mostly grouped using:</a:t>
+            </a:r>
+          </a:p>
+          <a:p>
+            <a:r>
+              <a:rPr lang="en-US" sz="3500" dirty="0">
+                <a:latin typeface="HelveticaNeue"/>
+              </a:rPr>
+              <a:t>• </a:t>
+            </a:r>
+            <a:r>
+              <a:rPr lang="en-US" dirty="0">
+                <a:latin typeface="HelveticaNeue"/>
+              </a:rPr>
+              <a:t>Sum</a:t>
+            </a:r>
+          </a:p>
+          <a:p>
+            <a:r>
+              <a:rPr lang="en-US" sz="3500" dirty="0">
+                <a:latin typeface="HelveticaNeue"/>
+              </a:rPr>
+              <a:t>• </a:t>
+            </a:r>
+            <a:r>
+              <a:rPr lang="en-US" dirty="0">
+                <a:latin typeface="HelveticaNeue"/>
+              </a:rPr>
+              <a:t>Mean</a:t>
+            </a:r>
+            <a:endParaRPr lang="en-US" dirty="0"/>
           </a:p>
         </p:txBody>
       </p:sp>
       <p:pic>
         <p:nvPicPr>
-          <p:cNvPr id="2" name="Picture 1">
+          <p:cNvPr id="3" name="Picture 2">
             <a:extLst>
               <a:ext uri="{FF2B5EF4-FFF2-40B4-BE49-F238E27FC236}">
-                <a16:creationId xmlns:a16="http://schemas.microsoft.com/office/drawing/2014/main" id="{E5271760-8414-45F8-BCA4-9CB171F41D68}"/>
+                <a16:creationId xmlns:a16="http://schemas.microsoft.com/office/drawing/2014/main" id="{3F632CE1-4DA9-4020-A926-C6E381DD1CA8}"/>
               </a:ext>
             </a:extLst>
           </p:cNvPr>
@@ -16942,15 +17178,16 @@
           </p:cNvPicPr>
           <p:nvPr/>
         </p:nvPicPr>
-        <p:blipFill rotWithShape="1">
+        <p:blipFill>
           <a:blip r:embed="rId3"/>
-          <a:srcRect r="31910" b="3581"/>
-          <a:stretch/>
+          <a:stretch>
+            <a:fillRect/>
+          </a:stretch>
         </p:blipFill>
         <p:spPr>
           <a:xfrm>
-            <a:off x="6568537" y="1584500"/>
-            <a:ext cx="4643024" cy="4491180"/>
+            <a:off x="2620843" y="3264403"/>
+            <a:ext cx="7032967" cy="2399797"/>
           </a:xfrm>
           <a:prstGeom prst="rect">
             <a:avLst/>
@@ -16960,7 +17197,7 @@
     </p:spTree>
     <p:extLst>
       <p:ext uri="{BB962C8B-B14F-4D97-AF65-F5344CB8AC3E}">
-        <p14:creationId xmlns:p14="http://schemas.microsoft.com/office/powerpoint/2010/main" val="2772568856"/>
+        <p14:creationId xmlns:p14="http://schemas.microsoft.com/office/powerpoint/2010/main" val="2814150757"/>
       </p:ext>
     </p:extLst>
   </p:cSld>
@@ -17018,7 +17255,7 @@
                   <a:srgbClr val="E46102"/>
                 </a:solidFill>
               </a:rPr>
-              <a:t>Scaling</a:t>
+              <a:t>Splitting</a:t>
             </a:r>
             <a:endParaRPr sz="4000" b="1" dirty="0">
               <a:solidFill>
@@ -17036,8 +17273,8 @@
         </p:nvSpPr>
         <p:spPr>
           <a:xfrm>
-            <a:off x="873082" y="1712171"/>
-            <a:ext cx="10739798" cy="4176000"/>
+            <a:off x="873083" y="1712171"/>
+            <a:ext cx="5294038" cy="4176000"/>
           </a:xfrm>
           <a:prstGeom prst="rect">
             <a:avLst/>
@@ -17058,30 +17295,22 @@
               <a:buChar char="•"/>
             </a:pPr>
             <a:r>
-              <a:rPr lang="en-US" dirty="0">
-                <a:latin typeface="HelveticaNeue"/>
-              </a:rPr>
-              <a:t>In most cases, the numerical features of the dataset do not have a</a:t>
-            </a:r>
-          </a:p>
-          <a:p>
-            <a:r>
-              <a:rPr lang="en-US" dirty="0">
-                <a:latin typeface="HelveticaNeue"/>
-              </a:rPr>
-              <a:t>certain </a:t>
-            </a:r>
-            <a:r>
-              <a:rPr lang="en-US" b="1" dirty="0">
-                <a:latin typeface="HelveticaNeue-Bold"/>
-              </a:rPr>
-              <a:t>range </a:t>
-            </a:r>
-            <a:r>
-              <a:rPr lang="en-US" dirty="0">
-                <a:latin typeface="HelveticaNeue"/>
-              </a:rPr>
-              <a:t>and they differ from each other.</a:t>
+              <a:rPr lang="en-US" dirty="0"/>
+              <a:t>Usually, dataset violates tidy data principles</a:t>
+            </a:r>
+          </a:p>
+          <a:p>
+            <a:pPr marL="342900" indent="-342900">
+              <a:buFont typeface="Arial" panose="020B0604020202020204" pitchFamily="34" charset="0"/>
+              <a:buChar char="•"/>
+            </a:pPr>
+            <a:r>
+              <a:rPr lang="en-US" b="1" dirty="0"/>
+              <a:t>Split </a:t>
+            </a:r>
+            <a:r>
+              <a:rPr lang="en-US" dirty="0"/>
+              <a:t>function is a good option, </a:t>
             </a:r>
           </a:p>
           <a:p>
@@ -17090,126 +17319,45 @@
               <a:buChar char="•"/>
             </a:pPr>
             <a:r>
-              <a:rPr lang="en-US" b="1" dirty="0">
-                <a:latin typeface="HelveticaNeue-Bold"/>
-              </a:rPr>
-              <a:t>age </a:t>
-            </a:r>
-            <a:r>
-              <a:rPr lang="en-US" dirty="0">
-                <a:latin typeface="HelveticaNeue"/>
-              </a:rPr>
-              <a:t>and </a:t>
-            </a:r>
-            <a:r>
-              <a:rPr lang="en-US" b="1" dirty="0">
-                <a:latin typeface="HelveticaNeue-Bold"/>
-              </a:rPr>
-              <a:t>income </a:t>
-            </a:r>
-            <a:r>
-              <a:rPr lang="en-US" dirty="0">
-                <a:latin typeface="HelveticaNeue"/>
-              </a:rPr>
-              <a:t>columns cannot have same range</a:t>
-            </a:r>
-          </a:p>
-          <a:p>
-            <a:pPr marL="952485" lvl="1" indent="-342900">
-              <a:buFont typeface="Arial" panose="020B0604020202020204" pitchFamily="34" charset="0"/>
-              <a:buChar char="•"/>
-            </a:pPr>
-            <a:r>
-              <a:rPr lang="en-US" dirty="0">
-                <a:latin typeface="HelveticaNeue"/>
-              </a:rPr>
-              <a:t>from ML pov, how to compare the 2 columns?</a:t>
-            </a:r>
-          </a:p>
-          <a:p>
-            <a:pPr lvl="1"/>
-            <a:endParaRPr lang="en-US" dirty="0">
-              <a:latin typeface="HelveticaNeue"/>
-            </a:endParaRPr>
-          </a:p>
-          <a:p>
-            <a:pPr marL="342900" indent="-342900">
-              <a:buFont typeface="Arial" panose="020B0604020202020204" pitchFamily="34" charset="0"/>
-              <a:buChar char="•"/>
-            </a:pPr>
-            <a:r>
-              <a:rPr lang="en-US" dirty="0">
-                <a:latin typeface="HelveticaNeue"/>
-              </a:rPr>
-              <a:t>It is important for algorithms that work based on distance: such as </a:t>
-            </a:r>
-            <a:r>
-              <a:rPr lang="en-US" b="1" dirty="0">
-                <a:latin typeface="HelveticaNeue-Bold"/>
-              </a:rPr>
-              <a:t>k-NN </a:t>
-            </a:r>
-            <a:r>
-              <a:rPr lang="en-US" dirty="0">
-                <a:latin typeface="HelveticaNeue"/>
-              </a:rPr>
-              <a:t>or </a:t>
-            </a:r>
-            <a:r>
-              <a:rPr lang="en-US" b="1" dirty="0">
-                <a:latin typeface="HelveticaNeue-Bold"/>
-              </a:rPr>
-              <a:t>k-Means</a:t>
-            </a:r>
-          </a:p>
-          <a:p>
-            <a:endParaRPr lang="en-US" b="1" dirty="0">
-              <a:latin typeface="HelveticaNeue-Bold"/>
-            </a:endParaRPr>
-          </a:p>
-          <a:p>
-            <a:pPr marL="342900" indent="-342900">
-              <a:buFont typeface="Arial" panose="020B0604020202020204" pitchFamily="34" charset="0"/>
-              <a:buChar char="•"/>
-            </a:pPr>
-            <a:r>
-              <a:rPr lang="en-US" dirty="0">
-                <a:latin typeface="HelveticaNeue-Bold"/>
-              </a:rPr>
-              <a:t>t</a:t>
-            </a:r>
-            <a:r>
-              <a:rPr lang="en-US" dirty="0">
-                <a:latin typeface="HelveticaNeue"/>
-              </a:rPr>
-              <a:t>here are two common ways of scaling: </a:t>
-            </a:r>
-            <a:r>
-              <a:rPr lang="en-US" b="1" dirty="0">
-                <a:latin typeface="HelveticaNeue-Bold"/>
-              </a:rPr>
-              <a:t>Normalization</a:t>
-            </a:r>
-            <a:r>
-              <a:rPr lang="en-US" dirty="0">
-                <a:latin typeface="HelveticaNeue"/>
-              </a:rPr>
-              <a:t>, and </a:t>
-            </a:r>
-            <a:r>
-              <a:rPr lang="en-US" b="1" dirty="0">
-                <a:latin typeface="HelveticaNeue-Bold"/>
-              </a:rPr>
-              <a:t>Standardization</a:t>
-            </a:r>
-            <a:endParaRPr lang="en-US" dirty="0"/>
+              <a:rPr lang="en-US" dirty="0"/>
+              <a:t>however, there is no one way of splitting features</a:t>
+            </a:r>
           </a:p>
         </p:txBody>
       </p:sp>
+      <p:pic>
+        <p:nvPicPr>
+          <p:cNvPr id="2" name="Picture 1">
+            <a:extLst>
+              <a:ext uri="{FF2B5EF4-FFF2-40B4-BE49-F238E27FC236}">
+                <a16:creationId xmlns:a16="http://schemas.microsoft.com/office/drawing/2014/main" id="{E5271760-8414-45F8-BCA4-9CB171F41D68}"/>
+              </a:ext>
+            </a:extLst>
+          </p:cNvPr>
+          <p:cNvPicPr>
+            <a:picLocks noChangeAspect="1"/>
+          </p:cNvPicPr>
+          <p:nvPr/>
+        </p:nvPicPr>
+        <p:blipFill rotWithShape="1">
+          <a:blip r:embed="rId3"/>
+          <a:srcRect r="31910" b="3581"/>
+          <a:stretch/>
+        </p:blipFill>
+        <p:spPr>
+          <a:xfrm>
+            <a:off x="6568537" y="1584500"/>
+            <a:ext cx="4643024" cy="4491180"/>
+          </a:xfrm>
+          <a:prstGeom prst="rect">
+            <a:avLst/>
+          </a:prstGeom>
+        </p:spPr>
+      </p:pic>
     </p:spTree>
     <p:extLst>
       <p:ext uri="{BB962C8B-B14F-4D97-AF65-F5344CB8AC3E}">
-        <p14:creationId xmlns:p14="http://schemas.microsoft.com/office/powerpoint/2010/main" val="1062216291"/>
+        <p14:creationId xmlns:p14="http://schemas.microsoft.com/office/powerpoint/2010/main" val="2772568856"/>
       </p:ext>
     </p:extLst>
   </p:cSld>
@@ -17267,7 +17415,7 @@
                   <a:srgbClr val="E46102"/>
                 </a:solidFill>
               </a:rPr>
-              <a:t>Normalization</a:t>
+              <a:t>Scaling</a:t>
             </a:r>
             <a:endParaRPr sz="4000" b="1" dirty="0">
               <a:solidFill>
@@ -17307,122 +17455,158 @@
               <a:buChar char="•"/>
             </a:pPr>
             <a:r>
-              <a:rPr lang="en-US" dirty="0"/>
-              <a:t>Or </a:t>
-            </a:r>
-            <a:r>
-              <a:rPr lang="en-US" b="1" dirty="0"/>
-              <a:t>min-max normalization, </a:t>
-            </a:r>
-            <a:r>
-              <a:rPr lang="en-US" dirty="0"/>
-              <a:t> scale all values in a fixed range between </a:t>
-            </a:r>
-            <a:r>
-              <a:rPr lang="en-US" b="1" dirty="0"/>
-              <a:t>0 </a:t>
-            </a:r>
-            <a:r>
-              <a:rPr lang="en-US" dirty="0"/>
+              <a:rPr lang="en-US" dirty="0">
+                <a:latin typeface="HelveticaNeue"/>
+              </a:rPr>
+              <a:t>In most cases, the numerical features of the dataset do not have a</a:t>
+            </a:r>
+          </a:p>
+          <a:p>
+            <a:r>
+              <a:rPr lang="en-US" dirty="0">
+                <a:latin typeface="HelveticaNeue"/>
+              </a:rPr>
+              <a:t>certain </a:t>
+            </a:r>
+            <a:r>
+              <a:rPr lang="en-US" b="1" dirty="0">
+                <a:latin typeface="HelveticaNeue-Bold"/>
+              </a:rPr>
+              <a:t>range </a:t>
+            </a:r>
+            <a:r>
+              <a:rPr lang="en-US" dirty="0">
+                <a:latin typeface="HelveticaNeue"/>
+              </a:rPr>
+              <a:t>and they differ from each other.</a:t>
+            </a:r>
+          </a:p>
+          <a:p>
+            <a:pPr marL="952485" lvl="1" indent="-342900">
+              <a:buFont typeface="Arial" panose="020B0604020202020204" pitchFamily="34" charset="0"/>
+              <a:buChar char="•"/>
+            </a:pPr>
+            <a:r>
+              <a:rPr lang="en-US" b="1" dirty="0">
+                <a:latin typeface="HelveticaNeue-Bold"/>
+              </a:rPr>
+              <a:t>age </a:t>
+            </a:r>
+            <a:r>
+              <a:rPr lang="en-US" dirty="0">
+                <a:latin typeface="HelveticaNeue"/>
+              </a:rPr>
               <a:t>and </a:t>
             </a:r>
             <a:r>
-              <a:rPr lang="en-US" b="1" dirty="0"/>
-              <a:t>1</a:t>
-            </a:r>
-            <a:r>
-              <a:rPr lang="en-US" dirty="0"/>
-              <a:t>.</a:t>
-            </a:r>
+              <a:rPr lang="en-US" b="1" dirty="0">
+                <a:latin typeface="HelveticaNeue-Bold"/>
+              </a:rPr>
+              <a:t>income </a:t>
+            </a:r>
+            <a:r>
+              <a:rPr lang="en-US" dirty="0">
+                <a:latin typeface="HelveticaNeue"/>
+              </a:rPr>
+              <a:t>columns cannot have same range</a:t>
+            </a:r>
+          </a:p>
+          <a:p>
+            <a:pPr marL="952485" lvl="1" indent="-342900">
+              <a:buFont typeface="Arial" panose="020B0604020202020204" pitchFamily="34" charset="0"/>
+              <a:buChar char="•"/>
+            </a:pPr>
+            <a:r>
+              <a:rPr lang="en-US" dirty="0">
+                <a:latin typeface="HelveticaNeue"/>
+              </a:rPr>
+              <a:t>from ML pov, how to compare the 2 columns?</a:t>
+            </a:r>
+          </a:p>
+          <a:p>
+            <a:pPr lvl="1"/>
+            <a:endParaRPr lang="en-US" dirty="0">
+              <a:latin typeface="HelveticaNeue"/>
+            </a:endParaRPr>
           </a:p>
           <a:p>
             <a:pPr marL="342900" indent="-342900">
               <a:buFont typeface="Arial" panose="020B0604020202020204" pitchFamily="34" charset="0"/>
               <a:buChar char="•"/>
             </a:pPr>
-            <a:endParaRPr lang="en-US" dirty="0"/>
+            <a:r>
+              <a:rPr lang="en-US" dirty="0">
+                <a:latin typeface="HelveticaNeue"/>
+              </a:rPr>
+              <a:t>It is important for algorithms that work based on distance: such as </a:t>
+            </a:r>
+            <a:r>
+              <a:rPr lang="en-US" b="1" dirty="0">
+                <a:latin typeface="HelveticaNeue-Bold"/>
+              </a:rPr>
+              <a:t>k-NN </a:t>
+            </a:r>
+            <a:r>
+              <a:rPr lang="en-US" dirty="0">
+                <a:latin typeface="HelveticaNeue"/>
+              </a:rPr>
+              <a:t>or </a:t>
+            </a:r>
+            <a:r>
+              <a:rPr lang="en-US" b="1" dirty="0">
+                <a:latin typeface="HelveticaNeue-Bold"/>
+              </a:rPr>
+              <a:t>k-Means</a:t>
+            </a:r>
+          </a:p>
+          <a:p>
+            <a:endParaRPr lang="en-US" b="1" dirty="0">
+              <a:latin typeface="HelveticaNeue-Bold"/>
+            </a:endParaRPr>
           </a:p>
           <a:p>
             <a:pPr marL="342900" indent="-342900">
               <a:buFont typeface="Arial" panose="020B0604020202020204" pitchFamily="34" charset="0"/>
               <a:buChar char="•"/>
             </a:pPr>
+            <a:r>
+              <a:rPr lang="en-US" dirty="0">
+                <a:latin typeface="HelveticaNeue-Bold"/>
+              </a:rPr>
+              <a:t>t</a:t>
+            </a:r>
+            <a:r>
+              <a:rPr lang="en-US" dirty="0">
+                <a:latin typeface="HelveticaNeue"/>
+              </a:rPr>
+              <a:t>here are two common ways of scaling: </a:t>
+            </a:r>
+            <a:r>
+              <a:rPr lang="en-US" b="1" dirty="0">
+                <a:latin typeface="HelveticaNeue-Bold"/>
+              </a:rPr>
+              <a:t>Normalization</a:t>
+            </a:r>
+            <a:r>
+              <a:rPr lang="en-US" dirty="0">
+                <a:latin typeface="HelveticaNeue"/>
+              </a:rPr>
+              <a:t>, and </a:t>
+            </a:r>
+            <a:r>
+              <a:rPr lang="en-US" b="1" dirty="0">
+                <a:latin typeface="HelveticaNeue-Bold"/>
+              </a:rPr>
+              <a:t>Standardization</a:t>
+            </a:r>
             <a:endParaRPr lang="en-US" dirty="0"/>
           </a:p>
-          <a:p>
-            <a:pPr marL="342900" indent="-342900">
-              <a:buFont typeface="Arial" panose="020B0604020202020204" pitchFamily="34" charset="0"/>
-              <a:buChar char="•"/>
-            </a:pPr>
-            <a:endParaRPr lang="en-US" dirty="0"/>
-          </a:p>
-          <a:p>
-            <a:pPr marL="342900" indent="-342900">
-              <a:buFont typeface="Arial" panose="020B0604020202020204" pitchFamily="34" charset="0"/>
-              <a:buChar char="•"/>
-            </a:pPr>
-            <a:r>
-              <a:rPr lang="en-US" dirty="0"/>
-              <a:t>Transformation does not change distribution of features</a:t>
-            </a:r>
-          </a:p>
-          <a:p>
-            <a:pPr marL="342900" indent="-342900">
-              <a:buFont typeface="Arial" panose="020B0604020202020204" pitchFamily="34" charset="0"/>
-              <a:buChar char="•"/>
-            </a:pPr>
-            <a:endParaRPr lang="en-US" dirty="0"/>
-          </a:p>
-          <a:p>
-            <a:r>
-              <a:rPr lang="en-US" dirty="0"/>
-              <a:t>NOTE: Due to decreased standard deviations, effects of </a:t>
-            </a:r>
-            <a:r>
-              <a:rPr lang="en-US" b="1" dirty="0"/>
-              <a:t>outliers </a:t>
-            </a:r>
-            <a:r>
-              <a:rPr lang="en-US" dirty="0"/>
-              <a:t>increases. So before normalization, it is recommended to handle outliers.</a:t>
-            </a:r>
-          </a:p>
         </p:txBody>
       </p:sp>
-      <p:pic>
-        <p:nvPicPr>
-          <p:cNvPr id="2" name="Picture 1">
-            <a:extLst>
-              <a:ext uri="{FF2B5EF4-FFF2-40B4-BE49-F238E27FC236}">
-                <a16:creationId xmlns:a16="http://schemas.microsoft.com/office/drawing/2014/main" id="{EC3BCBBD-7564-41E5-B921-10CDB9020F5B}"/>
-              </a:ext>
-            </a:extLst>
-          </p:cNvPr>
-          <p:cNvPicPr>
-            <a:picLocks noChangeAspect="1"/>
-          </p:cNvPicPr>
-          <p:nvPr/>
-        </p:nvPicPr>
-        <p:blipFill>
-          <a:blip r:embed="rId3"/>
-          <a:stretch>
-            <a:fillRect/>
-          </a:stretch>
-        </p:blipFill>
-        <p:spPr>
-          <a:xfrm>
-            <a:off x="3858390" y="2306320"/>
-            <a:ext cx="3285258" cy="1246913"/>
-          </a:xfrm>
-          <a:prstGeom prst="rect">
-            <a:avLst/>
-          </a:prstGeom>
-        </p:spPr>
-      </p:pic>
     </p:spTree>
     <p:extLst>
       <p:ext uri="{BB962C8B-B14F-4D97-AF65-F5344CB8AC3E}">
-        <p14:creationId xmlns:p14="http://schemas.microsoft.com/office/powerpoint/2010/main" val="4259473078"/>
+        <p14:creationId xmlns:p14="http://schemas.microsoft.com/office/powerpoint/2010/main" val="1062216291"/>
       </p:ext>
     </p:extLst>
   </p:cSld>
@@ -17521,17 +17705,93 @@
             </a:pPr>
             <a:r>
               <a:rPr lang="en-US" dirty="0"/>
-              <a:t>Example: </a:t>
+              <a:t>Or </a:t>
+            </a:r>
+            <a:r>
+              <a:rPr lang="en-US" b="1" dirty="0"/>
+              <a:t>min-max normalization, </a:t>
+            </a:r>
+            <a:r>
+              <a:rPr lang="en-US" dirty="0"/>
+              <a:t> scale all values in a fixed range between </a:t>
+            </a:r>
+            <a:r>
+              <a:rPr lang="en-US" b="1" dirty="0"/>
+              <a:t>0 </a:t>
+            </a:r>
+            <a:r>
+              <a:rPr lang="en-US" dirty="0"/>
+              <a:t>and </a:t>
+            </a:r>
+            <a:r>
+              <a:rPr lang="en-US" b="1" dirty="0"/>
+              <a:t>1</a:t>
+            </a:r>
+            <a:r>
+              <a:rPr lang="en-US" dirty="0"/>
+              <a:t>.</a:t>
+            </a:r>
+          </a:p>
+          <a:p>
+            <a:pPr marL="342900" indent="-342900">
+              <a:buFont typeface="Arial" panose="020B0604020202020204" pitchFamily="34" charset="0"/>
+              <a:buChar char="•"/>
+            </a:pPr>
+            <a:endParaRPr lang="en-US" dirty="0"/>
+          </a:p>
+          <a:p>
+            <a:pPr marL="342900" indent="-342900">
+              <a:buFont typeface="Arial" panose="020B0604020202020204" pitchFamily="34" charset="0"/>
+              <a:buChar char="•"/>
+            </a:pPr>
+            <a:endParaRPr lang="en-US" dirty="0"/>
+          </a:p>
+          <a:p>
+            <a:pPr marL="342900" indent="-342900">
+              <a:buFont typeface="Arial" panose="020B0604020202020204" pitchFamily="34" charset="0"/>
+              <a:buChar char="•"/>
+            </a:pPr>
+            <a:endParaRPr lang="en-US" dirty="0"/>
+          </a:p>
+          <a:p>
+            <a:pPr marL="342900" indent="-342900">
+              <a:buFont typeface="Arial" panose="020B0604020202020204" pitchFamily="34" charset="0"/>
+              <a:buChar char="•"/>
+            </a:pPr>
+            <a:r>
+              <a:rPr lang="en-US" dirty="0"/>
+              <a:t>Transformation does not change distribution of features</a:t>
+            </a:r>
+          </a:p>
+          <a:p>
+            <a:pPr marL="342900" indent="-342900">
+              <a:buFont typeface="Arial" panose="020B0604020202020204" pitchFamily="34" charset="0"/>
+              <a:buChar char="•"/>
+            </a:pPr>
+            <a:endParaRPr lang="en-US" dirty="0"/>
+          </a:p>
+          <a:p>
+            <a:r>
+              <a:rPr lang="en-US" dirty="0"/>
+              <a:t>NOTE: Due to decreased standard deviations, effects of </a:t>
+            </a:r>
+            <a:r>
+              <a:rPr lang="en-US" b="1" dirty="0"/>
+              <a:t>outliers </a:t>
+            </a:r>
+            <a:r>
+              <a:rPr lang="en-US" dirty="0"/>
+              <a:t>increases. So before normalization, it is recommended to handle outliers.</a:t>
             </a:r>
           </a:p>
         </p:txBody>
       </p:sp>
       <p:pic>
         <p:nvPicPr>
-          <p:cNvPr id="3" name="Picture 2">
+          <p:cNvPr id="2" name="Picture 1">
             <a:extLst>
               <a:ext uri="{FF2B5EF4-FFF2-40B4-BE49-F238E27FC236}">
-                <a16:creationId xmlns:a16="http://schemas.microsoft.com/office/drawing/2014/main" id="{FC5519E2-A33D-4A07-A403-5AED67F5C204}"/>
+                <a16:creationId xmlns:a16="http://schemas.microsoft.com/office/drawing/2014/main" id="{EC3BCBBD-7564-41E5-B921-10CDB9020F5B}"/>
               </a:ext>
             </a:extLst>
           </p:cNvPr>
@@ -17548,8 +17808,8 @@
         </p:blipFill>
         <p:spPr>
           <a:xfrm>
-            <a:off x="2312767" y="2219003"/>
-            <a:ext cx="7860428" cy="3724597"/>
+            <a:off x="3858390" y="2306320"/>
+            <a:ext cx="3285258" cy="1246913"/>
           </a:xfrm>
           <a:prstGeom prst="rect">
             <a:avLst/>
@@ -17559,7 +17819,7 @@
     </p:spTree>
     <p:extLst>
       <p:ext uri="{BB962C8B-B14F-4D97-AF65-F5344CB8AC3E}">
-        <p14:creationId xmlns:p14="http://schemas.microsoft.com/office/powerpoint/2010/main" val="711776516"/>
+        <p14:creationId xmlns:p14="http://schemas.microsoft.com/office/powerpoint/2010/main" val="4259473078"/>
       </p:ext>
     </p:extLst>
   </p:cSld>
@@ -17617,7 +17877,7 @@
                   <a:srgbClr val="E46102"/>
                 </a:solidFill>
               </a:rPr>
-              <a:t>Standardization</a:t>
+              <a:t>Normalization</a:t>
             </a:r>
             <a:endParaRPr sz="4000" b="1" dirty="0">
               <a:solidFill>
@@ -17657,151 +17917,9 @@
               <a:buChar char="•"/>
             </a:pPr>
             <a:r>
-              <a:rPr lang="en-US" dirty="0">
-                <a:latin typeface="HelveticaNeue"/>
-              </a:rPr>
-              <a:t>Standardization (or </a:t>
-            </a:r>
-            <a:r>
-              <a:rPr lang="en-US" b="1" dirty="0">
-                <a:latin typeface="HelveticaNeue-Bold"/>
-              </a:rPr>
-              <a:t>z-score normalization</a:t>
-            </a:r>
-            <a:r>
-              <a:rPr lang="en-US" dirty="0">
-                <a:latin typeface="HelveticaNeue"/>
-              </a:rPr>
-              <a:t>) scales the values while taking</a:t>
-            </a:r>
-          </a:p>
-          <a:p>
-            <a:r>
-              <a:rPr lang="en-US" dirty="0">
-                <a:latin typeface="HelveticaNeue"/>
-              </a:rPr>
-              <a:t>into account standard deviation.</a:t>
-            </a:r>
-          </a:p>
-          <a:p>
-            <a:endParaRPr lang="en-US" dirty="0">
-              <a:latin typeface="HelveticaNeue"/>
-            </a:endParaRPr>
-          </a:p>
-          <a:p>
-            <a:pPr marL="342900" indent="-342900">
-              <a:buFont typeface="Arial" panose="020B0604020202020204" pitchFamily="34" charset="0"/>
-              <a:buChar char="•"/>
-            </a:pPr>
-            <a:r>
-              <a:rPr lang="en-US" b="1" dirty="0">
-                <a:latin typeface="HelveticaNeue-Bold"/>
-              </a:rPr>
-              <a:t>mean </a:t>
-            </a:r>
-            <a:r>
-              <a:rPr lang="en-US" dirty="0">
-                <a:latin typeface="HelveticaNeue"/>
-              </a:rPr>
-              <a:t>is shown as </a:t>
-            </a:r>
-            <a:r>
-              <a:rPr lang="en-US" b="1" i="1" dirty="0">
-                <a:latin typeface="HelveticaNeue-BoldItalic"/>
-              </a:rPr>
-              <a:t>μ </a:t>
-            </a:r>
-            <a:r>
-              <a:rPr lang="en-US" dirty="0">
-                <a:latin typeface="HelveticaNeue"/>
-              </a:rPr>
-              <a:t>and </a:t>
-            </a:r>
-            <a:r>
-              <a:rPr lang="en-US" b="1" dirty="0">
-                <a:latin typeface="HelveticaNeue-Bold"/>
-              </a:rPr>
-              <a:t>standard deviation </a:t>
-            </a:r>
-            <a:r>
-              <a:rPr lang="en-US" dirty="0">
-                <a:latin typeface="HelveticaNeue"/>
-              </a:rPr>
-              <a:t>is shown as </a:t>
-            </a:r>
-            <a:r>
-              <a:rPr lang="en-US" b="1" i="1" dirty="0">
-                <a:latin typeface="HelveticaNeue-BoldItalic"/>
-              </a:rPr>
-              <a:t>σ</a:t>
-            </a:r>
-            <a:r>
-              <a:rPr lang="en-US" dirty="0">
-                <a:latin typeface="HelveticaNeue"/>
-              </a:rPr>
-              <a:t>.</a:t>
-            </a:r>
-          </a:p>
-          <a:p>
-            <a:pPr marL="342900" indent="-342900">
-              <a:buFont typeface="Arial" panose="020B0604020202020204" pitchFamily="34" charset="0"/>
-              <a:buChar char="•"/>
-            </a:pPr>
-            <a:endParaRPr lang="en-US" dirty="0">
-              <a:latin typeface="HelveticaNeue"/>
-            </a:endParaRPr>
-          </a:p>
-          <a:p>
-            <a:pPr marL="342900" indent="-342900">
-              <a:buFont typeface="Arial" panose="020B0604020202020204" pitchFamily="34" charset="0"/>
-              <a:buChar char="•"/>
-            </a:pPr>
-            <a:endParaRPr lang="en-US" dirty="0">
-              <a:latin typeface="HelveticaNeue"/>
-            </a:endParaRPr>
-          </a:p>
-          <a:p>
-            <a:pPr marL="342900" indent="-342900">
-              <a:buFont typeface="Arial" panose="020B0604020202020204" pitchFamily="34" charset="0"/>
-              <a:buChar char="•"/>
-            </a:pPr>
-            <a:endParaRPr lang="en-US" dirty="0">
-              <a:latin typeface="HelveticaNeue"/>
-            </a:endParaRPr>
-          </a:p>
-          <a:p>
-            <a:pPr marL="342900" indent="-342900">
-              <a:buFont typeface="Arial" panose="020B0604020202020204" pitchFamily="34" charset="0"/>
-              <a:buChar char="•"/>
-            </a:pPr>
-            <a:endParaRPr lang="en-US" dirty="0">
-              <a:latin typeface="HelveticaNeue"/>
-            </a:endParaRPr>
-          </a:p>
-          <a:p>
-            <a:pPr marL="342900" indent="-342900">
-              <a:buFont typeface="Arial" panose="020B0604020202020204" pitchFamily="34" charset="0"/>
-              <a:buChar char="•"/>
-            </a:pPr>
-            <a:r>
-              <a:rPr lang="en-US" dirty="0">
-                <a:latin typeface="HelveticaNeue"/>
-              </a:rPr>
-              <a:t>If standard deviation of features is different, range would also differ from each other.</a:t>
-            </a:r>
-          </a:p>
-          <a:p>
-            <a:pPr marL="952485" lvl="1" indent="-342900">
-              <a:buFont typeface="Arial" panose="020B0604020202020204" pitchFamily="34" charset="0"/>
-              <a:buChar char="•"/>
-            </a:pPr>
-            <a:r>
-              <a:rPr lang="en-US" dirty="0">
-                <a:latin typeface="HelveticaNeue"/>
-              </a:rPr>
-              <a:t>Reduces effect of outliers in features</a:t>
-            </a:r>
-            <a:endParaRPr lang="en-US" dirty="0"/>
+              <a:rPr lang="en-US" dirty="0"/>
+              <a:t>Example: </a:t>
+            </a:r>
           </a:p>
         </p:txBody>
       </p:sp>
@@ -17810,7 +17928,7 @@
           <p:cNvPr id="3" name="Picture 2">
             <a:extLst>
               <a:ext uri="{FF2B5EF4-FFF2-40B4-BE49-F238E27FC236}">
-                <a16:creationId xmlns:a16="http://schemas.microsoft.com/office/drawing/2014/main" id="{58CD8C6B-60AA-419C-8869-457C0C8BE582}"/>
+                <a16:creationId xmlns:a16="http://schemas.microsoft.com/office/drawing/2014/main" id="{FC5519E2-A33D-4A07-A403-5AED67F5C204}"/>
               </a:ext>
             </a:extLst>
           </p:cNvPr>
@@ -17827,8 +17945,8 @@
         </p:blipFill>
         <p:spPr>
           <a:xfrm>
-            <a:off x="8714352" y="3267343"/>
-            <a:ext cx="2336768" cy="1375777"/>
+            <a:off x="2312767" y="2219003"/>
+            <a:ext cx="7860428" cy="3724597"/>
           </a:xfrm>
           <a:prstGeom prst="rect">
             <a:avLst/>
@@ -17838,7 +17956,7 @@
     </p:spTree>
     <p:extLst>
       <p:ext uri="{BB962C8B-B14F-4D97-AF65-F5344CB8AC3E}">
-        <p14:creationId xmlns:p14="http://schemas.microsoft.com/office/powerpoint/2010/main" val="467665129"/>
+        <p14:creationId xmlns:p14="http://schemas.microsoft.com/office/powerpoint/2010/main" val="711776516"/>
       </p:ext>
     </p:extLst>
   </p:cSld>
@@ -17936,18 +18054,160 @@
               <a:buChar char="•"/>
             </a:pPr>
             <a:r>
-              <a:rPr lang="en-US" dirty="0"/>
-              <a:t>Example: </a:t>
-            </a:r>
+              <a:rPr lang="en-US" dirty="0">
+                <a:latin typeface="HelveticaNeue"/>
+              </a:rPr>
+              <a:t>Standardization (or </a:t>
+            </a:r>
+            <a:r>
+              <a:rPr lang="en-US" b="1" dirty="0">
+                <a:latin typeface="HelveticaNeue-Bold"/>
+              </a:rPr>
+              <a:t>z-score normalization</a:t>
+            </a:r>
+            <a:r>
+              <a:rPr lang="en-US" dirty="0">
+                <a:latin typeface="HelveticaNeue"/>
+              </a:rPr>
+              <a:t>) scales the values while taking</a:t>
+            </a:r>
+          </a:p>
+          <a:p>
+            <a:r>
+              <a:rPr lang="en-US" dirty="0">
+                <a:latin typeface="HelveticaNeue"/>
+              </a:rPr>
+              <a:t>into account standard deviation.</a:t>
+            </a:r>
+          </a:p>
+          <a:p>
+            <a:endParaRPr lang="en-US" dirty="0">
+              <a:latin typeface="HelveticaNeue"/>
+            </a:endParaRPr>
+          </a:p>
+          <a:p>
+            <a:pPr marL="342900" indent="-342900">
+              <a:buFont typeface="Arial" panose="020B0604020202020204" pitchFamily="34" charset="0"/>
+              <a:buChar char="•"/>
+            </a:pPr>
+            <a:r>
+              <a:rPr lang="en-US" b="1" dirty="0">
+                <a:latin typeface="HelveticaNeue-Bold"/>
+              </a:rPr>
+              <a:t>mean </a:t>
+            </a:r>
+            <a:r>
+              <a:rPr lang="en-US" dirty="0">
+                <a:latin typeface="HelveticaNeue"/>
+              </a:rPr>
+              <a:t>is shown as </a:t>
+            </a:r>
+            <a:r>
+              <a:rPr lang="en-US" b="1" i="1" dirty="0">
+                <a:latin typeface="HelveticaNeue-BoldItalic"/>
+              </a:rPr>
+              <a:t>μ </a:t>
+            </a:r>
+            <a:r>
+              <a:rPr lang="en-US" dirty="0">
+                <a:latin typeface="HelveticaNeue"/>
+              </a:rPr>
+              <a:t>and </a:t>
+            </a:r>
+            <a:r>
+              <a:rPr lang="en-US" b="1" dirty="0">
+                <a:latin typeface="HelveticaNeue-Bold"/>
+              </a:rPr>
+              <a:t>standard deviation </a:t>
+            </a:r>
+            <a:r>
+              <a:rPr lang="en-US" dirty="0">
+                <a:latin typeface="HelveticaNeue"/>
+              </a:rPr>
+              <a:t>is shown as </a:t>
+            </a:r>
+            <a:r>
+              <a:rPr lang="en-US" b="1" i="1" dirty="0">
+                <a:latin typeface="HelveticaNeue-BoldItalic"/>
+              </a:rPr>
+              <a:t>σ</a:t>
+            </a:r>
+            <a:r>
+              <a:rPr lang="en-US" dirty="0">
+                <a:latin typeface="HelveticaNeue"/>
+              </a:rPr>
+              <a:t>.</a:t>
+            </a:r>
+          </a:p>
+          <a:p>
+            <a:pPr marL="342900" indent="-342900">
+              <a:buFont typeface="Arial" panose="020B0604020202020204" pitchFamily="34" charset="0"/>
+              <a:buChar char="•"/>
+            </a:pPr>
+            <a:endParaRPr lang="en-US" dirty="0">
+              <a:latin typeface="HelveticaNeue"/>
+            </a:endParaRPr>
+          </a:p>
+          <a:p>
+            <a:pPr marL="342900" indent="-342900">
+              <a:buFont typeface="Arial" panose="020B0604020202020204" pitchFamily="34" charset="0"/>
+              <a:buChar char="•"/>
+            </a:pPr>
+            <a:endParaRPr lang="en-US" dirty="0">
+              <a:latin typeface="HelveticaNeue"/>
+            </a:endParaRPr>
+          </a:p>
+          <a:p>
+            <a:pPr marL="342900" indent="-342900">
+              <a:buFont typeface="Arial" panose="020B0604020202020204" pitchFamily="34" charset="0"/>
+              <a:buChar char="•"/>
+            </a:pPr>
+            <a:endParaRPr lang="en-US" dirty="0">
+              <a:latin typeface="HelveticaNeue"/>
+            </a:endParaRPr>
+          </a:p>
+          <a:p>
+            <a:pPr marL="342900" indent="-342900">
+              <a:buFont typeface="Arial" panose="020B0604020202020204" pitchFamily="34" charset="0"/>
+              <a:buChar char="•"/>
+            </a:pPr>
+            <a:endParaRPr lang="en-US" dirty="0">
+              <a:latin typeface="HelveticaNeue"/>
+            </a:endParaRPr>
+          </a:p>
+          <a:p>
+            <a:pPr marL="342900" indent="-342900">
+              <a:buFont typeface="Arial" panose="020B0604020202020204" pitchFamily="34" charset="0"/>
+              <a:buChar char="•"/>
+            </a:pPr>
+            <a:r>
+              <a:rPr lang="en-US" dirty="0">
+                <a:latin typeface="HelveticaNeue"/>
+              </a:rPr>
+              <a:t>If standard deviation of features is different, range would also differ from each other.</a:t>
+            </a:r>
+          </a:p>
+          <a:p>
+            <a:pPr marL="952485" lvl="1" indent="-342900">
+              <a:buFont typeface="Arial" panose="020B0604020202020204" pitchFamily="34" charset="0"/>
+              <a:buChar char="•"/>
+            </a:pPr>
+            <a:r>
+              <a:rPr lang="en-US" dirty="0">
+                <a:latin typeface="HelveticaNeue"/>
+              </a:rPr>
+              <a:t>Reduces effect of outliers in features</a:t>
+            </a:r>
+            <a:endParaRPr lang="en-US" dirty="0"/>
           </a:p>
         </p:txBody>
       </p:sp>
       <p:pic>
         <p:nvPicPr>
-          <p:cNvPr id="2" name="Picture 1">
+          <p:cNvPr id="3" name="Picture 2">
             <a:extLst>
               <a:ext uri="{FF2B5EF4-FFF2-40B4-BE49-F238E27FC236}">
-                <a16:creationId xmlns:a16="http://schemas.microsoft.com/office/drawing/2014/main" id="{2C88F61C-4A1A-4100-B366-54CBAC8BB773}"/>
+                <a16:creationId xmlns:a16="http://schemas.microsoft.com/office/drawing/2014/main" id="{58CD8C6B-60AA-419C-8869-457C0C8BE582}"/>
               </a:ext>
             </a:extLst>
           </p:cNvPr>
@@ -17964,8 +18224,8 @@
         </p:blipFill>
         <p:spPr>
           <a:xfrm>
-            <a:off x="2659967" y="2278520"/>
-            <a:ext cx="7680044" cy="3882567"/>
+            <a:off x="8714352" y="3267343"/>
+            <a:ext cx="2336768" cy="1375777"/>
           </a:xfrm>
           <a:prstGeom prst="rect">
             <a:avLst/>
@@ -17975,7 +18235,7 @@
     </p:spTree>
     <p:extLst>
       <p:ext uri="{BB962C8B-B14F-4D97-AF65-F5344CB8AC3E}">
-        <p14:creationId xmlns:p14="http://schemas.microsoft.com/office/powerpoint/2010/main" val="545289877"/>
+        <p14:creationId xmlns:p14="http://schemas.microsoft.com/office/powerpoint/2010/main" val="467665129"/>
       </p:ext>
     </p:extLst>
   </p:cSld>
@@ -18221,7 +18481,7 @@
                   <a:srgbClr val="E46102"/>
                 </a:solidFill>
               </a:rPr>
-              <a:t>Key Elements of FE</a:t>
+              <a:t>Standardization</a:t>
             </a:r>
             <a:endParaRPr sz="4000" b="1" dirty="0">
               <a:solidFill>
@@ -18240,7 +18500,7 @@
         <p:spPr>
           <a:xfrm>
             <a:off x="873082" y="1712171"/>
-            <a:ext cx="10660981" cy="4176000"/>
+            <a:ext cx="10739798" cy="4176000"/>
           </a:xfrm>
           <a:prstGeom prst="rect">
             <a:avLst/>
@@ -18256,47 +18516,51 @@
           </a:bodyPr>
           <a:lstStyle/>
           <a:p>
-            <a:pPr algn="ctr"/>
-            <a:r>
-              <a:rPr lang="en-US" sz="2800" dirty="0"/>
-              <a:t>Target Transformation</a:t>
-            </a:r>
-          </a:p>
-          <a:p>
-            <a:pPr algn="ctr"/>
-            <a:endParaRPr lang="en-US" sz="2800" b="1" dirty="0"/>
-          </a:p>
-          <a:p>
-            <a:pPr algn="ctr"/>
-            <a:r>
-              <a:rPr lang="en-US" sz="2800" dirty="0"/>
-              <a:t>Feature Extraction</a:t>
-            </a:r>
-          </a:p>
-          <a:p>
-            <a:pPr algn="ctr"/>
-            <a:endParaRPr lang="en-US" sz="2800" dirty="0"/>
-          </a:p>
-          <a:p>
-            <a:pPr algn="ctr"/>
-            <a:r>
-              <a:rPr lang="en-US" sz="2800" b="1" dirty="0"/>
-              <a:t>Feature Encoding</a:t>
-            </a:r>
-          </a:p>
-          <a:p>
-            <a:pPr algn="ctr"/>
-            <a:r>
-              <a:rPr lang="en-US" sz="2800" b="1" dirty="0"/>
-              <a:t>(next lecture)</a:t>
+            <a:pPr marL="342900" indent="-342900">
+              <a:buFont typeface="Arial" panose="020B0604020202020204" pitchFamily="34" charset="0"/>
+              <a:buChar char="•"/>
+            </a:pPr>
+            <a:r>
+              <a:rPr lang="en-US" dirty="0"/>
+              <a:t>Example: </a:t>
             </a:r>
           </a:p>
         </p:txBody>
       </p:sp>
+      <p:pic>
+        <p:nvPicPr>
+          <p:cNvPr id="2" name="Picture 1">
+            <a:extLst>
+              <a:ext uri="{FF2B5EF4-FFF2-40B4-BE49-F238E27FC236}">
+                <a16:creationId xmlns:a16="http://schemas.microsoft.com/office/drawing/2014/main" id="{2C88F61C-4A1A-4100-B366-54CBAC8BB773}"/>
+              </a:ext>
+            </a:extLst>
+          </p:cNvPr>
+          <p:cNvPicPr>
+            <a:picLocks noChangeAspect="1"/>
+          </p:cNvPicPr>
+          <p:nvPr/>
+        </p:nvPicPr>
+        <p:blipFill>
+          <a:blip r:embed="rId3"/>
+          <a:stretch>
+            <a:fillRect/>
+          </a:stretch>
+        </p:blipFill>
+        <p:spPr>
+          <a:xfrm>
+            <a:off x="2659967" y="2278520"/>
+            <a:ext cx="7680044" cy="3882567"/>
+          </a:xfrm>
+          <a:prstGeom prst="rect">
+            <a:avLst/>
+          </a:prstGeom>
+        </p:spPr>
+      </p:pic>
     </p:spTree>
     <p:extLst>
       <p:ext uri="{BB962C8B-B14F-4D97-AF65-F5344CB8AC3E}">
-        <p14:creationId xmlns:p14="http://schemas.microsoft.com/office/powerpoint/2010/main" val="1893392908"/>
+        <p14:creationId xmlns:p14="http://schemas.microsoft.com/office/powerpoint/2010/main" val="545289877"/>
       </p:ext>
     </p:extLst>
   </p:cSld>
@@ -18335,6 +18599,139 @@
         </p:nvSpPr>
         <p:spPr>
           <a:xfrm>
+            <a:off x="717173" y="696913"/>
+            <a:ext cx="10972800" cy="506789"/>
+          </a:xfrm>
+          <a:prstGeom prst="rect">
+            <a:avLst/>
+          </a:prstGeom>
+        </p:spPr>
+        <p:txBody>
+          <a:bodyPr spcFirstLastPara="1" wrap="square" lIns="121900" tIns="121900" rIns="121900" bIns="121900" anchor="ctr" anchorCtr="0">
+            <a:noAutofit/>
+          </a:bodyPr>
+          <a:lstStyle/>
+          <a:p>
+            <a:r>
+              <a:rPr lang="en-US" sz="4000" b="1" dirty="0">
+                <a:solidFill>
+                  <a:srgbClr val="E46102"/>
+                </a:solidFill>
+              </a:rPr>
+              <a:t>Key Elements of FE</a:t>
+            </a:r>
+            <a:endParaRPr sz="4000" b="1" dirty="0">
+              <a:solidFill>
+                <a:srgbClr val="E46102"/>
+              </a:solidFill>
+            </a:endParaRPr>
+          </a:p>
+        </p:txBody>
+      </p:sp>
+      <p:sp>
+        <p:nvSpPr>
+          <p:cNvPr id="96" name="Google Shape;96;p14"/>
+          <p:cNvSpPr txBox="1"/>
+          <p:nvPr/>
+        </p:nvSpPr>
+        <p:spPr>
+          <a:xfrm>
+            <a:off x="873082" y="1712171"/>
+            <a:ext cx="10660981" cy="4176000"/>
+          </a:xfrm>
+          <a:prstGeom prst="rect">
+            <a:avLst/>
+          </a:prstGeom>
+          <a:noFill/>
+          <a:ln>
+            <a:noFill/>
+          </a:ln>
+        </p:spPr>
+        <p:txBody>
+          <a:bodyPr spcFirstLastPara="1" wrap="square" lIns="121900" tIns="121900" rIns="121900" bIns="121900" anchor="t" anchorCtr="0">
+            <a:noAutofit/>
+          </a:bodyPr>
+          <a:lstStyle/>
+          <a:p>
+            <a:pPr algn="ctr"/>
+            <a:r>
+              <a:rPr lang="en-US" sz="2800" dirty="0"/>
+              <a:t>Target Transformation</a:t>
+            </a:r>
+          </a:p>
+          <a:p>
+            <a:pPr algn="ctr"/>
+            <a:endParaRPr lang="en-US" sz="2800" b="1" dirty="0"/>
+          </a:p>
+          <a:p>
+            <a:pPr algn="ctr"/>
+            <a:r>
+              <a:rPr lang="en-US" sz="2800" dirty="0"/>
+              <a:t>Feature Extraction</a:t>
+            </a:r>
+          </a:p>
+          <a:p>
+            <a:pPr algn="ctr"/>
+            <a:endParaRPr lang="en-US" sz="2800" dirty="0"/>
+          </a:p>
+          <a:p>
+            <a:pPr algn="ctr"/>
+            <a:r>
+              <a:rPr lang="en-US" sz="2800" b="1" dirty="0"/>
+              <a:t>Feature Encoding</a:t>
+            </a:r>
+          </a:p>
+          <a:p>
+            <a:pPr algn="ctr"/>
+            <a:r>
+              <a:rPr lang="en-US" sz="2800" b="1" dirty="0"/>
+              <a:t>(next lecture)</a:t>
+            </a:r>
+          </a:p>
+        </p:txBody>
+      </p:sp>
+    </p:spTree>
+    <p:extLst>
+      <p:ext uri="{BB962C8B-B14F-4D97-AF65-F5344CB8AC3E}">
+        <p14:creationId xmlns:p14="http://schemas.microsoft.com/office/powerpoint/2010/main" val="1893392908"/>
+      </p:ext>
+    </p:extLst>
+  </p:cSld>
+  <p:clrMapOvr>
+    <a:masterClrMapping/>
+  </p:clrMapOvr>
+</p:sld>
+</file>
+
+<file path=ppt/slides/slide52.xml><?xml version="1.0" encoding="utf-8"?>
+<p:sld xmlns:a="http://schemas.openxmlformats.org/drawingml/2006/main" xmlns:r="http://schemas.openxmlformats.org/officeDocument/2006/relationships" xmlns:p="http://schemas.openxmlformats.org/presentationml/2006/main">
+  <p:cSld>
+    <p:spTree>
+      <p:nvGrpSpPr>
+        <p:cNvPr id="1" name="Shape 94"/>
+        <p:cNvGrpSpPr/>
+        <p:nvPr/>
+      </p:nvGrpSpPr>
+      <p:grpSpPr>
+        <a:xfrm>
+          <a:off x="0" y="0"/>
+          <a:ext cx="0" cy="0"/>
+          <a:chOff x="0" y="0"/>
+          <a:chExt cx="0" cy="0"/>
+        </a:xfrm>
+      </p:grpSpPr>
+      <p:sp>
+        <p:nvSpPr>
+          <p:cNvPr id="95" name="Google Shape;95;p14"/>
+          <p:cNvSpPr txBox="1">
+            <a:spLocks noGrp="1"/>
+          </p:cNvSpPr>
+          <p:nvPr>
+            <p:ph type="title" idx="4294967295"/>
+          </p:nvPr>
+        </p:nvSpPr>
+        <p:spPr>
+          <a:xfrm>
             <a:off x="818773" y="2690813"/>
             <a:ext cx="10972800" cy="506789"/>
           </a:xfrm>
@@ -18377,7 +18774,7 @@
 </p:sld>
 </file>
 
-<file path=ppt/slides/slide52.xml><?xml version="1.0" encoding="utf-8"?>
+<file path=ppt/slides/slide53.xml><?xml version="1.0" encoding="utf-8"?>
 <p:sld xmlns:a="http://schemas.openxmlformats.org/drawingml/2006/main" xmlns:r="http://schemas.openxmlformats.org/officeDocument/2006/relationships" xmlns:p="http://schemas.openxmlformats.org/presentationml/2006/main">
   <p:cSld>
     <p:spTree>
@@ -18544,7 +18941,7 @@
 </p:sld>
 </file>
 
-<file path=ppt/slides/slide53.xml><?xml version="1.0" encoding="utf-8"?>
+<file path=ppt/slides/slide54.xml><?xml version="1.0" encoding="utf-8"?>
 <p:sld xmlns:a="http://schemas.openxmlformats.org/drawingml/2006/main" xmlns:r="http://schemas.openxmlformats.org/officeDocument/2006/relationships" xmlns:p="http://schemas.openxmlformats.org/presentationml/2006/main">
   <p:cSld>
     <p:spTree>
@@ -18671,8 +19068,8 @@
         </p:nvSpPr>
         <p:spPr>
           <a:xfrm>
-            <a:off x="5924746" y="1712171"/>
-            <a:ext cx="5609317" cy="4176000"/>
+            <a:off x="5499847" y="1712171"/>
+            <a:ext cx="6190125" cy="4176000"/>
           </a:xfrm>
           <a:prstGeom prst="rect">
             <a:avLst/>
@@ -18711,7 +19108,7 @@
             </a:pPr>
             <a:r>
               <a:rPr lang="en-US" dirty="0"/>
-              <a:t>Prior experience</a:t>
+              <a:t>Prior experience in defining problem</a:t>
             </a:r>
           </a:p>
           <a:p>
@@ -18887,7 +19284,7 @@
                   <a:srgbClr val="E46102"/>
                 </a:solidFill>
               </a:rPr>
-              <a:t>Feature Engineering cycle</a:t>
+              <a:t>Feature Engineering (FE) cycle</a:t>
             </a:r>
             <a:endParaRPr sz="4000" b="1" dirty="0">
               <a:solidFill>
@@ -19186,7 +19583,7 @@
             </a:pPr>
             <a:r>
               <a:rPr lang="en-US" dirty="0"/>
-              <a:t>Time-consuming, need to run thousand of experiments</a:t>
+              <a:t>Time-consuming, may need to run thousands of experiments</a:t>
             </a:r>
           </a:p>
           <a:p>

--- a/Syllabus/Lecture14/Lec14.pptx
+++ b/Syllabus/Lecture14/Lec14.pptx
@@ -11452,12 +11452,8 @@
               <a:buChar char="•"/>
             </a:pPr>
             <a:r>
-              <a:rPr lang="en-US" dirty="0" err="1"/>
-              <a:t>Assing</a:t>
-            </a:r>
-            <a:r>
               <a:rPr lang="en-US" dirty="0"/>
-              <a:t> zero</a:t>
+              <a:t>zero</a:t>
             </a:r>
           </a:p>
           <a:p>
@@ -11466,12 +11462,8 @@
               <a:buChar char="•"/>
             </a:pPr>
             <a:r>
-              <a:rPr lang="en-US" dirty="0" err="1"/>
-              <a:t>Assing</a:t>
-            </a:r>
-            <a:r>
               <a:rPr lang="en-US" dirty="0"/>
-              <a:t> NA</a:t>
+              <a:t>NA</a:t>
             </a:r>
           </a:p>
           <a:p>
@@ -12608,19 +12600,7 @@
             </a:r>
             <a:r>
               <a:rPr lang="en-US" dirty="0"/>
-              <a:t>bject is </a:t>
-            </a:r>
-            <a:r>
-              <a:rPr lang="en-US" dirty="0" err="1"/>
-              <a:t>O</a:t>
-            </a:r>
-            <a:r>
-              <a:rPr lang="en-US" baseline="-25000" dirty="0" err="1"/>
-              <a:t>g</a:t>
-            </a:r>
-            <a:r>
-              <a:rPr lang="en-US" dirty="0"/>
-              <a:t> if it significantly deviates from rest of data set</a:t>
+              <a:t>bject significantly deviates from rest of data set</a:t>
             </a:r>
           </a:p>
           <a:p>
@@ -13652,75 +13632,6 @@
           </a:prstGeom>
         </p:spPr>
       </p:pic>
-      <p:sp>
-        <p:nvSpPr>
-          <p:cNvPr id="5" name="Google Shape;96;p14">
-            <a:extLst>
-              <a:ext uri="{FF2B5EF4-FFF2-40B4-BE49-F238E27FC236}">
-                <a16:creationId xmlns:a16="http://schemas.microsoft.com/office/drawing/2014/main" id="{5B4B8F88-758A-423A-8A80-1F3CDD84D357}"/>
-              </a:ext>
-            </a:extLst>
-          </p:cNvPr>
-          <p:cNvSpPr txBox="1"/>
-          <p:nvPr/>
-        </p:nvSpPr>
-        <p:spPr>
-          <a:xfrm>
-            <a:off x="636912" y="3429000"/>
-            <a:ext cx="7411105" cy="3120957"/>
-          </a:xfrm>
-          <a:prstGeom prst="rect">
-            <a:avLst/>
-          </a:prstGeom>
-          <a:noFill/>
-          <a:ln>
-            <a:noFill/>
-          </a:ln>
-        </p:spPr>
-        <p:txBody>
-          <a:bodyPr spcFirstLastPara="1" wrap="square" lIns="121900" tIns="121900" rIns="121900" bIns="121900" anchor="t" anchorCtr="0">
-            <a:noAutofit/>
-          </a:bodyPr>
-          <a:lstStyle/>
-          <a:p>
-            <a:pPr marL="342900" indent="-342900">
-              <a:buFont typeface="Arial" panose="020B0604020202020204" pitchFamily="34" charset="0"/>
-              <a:buChar char="•"/>
-            </a:pPr>
-            <a:r>
-              <a:rPr lang="en-US" dirty="0"/>
-              <a:t>Three points between 10 to 12, these are outliers as there are not included in box of other observation </a:t>
-            </a:r>
-            <a:r>
-              <a:rPr lang="en-US" dirty="0" err="1"/>
-              <a:t>i.e</a:t>
-            </a:r>
-            <a:r>
-              <a:rPr lang="en-US" dirty="0"/>
-              <a:t> no where near quartiles.</a:t>
-            </a:r>
-          </a:p>
-          <a:p>
-            <a:pPr marL="342900" indent="-342900">
-              <a:buFont typeface="Arial" panose="020B0604020202020204" pitchFamily="34" charset="0"/>
-              <a:buChar char="•"/>
-            </a:pPr>
-            <a:r>
-              <a:rPr lang="en-US" dirty="0"/>
-              <a:t>Here we analyzed </a:t>
-            </a:r>
-            <a:r>
-              <a:rPr lang="en-US" dirty="0" err="1"/>
-              <a:t>uni</a:t>
-            </a:r>
-            <a:r>
-              <a:rPr lang="en-US"/>
-              <a:t>-variate outlier</a:t>
-            </a:r>
-            <a:endParaRPr lang="en-US" dirty="0"/>
-          </a:p>
-        </p:txBody>
-      </p:sp>
     </p:spTree>
     <p:extLst>
       <p:ext uri="{BB962C8B-B14F-4D97-AF65-F5344CB8AC3E}">
@@ -15924,8 +15835,12 @@
               <a:buChar char="•"/>
             </a:pPr>
             <a:r>
+              <a:rPr lang="en-US" u="sng" dirty="0"/>
+              <a:t>Numerical binning</a:t>
+            </a:r>
+            <a:r>
               <a:rPr lang="en-US" dirty="0"/>
-              <a:t>Numerical binning: binning might be redundant due to its effect on model</a:t>
+              <a:t>: binning might be redundant due to its effect on model</a:t>
             </a:r>
           </a:p>
           <a:p>
@@ -15940,7 +15855,15 @@
           <a:p>
             <a:r>
               <a:rPr lang="en-US" dirty="0"/>
-              <a:t>• Categorical binning: labels with low frequencies </a:t>
+              <a:t>• </a:t>
+            </a:r>
+            <a:r>
+              <a:rPr lang="en-US" u="sng" dirty="0"/>
+              <a:t>Categorical binning</a:t>
+            </a:r>
+            <a:r>
+              <a:rPr lang="en-US" dirty="0"/>
+              <a:t>: labels with low frequencies </a:t>
             </a:r>
             <a:r>
               <a:rPr lang="en-US" i="1" dirty="0"/>
